--- a/slides/0005.pptx
+++ b/slides/0005.pptx
@@ -266,7 +266,7 @@
           <a:p>
             <a:fld id="{5AEC58D5-D0FD-5D43-AC21-2C9A8E377766}" type="datetimeFigureOut">
               <a:rPr lang="en-US" smtClean="0"/>
-              <a:t>4/8/18</a:t>
+              <a:t>7/22/18</a:t>
             </a:fld>
             <a:endParaRPr lang="en-US"/>
           </a:p>
@@ -464,7 +464,7 @@
           <a:p>
             <a:fld id="{5AEC58D5-D0FD-5D43-AC21-2C9A8E377766}" type="datetimeFigureOut">
               <a:rPr lang="en-US" smtClean="0"/>
-              <a:t>4/8/18</a:t>
+              <a:t>7/22/18</a:t>
             </a:fld>
             <a:endParaRPr lang="en-US"/>
           </a:p>
@@ -672,7 +672,7 @@
           <a:p>
             <a:fld id="{5AEC58D5-D0FD-5D43-AC21-2C9A8E377766}" type="datetimeFigureOut">
               <a:rPr lang="en-US" smtClean="0"/>
-              <a:t>4/8/18</a:t>
+              <a:t>7/22/18</a:t>
             </a:fld>
             <a:endParaRPr lang="en-US"/>
           </a:p>
@@ -870,7 +870,7 @@
           <a:p>
             <a:fld id="{5AEC58D5-D0FD-5D43-AC21-2C9A8E377766}" type="datetimeFigureOut">
               <a:rPr lang="en-US" smtClean="0"/>
-              <a:t>4/8/18</a:t>
+              <a:t>7/22/18</a:t>
             </a:fld>
             <a:endParaRPr lang="en-US"/>
           </a:p>
@@ -1145,7 +1145,7 @@
           <a:p>
             <a:fld id="{5AEC58D5-D0FD-5D43-AC21-2C9A8E377766}" type="datetimeFigureOut">
               <a:rPr lang="en-US" smtClean="0"/>
-              <a:t>4/8/18</a:t>
+              <a:t>7/22/18</a:t>
             </a:fld>
             <a:endParaRPr lang="en-US"/>
           </a:p>
@@ -1410,7 +1410,7 @@
           <a:p>
             <a:fld id="{5AEC58D5-D0FD-5D43-AC21-2C9A8E377766}" type="datetimeFigureOut">
               <a:rPr lang="en-US" smtClean="0"/>
-              <a:t>4/8/18</a:t>
+              <a:t>7/22/18</a:t>
             </a:fld>
             <a:endParaRPr lang="en-US"/>
           </a:p>
@@ -1822,7 +1822,7 @@
           <a:p>
             <a:fld id="{5AEC58D5-D0FD-5D43-AC21-2C9A8E377766}" type="datetimeFigureOut">
               <a:rPr lang="en-US" smtClean="0"/>
-              <a:t>4/8/18</a:t>
+              <a:t>7/22/18</a:t>
             </a:fld>
             <a:endParaRPr lang="en-US"/>
           </a:p>
@@ -1963,7 +1963,7 @@
           <a:p>
             <a:fld id="{5AEC58D5-D0FD-5D43-AC21-2C9A8E377766}" type="datetimeFigureOut">
               <a:rPr lang="en-US" smtClean="0"/>
-              <a:t>4/8/18</a:t>
+              <a:t>7/22/18</a:t>
             </a:fld>
             <a:endParaRPr lang="en-US"/>
           </a:p>
@@ -2076,7 +2076,7 @@
           <a:p>
             <a:fld id="{5AEC58D5-D0FD-5D43-AC21-2C9A8E377766}" type="datetimeFigureOut">
               <a:rPr lang="en-US" smtClean="0"/>
-              <a:t>4/8/18</a:t>
+              <a:t>7/22/18</a:t>
             </a:fld>
             <a:endParaRPr lang="en-US"/>
           </a:p>
@@ -2387,7 +2387,7 @@
           <a:p>
             <a:fld id="{5AEC58D5-D0FD-5D43-AC21-2C9A8E377766}" type="datetimeFigureOut">
               <a:rPr lang="en-US" smtClean="0"/>
-              <a:t>4/8/18</a:t>
+              <a:t>7/22/18</a:t>
             </a:fld>
             <a:endParaRPr lang="en-US"/>
           </a:p>
@@ -2675,7 +2675,7 @@
           <a:p>
             <a:fld id="{5AEC58D5-D0FD-5D43-AC21-2C9A8E377766}" type="datetimeFigureOut">
               <a:rPr lang="en-US" smtClean="0"/>
-              <a:t>4/8/18</a:t>
+              <a:t>7/22/18</a:t>
             </a:fld>
             <a:endParaRPr lang="en-US"/>
           </a:p>
@@ -2916,7 +2916,7 @@
           <a:p>
             <a:fld id="{5AEC58D5-D0FD-5D43-AC21-2C9A8E377766}" type="datetimeFigureOut">
               <a:rPr lang="en-US" smtClean="0"/>
-              <a:t>4/8/18</a:t>
+              <a:t>7/22/18</a:t>
             </a:fld>
             <a:endParaRPr lang="en-US"/>
           </a:p>
@@ -3333,258 +3333,6 @@
           <a:chExt cx="0" cy="0"/>
         </a:xfrm>
       </p:grpSpPr>
-      <p:pic>
-        <p:nvPicPr>
-          <p:cNvPr id="8" name="Picture 7">
-            <a:extLst>
-              <a:ext uri="{FF2B5EF4-FFF2-40B4-BE49-F238E27FC236}">
-                <a16:creationId xmlns:a16="http://schemas.microsoft.com/office/drawing/2014/main" id="{F96D5DC7-8553-184D-AC8D-D9D805762A30}"/>
-              </a:ext>
-            </a:extLst>
-          </p:cNvPr>
-          <p:cNvPicPr>
-            <a:picLocks noChangeAspect="1"/>
-          </p:cNvPicPr>
-          <p:nvPr/>
-        </p:nvPicPr>
-        <p:blipFill>
-          <a:blip r:embed="rId2">
-            <a:extLst>
-              <a:ext uri="{28A0092B-C50C-407E-A947-70E740481C1C}">
-                <a14:useLocalDpi xmlns:a14="http://schemas.microsoft.com/office/drawing/2010/main" val="0"/>
-              </a:ext>
-            </a:extLst>
-          </a:blip>
-          <a:stretch>
-            <a:fillRect/>
-          </a:stretch>
-        </p:blipFill>
-        <p:spPr>
-          <a:xfrm>
-            <a:off x="1170505" y="4262253"/>
-            <a:ext cx="2319867" cy="1739900"/>
-          </a:xfrm>
-          <a:prstGeom prst="rect">
-            <a:avLst/>
-          </a:prstGeom>
-        </p:spPr>
-      </p:pic>
-      <p:pic>
-        <p:nvPicPr>
-          <p:cNvPr id="10" name="Picture 9">
-            <a:extLst>
-              <a:ext uri="{FF2B5EF4-FFF2-40B4-BE49-F238E27FC236}">
-                <a16:creationId xmlns:a16="http://schemas.microsoft.com/office/drawing/2014/main" id="{B3A3C89C-D182-A44A-8E1F-B143D84938D8}"/>
-              </a:ext>
-            </a:extLst>
-          </p:cNvPr>
-          <p:cNvPicPr>
-            <a:picLocks noChangeAspect="1"/>
-          </p:cNvPicPr>
-          <p:nvPr/>
-        </p:nvPicPr>
-        <p:blipFill>
-          <a:blip r:embed="rId3">
-            <a:extLst>
-              <a:ext uri="{28A0092B-C50C-407E-A947-70E740481C1C}">
-                <a14:useLocalDpi xmlns:a14="http://schemas.microsoft.com/office/drawing/2010/main" val="0"/>
-              </a:ext>
-            </a:extLst>
-          </a:blip>
-          <a:stretch>
-            <a:fillRect/>
-          </a:stretch>
-        </p:blipFill>
-        <p:spPr>
-          <a:xfrm>
-            <a:off x="4140411" y="4897252"/>
-            <a:ext cx="1625600" cy="1625600"/>
-          </a:xfrm>
-          <a:prstGeom prst="rect">
-            <a:avLst/>
-          </a:prstGeom>
-        </p:spPr>
-      </p:pic>
-      <p:pic>
-        <p:nvPicPr>
-          <p:cNvPr id="12" name="Picture 11">
-            <a:extLst>
-              <a:ext uri="{FF2B5EF4-FFF2-40B4-BE49-F238E27FC236}">
-                <a16:creationId xmlns:a16="http://schemas.microsoft.com/office/drawing/2014/main" id="{C3B4AFC4-4FE2-FC41-9F61-811A38597EBA}"/>
-              </a:ext>
-            </a:extLst>
-          </p:cNvPr>
-          <p:cNvPicPr>
-            <a:picLocks noChangeAspect="1"/>
-          </p:cNvPicPr>
-          <p:nvPr/>
-        </p:nvPicPr>
-        <p:blipFill>
-          <a:blip r:embed="rId4">
-            <a:extLst>
-              <a:ext uri="{28A0092B-C50C-407E-A947-70E740481C1C}">
-                <a14:useLocalDpi xmlns:a14="http://schemas.microsoft.com/office/drawing/2010/main" val="0"/>
-              </a:ext>
-            </a:extLst>
-          </a:blip>
-          <a:stretch>
-            <a:fillRect/>
-          </a:stretch>
-        </p:blipFill>
-        <p:spPr>
-          <a:xfrm>
-            <a:off x="8048216" y="1637032"/>
-            <a:ext cx="1654049" cy="1676401"/>
-          </a:xfrm>
-          <a:prstGeom prst="rect">
-            <a:avLst/>
-          </a:prstGeom>
-        </p:spPr>
-      </p:pic>
-      <p:pic>
-        <p:nvPicPr>
-          <p:cNvPr id="17" name="Picture 16">
-            <a:extLst>
-              <a:ext uri="{FF2B5EF4-FFF2-40B4-BE49-F238E27FC236}">
-                <a16:creationId xmlns:a16="http://schemas.microsoft.com/office/drawing/2014/main" id="{EBE7D5DA-C412-4F4A-B107-62E485024DD8}"/>
-              </a:ext>
-            </a:extLst>
-          </p:cNvPr>
-          <p:cNvPicPr>
-            <a:picLocks noChangeAspect="1"/>
-          </p:cNvPicPr>
-          <p:nvPr/>
-        </p:nvPicPr>
-        <p:blipFill>
-          <a:blip r:embed="rId5">
-            <a:extLst>
-              <a:ext uri="{28A0092B-C50C-407E-A947-70E740481C1C}">
-                <a14:useLocalDpi xmlns:a14="http://schemas.microsoft.com/office/drawing/2010/main" val="0"/>
-              </a:ext>
-            </a:extLst>
-          </a:blip>
-          <a:stretch>
-            <a:fillRect/>
-          </a:stretch>
-        </p:blipFill>
-        <p:spPr>
-          <a:xfrm rot="5180789">
-            <a:off x="3641930" y="1982601"/>
-            <a:ext cx="825500" cy="825500"/>
-          </a:xfrm>
-          <a:prstGeom prst="rect">
-            <a:avLst/>
-          </a:prstGeom>
-        </p:spPr>
-      </p:pic>
-      <p:pic>
-        <p:nvPicPr>
-          <p:cNvPr id="18" name="Picture 17">
-            <a:extLst>
-              <a:ext uri="{FF2B5EF4-FFF2-40B4-BE49-F238E27FC236}">
-                <a16:creationId xmlns:a16="http://schemas.microsoft.com/office/drawing/2014/main" id="{71417BE0-16B0-CD41-BE6D-54DE345AB664}"/>
-              </a:ext>
-            </a:extLst>
-          </p:cNvPr>
-          <p:cNvPicPr>
-            <a:picLocks noChangeAspect="1"/>
-          </p:cNvPicPr>
-          <p:nvPr/>
-        </p:nvPicPr>
-        <p:blipFill>
-          <a:blip r:embed="rId5">
-            <a:extLst>
-              <a:ext uri="{28A0092B-C50C-407E-A947-70E740481C1C}">
-                <a14:useLocalDpi xmlns:a14="http://schemas.microsoft.com/office/drawing/2010/main" val="0"/>
-              </a:ext>
-            </a:extLst>
-          </a:blip>
-          <a:stretch>
-            <a:fillRect/>
-          </a:stretch>
-        </p:blipFill>
-        <p:spPr>
-          <a:xfrm rot="2983656">
-            <a:off x="3145931" y="3849502"/>
-            <a:ext cx="825500" cy="825500"/>
-          </a:xfrm>
-          <a:prstGeom prst="rect">
-            <a:avLst/>
-          </a:prstGeom>
-        </p:spPr>
-      </p:pic>
-      <p:pic>
-        <p:nvPicPr>
-          <p:cNvPr id="20" name="Picture 19">
-            <a:extLst>
-              <a:ext uri="{FF2B5EF4-FFF2-40B4-BE49-F238E27FC236}">
-                <a16:creationId xmlns:a16="http://schemas.microsoft.com/office/drawing/2014/main" id="{463D1818-AAFF-4B4D-B76A-FCF715295AEA}"/>
-              </a:ext>
-            </a:extLst>
-          </p:cNvPr>
-          <p:cNvPicPr>
-            <a:picLocks noChangeAspect="1"/>
-          </p:cNvPicPr>
-          <p:nvPr/>
-        </p:nvPicPr>
-        <p:blipFill>
-          <a:blip r:embed="rId6">
-            <a:extLst>
-              <a:ext uri="{28A0092B-C50C-407E-A947-70E740481C1C}">
-                <a14:useLocalDpi xmlns:a14="http://schemas.microsoft.com/office/drawing/2010/main" val="0"/>
-              </a:ext>
-            </a:extLst>
-          </a:blip>
-          <a:stretch>
-            <a:fillRect/>
-          </a:stretch>
-        </p:blipFill>
-        <p:spPr>
-          <a:xfrm rot="821894">
-            <a:off x="4385483" y="2972554"/>
-            <a:ext cx="1664418" cy="1664418"/>
-          </a:xfrm>
-          <a:prstGeom prst="rect">
-            <a:avLst/>
-          </a:prstGeom>
-        </p:spPr>
-      </p:pic>
-      <p:pic>
-        <p:nvPicPr>
-          <p:cNvPr id="21" name="Picture 20">
-            <a:extLst>
-              <a:ext uri="{FF2B5EF4-FFF2-40B4-BE49-F238E27FC236}">
-                <a16:creationId xmlns:a16="http://schemas.microsoft.com/office/drawing/2014/main" id="{02AADF00-3416-0D4F-B4C2-025917C7F696}"/>
-              </a:ext>
-            </a:extLst>
-          </p:cNvPr>
-          <p:cNvPicPr>
-            <a:picLocks noChangeAspect="1"/>
-          </p:cNvPicPr>
-          <p:nvPr/>
-        </p:nvPicPr>
-        <p:blipFill>
-          <a:blip r:embed="rId6">
-            <a:extLst>
-              <a:ext uri="{28A0092B-C50C-407E-A947-70E740481C1C}">
-                <a14:useLocalDpi xmlns:a14="http://schemas.microsoft.com/office/drawing/2010/main" val="0"/>
-              </a:ext>
-            </a:extLst>
-          </a:blip>
-          <a:stretch>
-            <a:fillRect/>
-          </a:stretch>
-        </p:blipFill>
-        <p:spPr>
-          <a:xfrm rot="11723199">
-            <a:off x="4183335" y="3717098"/>
-            <a:ext cx="1672336" cy="1672336"/>
-          </a:xfrm>
-          <a:prstGeom prst="rect">
-            <a:avLst/>
-          </a:prstGeom>
-        </p:spPr>
-      </p:pic>
       <p:sp>
         <p:nvSpPr>
           <p:cNvPr id="28" name="TextBox 27">
@@ -3599,7 +3347,7 @@
         </p:nvSpPr>
         <p:spPr>
           <a:xfrm>
-            <a:off x="1365842" y="3455515"/>
+            <a:off x="810031" y="3733421"/>
             <a:ext cx="1415772" cy="584775"/>
           </a:xfrm>
           <a:prstGeom prst="rect">
@@ -3644,9 +3392,9 @@
           <p:nvPr/>
         </p:nvCxnSpPr>
         <p:spPr>
-          <a:xfrm flipV="1">
-            <a:off x="9326499" y="2391478"/>
-            <a:ext cx="1287869" cy="3894"/>
+          <a:xfrm>
+            <a:off x="8459935" y="2669384"/>
+            <a:ext cx="1598622" cy="0"/>
           </a:xfrm>
           <a:prstGeom prst="line">
             <a:avLst/>
@@ -3686,8 +3434,8 @@
         </p:nvSpPr>
         <p:spPr>
           <a:xfrm>
-            <a:off x="9401217" y="915497"/>
-            <a:ext cx="2268570" cy="1015663"/>
+            <a:off x="8840110" y="1235195"/>
+            <a:ext cx="2012089" cy="1015663"/>
           </a:xfrm>
           <a:prstGeom prst="rect">
             <a:avLst/>
@@ -3731,9 +3479,9 @@
             </a:pPr>
             <a:r>
               <a:rPr lang="ja-JP" altLang="en-US" sz="2000" b="1"/>
-              <a:t>ケーブルテレビ</a:t>
-            </a:r>
-            <a:endParaRPr lang="en-US" sz="2000" b="1" dirty="0"/>
+              <a:t>その他</a:t>
+            </a:r>
+            <a:endParaRPr lang="en-US" altLang="ja-JP" sz="2000" b="1" dirty="0"/>
           </a:p>
         </p:txBody>
       </p:sp>
@@ -3751,7 +3499,7 @@
         </p:nvSpPr>
         <p:spPr>
           <a:xfrm>
-            <a:off x="8273766" y="3316187"/>
+            <a:off x="7388464" y="3595742"/>
             <a:ext cx="1293945" cy="830997"/>
           </a:xfrm>
           <a:prstGeom prst="rect">
@@ -3788,42 +3536,6 @@
           </a:p>
         </p:txBody>
       </p:sp>
-      <p:pic>
-        <p:nvPicPr>
-          <p:cNvPr id="35" name="Picture 34">
-            <a:extLst>
-              <a:ext uri="{FF2B5EF4-FFF2-40B4-BE49-F238E27FC236}">
-                <a16:creationId xmlns:a16="http://schemas.microsoft.com/office/drawing/2014/main" id="{76BBFFF1-7131-9B40-B332-2245D189D582}"/>
-              </a:ext>
-            </a:extLst>
-          </p:cNvPr>
-          <p:cNvPicPr>
-            <a:picLocks noChangeAspect="1"/>
-          </p:cNvPicPr>
-          <p:nvPr/>
-        </p:nvPicPr>
-        <p:blipFill>
-          <a:blip r:embed="rId7">
-            <a:extLst>
-              <a:ext uri="{28A0092B-C50C-407E-A947-70E740481C1C}">
-                <a14:useLocalDpi xmlns:a14="http://schemas.microsoft.com/office/drawing/2010/main" val="0"/>
-              </a:ext>
-            </a:extLst>
-          </a:blip>
-          <a:stretch>
-            <a:fillRect/>
-          </a:stretch>
-        </p:blipFill>
-        <p:spPr>
-          <a:xfrm>
-            <a:off x="9591415" y="4278325"/>
-            <a:ext cx="1888174" cy="1888174"/>
-          </a:xfrm>
-          <a:prstGeom prst="rect">
-            <a:avLst/>
-          </a:prstGeom>
-        </p:spPr>
-      </p:pic>
       <p:sp>
         <p:nvSpPr>
           <p:cNvPr id="36" name="TextBox 35">
@@ -3838,8 +3550,8 @@
         </p:nvSpPr>
         <p:spPr>
           <a:xfrm>
-            <a:off x="8080338" y="4870593"/>
-            <a:ext cx="1396023" cy="523220"/>
+            <a:off x="7302386" y="5148413"/>
+            <a:ext cx="1566070" cy="584775"/>
           </a:xfrm>
           <a:prstGeom prst="rect">
             <a:avLst/>
@@ -3853,7 +3565,7 @@
           <a:lstStyle/>
           <a:p>
             <a:r>
-              <a:rPr lang="en-US" sz="2800" b="1" dirty="0"/>
+              <a:rPr lang="en-US" sz="3200" b="1" dirty="0"/>
               <a:t>Internet</a:t>
             </a:r>
           </a:p>
@@ -3873,8 +3585,8 @@
         </p:nvSpPr>
         <p:spPr>
           <a:xfrm>
-            <a:off x="1365842" y="442761"/>
-            <a:ext cx="4679783" cy="6080092"/>
+            <a:off x="819401" y="693375"/>
+            <a:ext cx="4679783" cy="5698460"/>
           </a:xfrm>
           <a:prstGeom prst="roundRect">
             <a:avLst/>
@@ -3923,8 +3635,395 @@
         </p:nvCxnSpPr>
         <p:spPr>
           <a:xfrm flipV="1">
-            <a:off x="10535502" y="2391478"/>
+            <a:off x="9979691" y="2669384"/>
             <a:ext cx="0" cy="1705964"/>
+          </a:xfrm>
+          <a:prstGeom prst="line">
+            <a:avLst/>
+          </a:prstGeom>
+          <a:ln w="38100">
+            <a:solidFill>
+              <a:schemeClr val="tx1"/>
+            </a:solidFill>
+          </a:ln>
+        </p:spPr>
+        <p:style>
+          <a:lnRef idx="1">
+            <a:schemeClr val="accent1"/>
+          </a:lnRef>
+          <a:fillRef idx="0">
+            <a:schemeClr val="accent1"/>
+          </a:fillRef>
+          <a:effectRef idx="0">
+            <a:schemeClr val="accent1"/>
+          </a:effectRef>
+          <a:fontRef idx="minor">
+            <a:schemeClr val="tx1"/>
+          </a:fontRef>
+        </p:style>
+      </p:cxnSp>
+      <p:sp>
+        <p:nvSpPr>
+          <p:cNvPr id="9" name="TextBox 8">
+            <a:extLst>
+              <a:ext uri="{FF2B5EF4-FFF2-40B4-BE49-F238E27FC236}">
+                <a16:creationId xmlns:a16="http://schemas.microsoft.com/office/drawing/2014/main" id="{97F768D7-9FA9-764D-AF63-43468F754C0C}"/>
+              </a:ext>
+            </a:extLst>
+          </p:cNvPr>
+          <p:cNvSpPr txBox="1"/>
+          <p:nvPr/>
+        </p:nvSpPr>
+        <p:spPr>
+          <a:xfrm>
+            <a:off x="1491304" y="484728"/>
+            <a:ext cx="3262432" cy="461665"/>
+          </a:xfrm>
+          <a:prstGeom prst="rect">
+            <a:avLst/>
+          </a:prstGeom>
+          <a:solidFill>
+            <a:schemeClr val="bg1"/>
+          </a:solidFill>
+        </p:spPr>
+        <p:txBody>
+          <a:bodyPr wrap="none" rtlCol="0">
+            <a:spAutoFit/>
+          </a:bodyPr>
+          <a:lstStyle/>
+          <a:p>
+            <a:r>
+              <a:rPr lang="ja-JP" altLang="en-US" sz="2400" b="1"/>
+              <a:t>自宅内のネットワーク</a:t>
+            </a:r>
+            <a:endParaRPr lang="en-US" sz="2400" b="1" dirty="0"/>
+          </a:p>
+        </p:txBody>
+      </p:sp>
+      <p:sp>
+        <p:nvSpPr>
+          <p:cNvPr id="34" name="Cloud 33">
+            <a:extLst>
+              <a:ext uri="{FF2B5EF4-FFF2-40B4-BE49-F238E27FC236}">
+                <a16:creationId xmlns:a16="http://schemas.microsoft.com/office/drawing/2014/main" id="{1B52A99F-E00E-624E-96EC-D1801C08126B}"/>
+              </a:ext>
+            </a:extLst>
+          </p:cNvPr>
+          <p:cNvSpPr/>
+          <p:nvPr/>
+        </p:nvSpPr>
+        <p:spPr>
+          <a:xfrm>
+            <a:off x="9274750" y="2356049"/>
+            <a:ext cx="1385369" cy="671292"/>
+          </a:xfrm>
+          <a:prstGeom prst="cloud">
+            <a:avLst/>
+          </a:prstGeom>
+          <a:solidFill>
+            <a:schemeClr val="bg2"/>
+          </a:solidFill>
+          <a:ln>
+            <a:noFill/>
+          </a:ln>
+        </p:spPr>
+        <p:style>
+          <a:lnRef idx="2">
+            <a:schemeClr val="accent1">
+              <a:shade val="50000"/>
+            </a:schemeClr>
+          </a:lnRef>
+          <a:fillRef idx="1">
+            <a:schemeClr val="accent1"/>
+          </a:fillRef>
+          <a:effectRef idx="0">
+            <a:schemeClr val="accent1"/>
+          </a:effectRef>
+          <a:fontRef idx="minor">
+            <a:schemeClr val="lt1"/>
+          </a:fontRef>
+        </p:style>
+        <p:txBody>
+          <a:bodyPr rtlCol="0" anchor="ctr"/>
+          <a:lstStyle/>
+          <a:p>
+            <a:pPr algn="ctr"/>
+            <a:endParaRPr lang="en-US"/>
+          </a:p>
+        </p:txBody>
+      </p:sp>
+      <p:sp>
+        <p:nvSpPr>
+          <p:cNvPr id="38" name="TextBox 37">
+            <a:extLst>
+              <a:ext uri="{FF2B5EF4-FFF2-40B4-BE49-F238E27FC236}">
+                <a16:creationId xmlns:a16="http://schemas.microsoft.com/office/drawing/2014/main" id="{B1A1F4E3-1DF1-154C-8CAD-1C6525F48891}"/>
+              </a:ext>
+            </a:extLst>
+          </p:cNvPr>
+          <p:cNvSpPr txBox="1"/>
+          <p:nvPr/>
+        </p:nvSpPr>
+        <p:spPr>
+          <a:xfrm>
+            <a:off x="7013760" y="600135"/>
+            <a:ext cx="3262432" cy="461665"/>
+          </a:xfrm>
+          <a:prstGeom prst="rect">
+            <a:avLst/>
+          </a:prstGeom>
+          <a:solidFill>
+            <a:schemeClr val="bg1"/>
+          </a:solidFill>
+        </p:spPr>
+        <p:txBody>
+          <a:bodyPr wrap="none" rtlCol="0">
+            <a:spAutoFit/>
+          </a:bodyPr>
+          <a:lstStyle/>
+          <a:p>
+            <a:r>
+              <a:rPr lang="ja-JP" altLang="en-US" sz="2400" b="1"/>
+              <a:t>自宅ネットワークの外</a:t>
+            </a:r>
+            <a:endParaRPr lang="en-US" sz="2400" b="1" dirty="0"/>
+          </a:p>
+        </p:txBody>
+      </p:sp>
+      <p:pic>
+        <p:nvPicPr>
+          <p:cNvPr id="4" name="Picture 3">
+            <a:extLst>
+              <a:ext uri="{FF2B5EF4-FFF2-40B4-BE49-F238E27FC236}">
+                <a16:creationId xmlns:a16="http://schemas.microsoft.com/office/drawing/2014/main" id="{35630463-9DA3-DF48-BE71-EE3141CA7EDC}"/>
+              </a:ext>
+            </a:extLst>
+          </p:cNvPr>
+          <p:cNvPicPr>
+            <a:picLocks noChangeAspect="1"/>
+          </p:cNvPicPr>
+          <p:nvPr/>
+        </p:nvPicPr>
+        <p:blipFill>
+          <a:blip r:embed="rId2">
+            <a:extLst>
+              <a:ext uri="{28A0092B-C50C-407E-A947-70E740481C1C}">
+                <a14:useLocalDpi xmlns:a14="http://schemas.microsoft.com/office/drawing/2010/main" val="0"/>
+              </a:ext>
+            </a:extLst>
+          </a:blip>
+          <a:stretch>
+            <a:fillRect/>
+          </a:stretch>
+        </p:blipFill>
+        <p:spPr>
+          <a:xfrm>
+            <a:off x="1140090" y="961045"/>
+            <a:ext cx="1914424" cy="1914424"/>
+          </a:xfrm>
+          <a:prstGeom prst="rect">
+            <a:avLst/>
+          </a:prstGeom>
+        </p:spPr>
+      </p:pic>
+      <p:pic>
+        <p:nvPicPr>
+          <p:cNvPr id="5" name="Picture 4">
+            <a:extLst>
+              <a:ext uri="{FF2B5EF4-FFF2-40B4-BE49-F238E27FC236}">
+                <a16:creationId xmlns:a16="http://schemas.microsoft.com/office/drawing/2014/main" id="{FBD1F1CA-213C-E947-96A5-09511A2383CD}"/>
+              </a:ext>
+            </a:extLst>
+          </p:cNvPr>
+          <p:cNvPicPr>
+            <a:picLocks noChangeAspect="1"/>
+          </p:cNvPicPr>
+          <p:nvPr/>
+        </p:nvPicPr>
+        <p:blipFill>
+          <a:blip r:embed="rId3">
+            <a:extLst>
+              <a:ext uri="{28A0092B-C50C-407E-A947-70E740481C1C}">
+                <a14:useLocalDpi xmlns:a14="http://schemas.microsoft.com/office/drawing/2010/main" val="0"/>
+              </a:ext>
+            </a:extLst>
+          </a:blip>
+          <a:stretch>
+            <a:fillRect/>
+          </a:stretch>
+        </p:blipFill>
+        <p:spPr>
+          <a:xfrm>
+            <a:off x="1412723" y="2509345"/>
+            <a:ext cx="1328682" cy="1328682"/>
+          </a:xfrm>
+          <a:prstGeom prst="rect">
+            <a:avLst/>
+          </a:prstGeom>
+        </p:spPr>
+      </p:pic>
+      <p:pic>
+        <p:nvPicPr>
+          <p:cNvPr id="7" name="Picture 6">
+            <a:extLst>
+              <a:ext uri="{FF2B5EF4-FFF2-40B4-BE49-F238E27FC236}">
+                <a16:creationId xmlns:a16="http://schemas.microsoft.com/office/drawing/2014/main" id="{606BD52B-006A-E74E-8038-A3E0E481B73D}"/>
+              </a:ext>
+            </a:extLst>
+          </p:cNvPr>
+          <p:cNvPicPr>
+            <a:picLocks noChangeAspect="1"/>
+          </p:cNvPicPr>
+          <p:nvPr/>
+        </p:nvPicPr>
+        <p:blipFill>
+          <a:blip r:embed="rId4">
+            <a:extLst>
+              <a:ext uri="{28A0092B-C50C-407E-A947-70E740481C1C}">
+                <a14:useLocalDpi xmlns:a14="http://schemas.microsoft.com/office/drawing/2010/main" val="0"/>
+              </a:ext>
+            </a:extLst>
+          </a:blip>
+          <a:stretch>
+            <a:fillRect/>
+          </a:stretch>
+        </p:blipFill>
+        <p:spPr>
+          <a:xfrm>
+            <a:off x="1058419" y="4196539"/>
+            <a:ext cx="2037289" cy="2037289"/>
+          </a:xfrm>
+          <a:prstGeom prst="rect">
+            <a:avLst/>
+          </a:prstGeom>
+        </p:spPr>
+      </p:pic>
+      <p:pic>
+        <p:nvPicPr>
+          <p:cNvPr id="13" name="Picture 12">
+            <a:extLst>
+              <a:ext uri="{FF2B5EF4-FFF2-40B4-BE49-F238E27FC236}">
+                <a16:creationId xmlns:a16="http://schemas.microsoft.com/office/drawing/2014/main" id="{A65F178A-84A6-D747-A113-BB4DCDC9BC54}"/>
+              </a:ext>
+            </a:extLst>
+          </p:cNvPr>
+          <p:cNvPicPr>
+            <a:picLocks noChangeAspect="1"/>
+          </p:cNvPicPr>
+          <p:nvPr/>
+        </p:nvPicPr>
+        <p:blipFill>
+          <a:blip r:embed="rId5">
+            <a:extLst>
+              <a:ext uri="{28A0092B-C50C-407E-A947-70E740481C1C}">
+                <a14:useLocalDpi xmlns:a14="http://schemas.microsoft.com/office/drawing/2010/main" val="0"/>
+              </a:ext>
+            </a:extLst>
+          </a:blip>
+          <a:stretch>
+            <a:fillRect/>
+          </a:stretch>
+        </p:blipFill>
+        <p:spPr>
+          <a:xfrm rot="2656578">
+            <a:off x="3127011" y="3871550"/>
+            <a:ext cx="1559774" cy="1559774"/>
+          </a:xfrm>
+          <a:prstGeom prst="rect">
+            <a:avLst/>
+          </a:prstGeom>
+        </p:spPr>
+      </p:pic>
+      <p:pic>
+        <p:nvPicPr>
+          <p:cNvPr id="19" name="Picture 18">
+            <a:extLst>
+              <a:ext uri="{FF2B5EF4-FFF2-40B4-BE49-F238E27FC236}">
+                <a16:creationId xmlns:a16="http://schemas.microsoft.com/office/drawing/2014/main" id="{7C175926-29DA-A046-A003-6D1C26E77458}"/>
+              </a:ext>
+            </a:extLst>
+          </p:cNvPr>
+          <p:cNvPicPr>
+            <a:picLocks noChangeAspect="1"/>
+          </p:cNvPicPr>
+          <p:nvPr/>
+        </p:nvPicPr>
+        <p:blipFill>
+          <a:blip r:embed="rId6">
+            <a:extLst>
+              <a:ext uri="{28A0092B-C50C-407E-A947-70E740481C1C}">
+                <a14:useLocalDpi xmlns:a14="http://schemas.microsoft.com/office/drawing/2010/main" val="0"/>
+              </a:ext>
+            </a:extLst>
+          </a:blip>
+          <a:stretch>
+            <a:fillRect/>
+          </a:stretch>
+        </p:blipFill>
+        <p:spPr>
+          <a:xfrm>
+            <a:off x="6903280" y="1500277"/>
+            <a:ext cx="2286098" cy="2286098"/>
+          </a:xfrm>
+          <a:prstGeom prst="rect">
+            <a:avLst/>
+          </a:prstGeom>
+        </p:spPr>
+      </p:pic>
+      <p:pic>
+        <p:nvPicPr>
+          <p:cNvPr id="23" name="Picture 22">
+            <a:extLst>
+              <a:ext uri="{FF2B5EF4-FFF2-40B4-BE49-F238E27FC236}">
+                <a16:creationId xmlns:a16="http://schemas.microsoft.com/office/drawing/2014/main" id="{14B657B0-B8B1-8641-ABD2-77C33A155FE2}"/>
+              </a:ext>
+            </a:extLst>
+          </p:cNvPr>
+          <p:cNvPicPr>
+            <a:picLocks noChangeAspect="1"/>
+          </p:cNvPicPr>
+          <p:nvPr/>
+        </p:nvPicPr>
+        <p:blipFill>
+          <a:blip r:embed="rId7">
+            <a:extLst>
+              <a:ext uri="{28A0092B-C50C-407E-A947-70E740481C1C}">
+                <a14:useLocalDpi xmlns:a14="http://schemas.microsoft.com/office/drawing/2010/main" val="0"/>
+              </a:ext>
+            </a:extLst>
+          </a:blip>
+          <a:stretch>
+            <a:fillRect/>
+          </a:stretch>
+        </p:blipFill>
+        <p:spPr>
+          <a:xfrm>
+            <a:off x="8887503" y="4291523"/>
+            <a:ext cx="2159861" cy="2159861"/>
+          </a:xfrm>
+          <a:prstGeom prst="rect">
+            <a:avLst/>
+          </a:prstGeom>
+        </p:spPr>
+      </p:pic>
+      <p:cxnSp>
+        <p:nvCxnSpPr>
+          <p:cNvPr id="37" name="Straight Connector 36">
+            <a:extLst>
+              <a:ext uri="{FF2B5EF4-FFF2-40B4-BE49-F238E27FC236}">
+                <a16:creationId xmlns:a16="http://schemas.microsoft.com/office/drawing/2014/main" id="{DDC97389-C621-4E42-9F71-ADAB82441CB5}"/>
+              </a:ext>
+            </a:extLst>
+          </p:cNvPr>
+          <p:cNvCxnSpPr>
+            <a:cxnSpLocks/>
+          </p:cNvCxnSpPr>
+          <p:nvPr/>
+        </p:nvCxnSpPr>
+        <p:spPr>
+          <a:xfrm>
+            <a:off x="6273865" y="2670383"/>
+            <a:ext cx="1045879" cy="4156"/>
           </a:xfrm>
           <a:prstGeom prst="line">
             <a:avLst/>
@@ -3952,10 +4051,10 @@
       </p:cxnSp>
       <p:pic>
         <p:nvPicPr>
-          <p:cNvPr id="27" name="Picture 26">
-            <a:extLst>
-              <a:ext uri="{FF2B5EF4-FFF2-40B4-BE49-F238E27FC236}">
-                <a16:creationId xmlns:a16="http://schemas.microsoft.com/office/drawing/2014/main" id="{3CA271B0-7E1F-7E49-93E5-9BCF6B19E23B}"/>
+          <p:cNvPr id="6" name="Picture 5">
+            <a:extLst>
+              <a:ext uri="{FF2B5EF4-FFF2-40B4-BE49-F238E27FC236}">
+                <a16:creationId xmlns:a16="http://schemas.microsoft.com/office/drawing/2014/main" id="{CBED08DD-CB88-2645-ABD0-E2DAE50FA81D}"/>
               </a:ext>
             </a:extLst>
           </p:cNvPr>
@@ -3965,37 +4064,7 @@
           <p:nvPr/>
         </p:nvPicPr>
         <p:blipFill>
-          <a:blip r:embed="rId8"/>
-          <a:stretch>
-            <a:fillRect/>
-          </a:stretch>
-        </p:blipFill>
-        <p:spPr>
-          <a:xfrm>
-            <a:off x="5049028" y="1076348"/>
-            <a:ext cx="2582569" cy="2157205"/>
-          </a:xfrm>
-          <a:prstGeom prst="rect">
-            <a:avLst/>
-          </a:prstGeom>
-        </p:spPr>
-      </p:pic>
-      <p:pic>
-        <p:nvPicPr>
-          <p:cNvPr id="29" name="Picture 28">
-            <a:extLst>
-              <a:ext uri="{FF2B5EF4-FFF2-40B4-BE49-F238E27FC236}">
-                <a16:creationId xmlns:a16="http://schemas.microsoft.com/office/drawing/2014/main" id="{DBDB2264-742A-4642-B4E8-DA0BBA077DBF}"/>
-              </a:ext>
-            </a:extLst>
-          </p:cNvPr>
-          <p:cNvPicPr>
-            <a:picLocks noChangeAspect="1"/>
-          </p:cNvPicPr>
-          <p:nvPr/>
-        </p:nvPicPr>
-        <p:blipFill>
-          <a:blip r:embed="rId6">
+          <a:blip r:embed="rId8">
             <a:extLst>
               <a:ext uri="{28A0092B-C50C-407E-A947-70E740481C1C}">
                 <a14:useLocalDpi xmlns:a14="http://schemas.microsoft.com/office/drawing/2010/main" val="0"/>
@@ -4008,110 +4077,36 @@
         </p:blipFill>
         <p:spPr>
           <a:xfrm rot="16200000">
-            <a:off x="6183575" y="1605116"/>
-            <a:ext cx="1664418" cy="1664418"/>
+            <a:off x="3122520" y="2079675"/>
+            <a:ext cx="1365097" cy="1365097"/>
           </a:xfrm>
           <a:prstGeom prst="rect">
             <a:avLst/>
           </a:prstGeom>
         </p:spPr>
       </p:pic>
-      <p:pic>
-        <p:nvPicPr>
-          <p:cNvPr id="30" name="Picture 29">
-            <a:extLst>
-              <a:ext uri="{FF2B5EF4-FFF2-40B4-BE49-F238E27FC236}">
-                <a16:creationId xmlns:a16="http://schemas.microsoft.com/office/drawing/2014/main" id="{E5137FB3-B79A-C04D-A4F1-57D04D3D9EBE}"/>
-              </a:ext>
-            </a:extLst>
-          </p:cNvPr>
-          <p:cNvPicPr>
-            <a:picLocks noChangeAspect="1"/>
-          </p:cNvPicPr>
-          <p:nvPr/>
-        </p:nvPicPr>
-        <p:blipFill>
-          <a:blip r:embed="rId6">
-            <a:extLst>
-              <a:ext uri="{28A0092B-C50C-407E-A947-70E740481C1C}">
-                <a14:useLocalDpi xmlns:a14="http://schemas.microsoft.com/office/drawing/2010/main" val="0"/>
-              </a:ext>
-            </a:extLst>
-          </a:blip>
-          <a:stretch>
-            <a:fillRect/>
-          </a:stretch>
-        </p:blipFill>
-        <p:spPr>
-          <a:xfrm rot="5400000">
-            <a:off x="6919276" y="1597198"/>
-            <a:ext cx="1672336" cy="1672336"/>
-          </a:xfrm>
-          <a:prstGeom prst="rect">
-            <a:avLst/>
-          </a:prstGeom>
-        </p:spPr>
-      </p:pic>
-      <p:sp>
-        <p:nvSpPr>
-          <p:cNvPr id="9" name="TextBox 8">
-            <a:extLst>
-              <a:ext uri="{FF2B5EF4-FFF2-40B4-BE49-F238E27FC236}">
-                <a16:creationId xmlns:a16="http://schemas.microsoft.com/office/drawing/2014/main" id="{97F768D7-9FA9-764D-AF63-43468F754C0C}"/>
-              </a:ext>
-            </a:extLst>
-          </p:cNvPr>
-          <p:cNvSpPr txBox="1"/>
-          <p:nvPr/>
-        </p:nvSpPr>
-        <p:spPr>
-          <a:xfrm>
-            <a:off x="2402150" y="196509"/>
-            <a:ext cx="2646878" cy="461665"/>
+      <p:sp>
+        <p:nvSpPr>
+          <p:cNvPr id="3" name="Rectangle 2">
+            <a:extLst>
+              <a:ext uri="{FF2B5EF4-FFF2-40B4-BE49-F238E27FC236}">
+                <a16:creationId xmlns:a16="http://schemas.microsoft.com/office/drawing/2014/main" id="{9212EFDF-1CE5-7F4D-90AD-E861CFFEB06E}"/>
+              </a:ext>
+            </a:extLst>
+          </p:cNvPr>
+          <p:cNvSpPr/>
+          <p:nvPr/>
+        </p:nvSpPr>
+        <p:spPr>
+          <a:xfrm>
+            <a:off x="5325036" y="1712259"/>
+            <a:ext cx="322729" cy="2230602"/>
           </a:xfrm>
           <a:prstGeom prst="rect">
             <a:avLst/>
           </a:prstGeom>
           <a:solidFill>
             <a:schemeClr val="bg1"/>
-          </a:solidFill>
-        </p:spPr>
-        <p:txBody>
-          <a:bodyPr wrap="none" rtlCol="0">
-            <a:spAutoFit/>
-          </a:bodyPr>
-          <a:lstStyle/>
-          <a:p>
-            <a:r>
-              <a:rPr lang="ja-JP" altLang="en-US" sz="2400" b="1"/>
-              <a:t>家のネットワーク</a:t>
-            </a:r>
-            <a:endParaRPr lang="en-US" sz="2400" b="1" dirty="0"/>
-          </a:p>
-        </p:txBody>
-      </p:sp>
-      <p:sp>
-        <p:nvSpPr>
-          <p:cNvPr id="34" name="Cloud 33">
-            <a:extLst>
-              <a:ext uri="{FF2B5EF4-FFF2-40B4-BE49-F238E27FC236}">
-                <a16:creationId xmlns:a16="http://schemas.microsoft.com/office/drawing/2014/main" id="{1B52A99F-E00E-624E-96EC-D1801C08126B}"/>
-              </a:ext>
-            </a:extLst>
-          </p:cNvPr>
-          <p:cNvSpPr/>
-          <p:nvPr/>
-        </p:nvSpPr>
-        <p:spPr>
-          <a:xfrm>
-            <a:off x="9842818" y="2012823"/>
-            <a:ext cx="1385369" cy="671292"/>
-          </a:xfrm>
-          <a:prstGeom prst="cloud">
-            <a:avLst/>
-          </a:prstGeom>
-          <a:solidFill>
-            <a:schemeClr val="bg2"/>
           </a:solidFill>
           <a:ln>
             <a:noFill/>
@@ -4144,10 +4139,10 @@
       </p:sp>
       <p:sp>
         <p:nvSpPr>
-          <p:cNvPr id="38" name="TextBox 37">
-            <a:extLst>
-              <a:ext uri="{FF2B5EF4-FFF2-40B4-BE49-F238E27FC236}">
-                <a16:creationId xmlns:a16="http://schemas.microsoft.com/office/drawing/2014/main" id="{B1A1F4E3-1DF1-154C-8CAD-1C6525F48891}"/>
+          <p:cNvPr id="25" name="TextBox 24">
+            <a:extLst>
+              <a:ext uri="{FF2B5EF4-FFF2-40B4-BE49-F238E27FC236}">
+                <a16:creationId xmlns:a16="http://schemas.microsoft.com/office/drawing/2014/main" id="{79503F8D-257F-744E-A082-A73B4686660A}"/>
               </a:ext>
             </a:extLst>
           </p:cNvPr>
@@ -4156,8 +4151,8 @@
         </p:nvSpPr>
         <p:spPr>
           <a:xfrm>
-            <a:off x="6570888" y="233387"/>
-            <a:ext cx="2954655" cy="461665"/>
+            <a:off x="4830731" y="3595742"/>
+            <a:ext cx="1415772" cy="461665"/>
           </a:xfrm>
           <a:prstGeom prst="rect">
             <a:avLst/>
@@ -4174,7 +4169,7 @@
           <a:p>
             <a:r>
               <a:rPr lang="ja-JP" altLang="en-US" sz="2400" b="1"/>
-              <a:t>家のネットワーク外</a:t>
+              <a:t>ルーター</a:t>
             </a:r>
             <a:endParaRPr lang="en-US" sz="2400" b="1" dirty="0"/>
           </a:p>
@@ -4182,10 +4177,10 @@
       </p:sp>
       <p:pic>
         <p:nvPicPr>
-          <p:cNvPr id="4" name="Picture 3">
-            <a:extLst>
-              <a:ext uri="{FF2B5EF4-FFF2-40B4-BE49-F238E27FC236}">
-                <a16:creationId xmlns:a16="http://schemas.microsoft.com/office/drawing/2014/main" id="{35630463-9DA3-DF48-BE71-EE3141CA7EDC}"/>
+          <p:cNvPr id="26" name="Picture 25">
+            <a:extLst>
+              <a:ext uri="{FF2B5EF4-FFF2-40B4-BE49-F238E27FC236}">
+                <a16:creationId xmlns:a16="http://schemas.microsoft.com/office/drawing/2014/main" id="{623D4DCB-DCC3-8948-9932-34DF3185CC9D}"/>
               </a:ext>
             </a:extLst>
           </p:cNvPr>
@@ -4208,8 +4203,8 @@
         </p:blipFill>
         <p:spPr>
           <a:xfrm>
-            <a:off x="1414354" y="1297759"/>
-            <a:ext cx="2227447" cy="2227447"/>
+            <a:off x="4333710" y="1368676"/>
+            <a:ext cx="2277836" cy="2277836"/>
           </a:xfrm>
           <a:prstGeom prst="rect">
             <a:avLst/>
@@ -4246,258 +4241,6 @@
           <a:chExt cx="0" cy="0"/>
         </a:xfrm>
       </p:grpSpPr>
-      <p:pic>
-        <p:nvPicPr>
-          <p:cNvPr id="4" name="Picture 3">
-            <a:extLst>
-              <a:ext uri="{FF2B5EF4-FFF2-40B4-BE49-F238E27FC236}">
-                <a16:creationId xmlns:a16="http://schemas.microsoft.com/office/drawing/2014/main" id="{2C71EDD1-EF14-8D4B-98A9-DC3C51B6AAA3}"/>
-              </a:ext>
-            </a:extLst>
-          </p:cNvPr>
-          <p:cNvPicPr>
-            <a:picLocks noChangeAspect="1"/>
-          </p:cNvPicPr>
-          <p:nvPr/>
-        </p:nvPicPr>
-        <p:blipFill>
-          <a:blip r:embed="rId2">
-            <a:extLst>
-              <a:ext uri="{28A0092B-C50C-407E-A947-70E740481C1C}">
-                <a14:useLocalDpi xmlns:a14="http://schemas.microsoft.com/office/drawing/2010/main" val="0"/>
-              </a:ext>
-            </a:extLst>
-          </a:blip>
-          <a:stretch>
-            <a:fillRect/>
-          </a:stretch>
-        </p:blipFill>
-        <p:spPr>
-          <a:xfrm>
-            <a:off x="4420938" y="994948"/>
-            <a:ext cx="2264076" cy="2264076"/>
-          </a:xfrm>
-          <a:prstGeom prst="rect">
-            <a:avLst/>
-          </a:prstGeom>
-        </p:spPr>
-      </p:pic>
-      <p:pic>
-        <p:nvPicPr>
-          <p:cNvPr id="6" name="Picture 5">
-            <a:extLst>
-              <a:ext uri="{FF2B5EF4-FFF2-40B4-BE49-F238E27FC236}">
-                <a16:creationId xmlns:a16="http://schemas.microsoft.com/office/drawing/2014/main" id="{2D3F1471-5BFA-6A4D-BB5C-DE73FD0C360E}"/>
-              </a:ext>
-            </a:extLst>
-          </p:cNvPr>
-          <p:cNvPicPr>
-            <a:picLocks noChangeAspect="1"/>
-          </p:cNvPicPr>
-          <p:nvPr/>
-        </p:nvPicPr>
-        <p:blipFill>
-          <a:blip r:embed="rId3">
-            <a:extLst>
-              <a:ext uri="{28A0092B-C50C-407E-A947-70E740481C1C}">
-                <a14:useLocalDpi xmlns:a14="http://schemas.microsoft.com/office/drawing/2010/main" val="0"/>
-              </a:ext>
-            </a:extLst>
-          </a:blip>
-          <a:stretch>
-            <a:fillRect/>
-          </a:stretch>
-        </p:blipFill>
-        <p:spPr>
-          <a:xfrm>
-            <a:off x="1193800" y="699974"/>
-            <a:ext cx="1511300" cy="1511300"/>
-          </a:xfrm>
-          <a:prstGeom prst="rect">
-            <a:avLst/>
-          </a:prstGeom>
-        </p:spPr>
-      </p:pic>
-      <p:pic>
-        <p:nvPicPr>
-          <p:cNvPr id="7" name="Picture 6">
-            <a:extLst>
-              <a:ext uri="{FF2B5EF4-FFF2-40B4-BE49-F238E27FC236}">
-                <a16:creationId xmlns:a16="http://schemas.microsoft.com/office/drawing/2014/main" id="{3DD1928D-88F9-974A-A545-5190785472B8}"/>
-              </a:ext>
-            </a:extLst>
-          </p:cNvPr>
-          <p:cNvPicPr>
-            <a:picLocks noChangeAspect="1"/>
-          </p:cNvPicPr>
-          <p:nvPr/>
-        </p:nvPicPr>
-        <p:blipFill>
-          <a:blip r:embed="rId3">
-            <a:extLst>
-              <a:ext uri="{28A0092B-C50C-407E-A947-70E740481C1C}">
-                <a14:useLocalDpi xmlns:a14="http://schemas.microsoft.com/office/drawing/2010/main" val="0"/>
-              </a:ext>
-            </a:extLst>
-          </a:blip>
-          <a:stretch>
-            <a:fillRect/>
-          </a:stretch>
-        </p:blipFill>
-        <p:spPr>
-          <a:xfrm>
-            <a:off x="1193800" y="3081224"/>
-            <a:ext cx="1511300" cy="1511300"/>
-          </a:xfrm>
-          <a:prstGeom prst="rect">
-            <a:avLst/>
-          </a:prstGeom>
-        </p:spPr>
-      </p:pic>
-      <p:pic>
-        <p:nvPicPr>
-          <p:cNvPr id="9" name="Picture 8">
-            <a:extLst>
-              <a:ext uri="{FF2B5EF4-FFF2-40B4-BE49-F238E27FC236}">
-                <a16:creationId xmlns:a16="http://schemas.microsoft.com/office/drawing/2014/main" id="{DE1E5A80-B074-FD4C-A61B-CBB1BDF69937}"/>
-              </a:ext>
-            </a:extLst>
-          </p:cNvPr>
-          <p:cNvPicPr>
-            <a:picLocks noChangeAspect="1"/>
-          </p:cNvPicPr>
-          <p:nvPr/>
-        </p:nvPicPr>
-        <p:blipFill>
-          <a:blip r:embed="rId4">
-            <a:extLst>
-              <a:ext uri="{28A0092B-C50C-407E-A947-70E740481C1C}">
-                <a14:useLocalDpi xmlns:a14="http://schemas.microsoft.com/office/drawing/2010/main" val="0"/>
-              </a:ext>
-            </a:extLst>
-          </a:blip>
-          <a:stretch>
-            <a:fillRect/>
-          </a:stretch>
-        </p:blipFill>
-        <p:spPr>
-          <a:xfrm>
-            <a:off x="6160122" y="4076700"/>
-            <a:ext cx="1912885" cy="1939089"/>
-          </a:xfrm>
-          <a:prstGeom prst="rect">
-            <a:avLst/>
-          </a:prstGeom>
-        </p:spPr>
-      </p:pic>
-      <p:pic>
-        <p:nvPicPr>
-          <p:cNvPr id="11" name="Picture 10">
-            <a:extLst>
-              <a:ext uri="{FF2B5EF4-FFF2-40B4-BE49-F238E27FC236}">
-                <a16:creationId xmlns:a16="http://schemas.microsoft.com/office/drawing/2014/main" id="{E8F953CB-F1A6-4942-A410-A189E0C74625}"/>
-              </a:ext>
-            </a:extLst>
-          </p:cNvPr>
-          <p:cNvPicPr>
-            <a:picLocks noChangeAspect="1"/>
-          </p:cNvPicPr>
-          <p:nvPr/>
-        </p:nvPicPr>
-        <p:blipFill>
-          <a:blip r:embed="rId5">
-            <a:extLst>
-              <a:ext uri="{28A0092B-C50C-407E-A947-70E740481C1C}">
-                <a14:useLocalDpi xmlns:a14="http://schemas.microsoft.com/office/drawing/2010/main" val="0"/>
-              </a:ext>
-            </a:extLst>
-          </a:blip>
-          <a:stretch>
-            <a:fillRect/>
-          </a:stretch>
-        </p:blipFill>
-        <p:spPr>
-          <a:xfrm>
-            <a:off x="3508276" y="4076700"/>
-            <a:ext cx="2044700" cy="2044700"/>
-          </a:xfrm>
-          <a:prstGeom prst="rect">
-            <a:avLst/>
-          </a:prstGeom>
-        </p:spPr>
-      </p:pic>
-      <p:pic>
-        <p:nvPicPr>
-          <p:cNvPr id="13" name="Picture 12">
-            <a:extLst>
-              <a:ext uri="{FF2B5EF4-FFF2-40B4-BE49-F238E27FC236}">
-                <a16:creationId xmlns:a16="http://schemas.microsoft.com/office/drawing/2014/main" id="{292E5D12-D0A7-D74E-9953-2588B022CCA8}"/>
-              </a:ext>
-            </a:extLst>
-          </p:cNvPr>
-          <p:cNvPicPr>
-            <a:picLocks noChangeAspect="1"/>
-          </p:cNvPicPr>
-          <p:nvPr/>
-        </p:nvPicPr>
-        <p:blipFill>
-          <a:blip r:embed="rId6">
-            <a:extLst>
-              <a:ext uri="{28A0092B-C50C-407E-A947-70E740481C1C}">
-                <a14:useLocalDpi xmlns:a14="http://schemas.microsoft.com/office/drawing/2010/main" val="0"/>
-              </a:ext>
-            </a:extLst>
-          </a:blip>
-          <a:stretch>
-            <a:fillRect/>
-          </a:stretch>
-        </p:blipFill>
-        <p:spPr>
-          <a:xfrm>
-            <a:off x="8595360" y="2582733"/>
-            <a:ext cx="2256117" cy="1504078"/>
-          </a:xfrm>
-          <a:prstGeom prst="rect">
-            <a:avLst/>
-          </a:prstGeom>
-        </p:spPr>
-      </p:pic>
-      <p:pic>
-        <p:nvPicPr>
-          <p:cNvPr id="15" name="Picture 14">
-            <a:extLst>
-              <a:ext uri="{FF2B5EF4-FFF2-40B4-BE49-F238E27FC236}">
-                <a16:creationId xmlns:a16="http://schemas.microsoft.com/office/drawing/2014/main" id="{D0679879-57FC-BE43-A626-D334BF8CA8BB}"/>
-              </a:ext>
-            </a:extLst>
-          </p:cNvPr>
-          <p:cNvPicPr>
-            <a:picLocks noChangeAspect="1"/>
-          </p:cNvPicPr>
-          <p:nvPr/>
-        </p:nvPicPr>
-        <p:blipFill>
-          <a:blip r:embed="rId7">
-            <a:extLst>
-              <a:ext uri="{28A0092B-C50C-407E-A947-70E740481C1C}">
-                <a14:useLocalDpi xmlns:a14="http://schemas.microsoft.com/office/drawing/2010/main" val="0"/>
-              </a:ext>
-            </a:extLst>
-          </a:blip>
-          <a:stretch>
-            <a:fillRect/>
-          </a:stretch>
-        </p:blipFill>
-        <p:spPr>
-          <a:xfrm>
-            <a:off x="8955004" y="423396"/>
-            <a:ext cx="1379347" cy="1379347"/>
-          </a:xfrm>
-          <a:prstGeom prst="rect">
-            <a:avLst/>
-          </a:prstGeom>
-        </p:spPr>
-      </p:pic>
       <p:cxnSp>
         <p:nvCxnSpPr>
           <p:cNvPr id="17" name="Straight Connector 16">
@@ -4515,12 +4258,16 @@
         <p:spPr>
           <a:xfrm>
             <a:off x="3060700" y="1750598"/>
-            <a:ext cx="1087788" cy="60714"/>
+            <a:ext cx="1098924" cy="0"/>
           </a:xfrm>
           <a:prstGeom prst="line">
             <a:avLst/>
           </a:prstGeom>
-          <a:ln w="76200"/>
+          <a:ln w="38100">
+            <a:solidFill>
+              <a:schemeClr val="tx1"/>
+            </a:solidFill>
+          </a:ln>
         </p:spPr>
         <p:style>
           <a:lnRef idx="1">
@@ -4559,7 +4306,11 @@
           <a:prstGeom prst="line">
             <a:avLst/>
           </a:prstGeom>
-          <a:ln w="76200"/>
+          <a:ln w="38100">
+            <a:solidFill>
+              <a:schemeClr val="tx1"/>
+            </a:solidFill>
+          </a:ln>
         </p:spPr>
         <p:style>
           <a:lnRef idx="1">
@@ -4592,13 +4343,17 @@
         </p:nvCxnSpPr>
         <p:spPr>
           <a:xfrm flipV="1">
-            <a:off x="4868043" y="3209577"/>
-            <a:ext cx="95151" cy="741597"/>
+            <a:off x="4830711" y="3170060"/>
+            <a:ext cx="288136" cy="809073"/>
           </a:xfrm>
           <a:prstGeom prst="line">
             <a:avLst/>
           </a:prstGeom>
-          <a:ln w="76200"/>
+          <a:ln w="38100">
+            <a:solidFill>
+              <a:schemeClr val="tx1"/>
+            </a:solidFill>
+          </a:ln>
         </p:spPr>
         <p:style>
           <a:lnRef idx="1">
@@ -4631,13 +4386,17 @@
         </p:nvCxnSpPr>
         <p:spPr>
           <a:xfrm flipH="1" flipV="1">
-            <a:off x="6685014" y="3334772"/>
-            <a:ext cx="431551" cy="666180"/>
+            <a:off x="6239433" y="3189151"/>
+            <a:ext cx="537885" cy="789983"/>
           </a:xfrm>
           <a:prstGeom prst="line">
             <a:avLst/>
           </a:prstGeom>
-          <a:ln w="76200"/>
+          <a:ln w="38100">
+            <a:solidFill>
+              <a:schemeClr val="tx1"/>
+            </a:solidFill>
+          </a:ln>
         </p:spPr>
         <p:style>
           <a:lnRef idx="1">
@@ -4670,13 +4429,17 @@
         </p:nvCxnSpPr>
         <p:spPr>
           <a:xfrm flipH="1" flipV="1">
-            <a:off x="7018613" y="2876487"/>
-            <a:ext cx="1576747" cy="204737"/>
+            <a:off x="6563131" y="2599765"/>
+            <a:ext cx="2159529" cy="1281953"/>
           </a:xfrm>
           <a:prstGeom prst="line">
             <a:avLst/>
           </a:prstGeom>
-          <a:ln w="76200"/>
+          <a:ln w="38100">
+            <a:solidFill>
+              <a:schemeClr val="tx1"/>
+            </a:solidFill>
+          </a:ln>
         </p:spPr>
         <p:style>
           <a:lnRef idx="1">
@@ -4709,13 +4472,17 @@
         </p:nvCxnSpPr>
         <p:spPr>
           <a:xfrm flipH="1">
-            <a:off x="6685015" y="1386038"/>
-            <a:ext cx="1910345" cy="425274"/>
+            <a:off x="6685014" y="1750598"/>
+            <a:ext cx="1968096" cy="0"/>
           </a:xfrm>
           <a:prstGeom prst="line">
             <a:avLst/>
           </a:prstGeom>
-          <a:ln w="76200"/>
+          <a:ln w="38100">
+            <a:solidFill>
+              <a:schemeClr val="tx1"/>
+            </a:solidFill>
+          </a:ln>
         </p:spPr>
         <p:style>
           <a:lnRef idx="1">
@@ -4746,8 +4513,8 @@
         </p:nvSpPr>
         <p:spPr>
           <a:xfrm>
-            <a:off x="4830711" y="550055"/>
-            <a:ext cx="1222642" cy="461665"/>
+            <a:off x="4673363" y="540139"/>
+            <a:ext cx="1566070" cy="584775"/>
           </a:xfrm>
           <a:prstGeom prst="rect">
             <a:avLst/>
@@ -4761,7 +4528,7 @@
           <a:lstStyle/>
           <a:p>
             <a:r>
-              <a:rPr lang="en-US" sz="2400" b="1" dirty="0"/>
+              <a:rPr lang="en-US" sz="3200" b="1" dirty="0"/>
               <a:t>Internet</a:t>
             </a:r>
           </a:p>
@@ -4817,7 +4584,7 @@
         </p:nvSpPr>
         <p:spPr>
           <a:xfrm>
-            <a:off x="745984" y="4750442"/>
+            <a:off x="728842" y="5178528"/>
             <a:ext cx="2492990" cy="400110"/>
           </a:xfrm>
           <a:prstGeom prst="rect">
@@ -4853,7 +4620,7 @@
         </p:nvSpPr>
         <p:spPr>
           <a:xfrm>
-            <a:off x="2814139" y="6121400"/>
+            <a:off x="3017588" y="6250074"/>
             <a:ext cx="2749471" cy="400110"/>
           </a:xfrm>
           <a:prstGeom prst="rect">
@@ -4889,7 +4656,7 @@
         </p:nvSpPr>
         <p:spPr>
           <a:xfrm>
-            <a:off x="6160122" y="6091537"/>
+            <a:off x="6422567" y="6250074"/>
             <a:ext cx="2492990" cy="400110"/>
           </a:xfrm>
           <a:prstGeom prst="rect">
@@ -4925,7 +4692,7 @@
         </p:nvSpPr>
         <p:spPr>
           <a:xfrm>
-            <a:off x="8776589" y="4192414"/>
+            <a:off x="8867617" y="5024640"/>
             <a:ext cx="2462534" cy="707886"/>
           </a:xfrm>
           <a:prstGeom prst="rect">
@@ -4974,7 +4741,7 @@
         </p:nvSpPr>
         <p:spPr>
           <a:xfrm>
-            <a:off x="8608495" y="1656213"/>
+            <a:off x="8807314" y="2169253"/>
             <a:ext cx="2359172" cy="707886"/>
           </a:xfrm>
           <a:prstGeom prst="rect">
@@ -5009,6 +4776,258 @@
           </a:p>
         </p:txBody>
       </p:sp>
+      <p:pic>
+        <p:nvPicPr>
+          <p:cNvPr id="5" name="Picture 4">
+            <a:extLst>
+              <a:ext uri="{FF2B5EF4-FFF2-40B4-BE49-F238E27FC236}">
+                <a16:creationId xmlns:a16="http://schemas.microsoft.com/office/drawing/2014/main" id="{5796E7EC-749E-3C40-A3FE-00E7031457C0}"/>
+              </a:ext>
+            </a:extLst>
+          </p:cNvPr>
+          <p:cNvPicPr>
+            <a:picLocks noChangeAspect="1"/>
+          </p:cNvPicPr>
+          <p:nvPr/>
+        </p:nvPicPr>
+        <p:blipFill>
+          <a:blip r:embed="rId2">
+            <a:extLst>
+              <a:ext uri="{28A0092B-C50C-407E-A947-70E740481C1C}">
+                <a14:useLocalDpi xmlns:a14="http://schemas.microsoft.com/office/drawing/2010/main" val="0"/>
+              </a:ext>
+            </a:extLst>
+          </a:blip>
+          <a:stretch>
+            <a:fillRect/>
+          </a:stretch>
+        </p:blipFill>
+        <p:spPr>
+          <a:xfrm>
+            <a:off x="593939" y="33563"/>
+            <a:ext cx="2330536" cy="2330536"/>
+          </a:xfrm>
+          <a:prstGeom prst="rect">
+            <a:avLst/>
+          </a:prstGeom>
+        </p:spPr>
+      </p:pic>
+      <p:pic>
+        <p:nvPicPr>
+          <p:cNvPr id="28" name="Picture 27">
+            <a:extLst>
+              <a:ext uri="{FF2B5EF4-FFF2-40B4-BE49-F238E27FC236}">
+                <a16:creationId xmlns:a16="http://schemas.microsoft.com/office/drawing/2014/main" id="{73DBF279-149C-3F42-B852-7F2FB240EFD8}"/>
+              </a:ext>
+            </a:extLst>
+          </p:cNvPr>
+          <p:cNvPicPr>
+            <a:picLocks noChangeAspect="1"/>
+          </p:cNvPicPr>
+          <p:nvPr/>
+        </p:nvPicPr>
+        <p:blipFill>
+          <a:blip r:embed="rId2">
+            <a:extLst>
+              <a:ext uri="{28A0092B-C50C-407E-A947-70E740481C1C}">
+                <a14:useLocalDpi xmlns:a14="http://schemas.microsoft.com/office/drawing/2010/main" val="0"/>
+              </a:ext>
+            </a:extLst>
+          </a:blip>
+          <a:stretch>
+            <a:fillRect/>
+          </a:stretch>
+        </p:blipFill>
+        <p:spPr>
+          <a:xfrm>
+            <a:off x="687052" y="2921543"/>
+            <a:ext cx="2330536" cy="2330536"/>
+          </a:xfrm>
+          <a:prstGeom prst="rect">
+            <a:avLst/>
+          </a:prstGeom>
+        </p:spPr>
+      </p:pic>
+      <p:pic>
+        <p:nvPicPr>
+          <p:cNvPr id="10" name="Picture 9">
+            <a:extLst>
+              <a:ext uri="{FF2B5EF4-FFF2-40B4-BE49-F238E27FC236}">
+                <a16:creationId xmlns:a16="http://schemas.microsoft.com/office/drawing/2014/main" id="{9DDAE786-D5BA-1640-A838-2C38694C62BF}"/>
+              </a:ext>
+            </a:extLst>
+          </p:cNvPr>
+          <p:cNvPicPr>
+            <a:picLocks noChangeAspect="1"/>
+          </p:cNvPicPr>
+          <p:nvPr/>
+        </p:nvPicPr>
+        <p:blipFill>
+          <a:blip r:embed="rId3">
+            <a:extLst>
+              <a:ext uri="{28A0092B-C50C-407E-A947-70E740481C1C}">
+                <a14:useLocalDpi xmlns:a14="http://schemas.microsoft.com/office/drawing/2010/main" val="0"/>
+              </a:ext>
+            </a:extLst>
+          </a:blip>
+          <a:stretch>
+            <a:fillRect/>
+          </a:stretch>
+        </p:blipFill>
+        <p:spPr>
+          <a:xfrm>
+            <a:off x="3641589" y="3787509"/>
+            <a:ext cx="2304028" cy="2304028"/>
+          </a:xfrm>
+          <a:prstGeom prst="rect">
+            <a:avLst/>
+          </a:prstGeom>
+        </p:spPr>
+      </p:pic>
+      <p:pic>
+        <p:nvPicPr>
+          <p:cNvPr id="29" name="Picture 28">
+            <a:extLst>
+              <a:ext uri="{FF2B5EF4-FFF2-40B4-BE49-F238E27FC236}">
+                <a16:creationId xmlns:a16="http://schemas.microsoft.com/office/drawing/2014/main" id="{F123D2C7-2C22-6B41-841D-B307242ED777}"/>
+              </a:ext>
+            </a:extLst>
+          </p:cNvPr>
+          <p:cNvPicPr>
+            <a:picLocks noChangeAspect="1"/>
+          </p:cNvPicPr>
+          <p:nvPr/>
+        </p:nvPicPr>
+        <p:blipFill>
+          <a:blip r:embed="rId4">
+            <a:extLst>
+              <a:ext uri="{28A0092B-C50C-407E-A947-70E740481C1C}">
+                <a14:useLocalDpi xmlns:a14="http://schemas.microsoft.com/office/drawing/2010/main" val="0"/>
+              </a:ext>
+            </a:extLst>
+          </a:blip>
+          <a:stretch>
+            <a:fillRect/>
+          </a:stretch>
+        </p:blipFill>
+        <p:spPr>
+          <a:xfrm>
+            <a:off x="4403270" y="921363"/>
+            <a:ext cx="2159861" cy="2159861"/>
+          </a:xfrm>
+          <a:prstGeom prst="rect">
+            <a:avLst/>
+          </a:prstGeom>
+        </p:spPr>
+      </p:pic>
+      <p:pic>
+        <p:nvPicPr>
+          <p:cNvPr id="14" name="Picture 13">
+            <a:extLst>
+              <a:ext uri="{FF2B5EF4-FFF2-40B4-BE49-F238E27FC236}">
+                <a16:creationId xmlns:a16="http://schemas.microsoft.com/office/drawing/2014/main" id="{7DCD10DA-1C43-4C4C-B597-6EBAE67F26B3}"/>
+              </a:ext>
+            </a:extLst>
+          </p:cNvPr>
+          <p:cNvPicPr>
+            <a:picLocks noChangeAspect="1"/>
+          </p:cNvPicPr>
+          <p:nvPr/>
+        </p:nvPicPr>
+        <p:blipFill>
+          <a:blip r:embed="rId5">
+            <a:extLst>
+              <a:ext uri="{28A0092B-C50C-407E-A947-70E740481C1C}">
+                <a14:useLocalDpi xmlns:a14="http://schemas.microsoft.com/office/drawing/2010/main" val="0"/>
+              </a:ext>
+            </a:extLst>
+          </a:blip>
+          <a:stretch>
+            <a:fillRect/>
+          </a:stretch>
+        </p:blipFill>
+        <p:spPr>
+          <a:xfrm>
+            <a:off x="6286336" y="3989645"/>
+            <a:ext cx="2240562" cy="2240562"/>
+          </a:xfrm>
+          <a:prstGeom prst="rect">
+            <a:avLst/>
+          </a:prstGeom>
+        </p:spPr>
+      </p:pic>
+      <p:pic>
+        <p:nvPicPr>
+          <p:cNvPr id="31" name="Picture 30">
+            <a:extLst>
+              <a:ext uri="{FF2B5EF4-FFF2-40B4-BE49-F238E27FC236}">
+                <a16:creationId xmlns:a16="http://schemas.microsoft.com/office/drawing/2014/main" id="{A6179872-E9CF-034E-8CC8-F269A0EFF7E0}"/>
+              </a:ext>
+            </a:extLst>
+          </p:cNvPr>
+          <p:cNvPicPr>
+            <a:picLocks noChangeAspect="1"/>
+          </p:cNvPicPr>
+          <p:nvPr/>
+        </p:nvPicPr>
+        <p:blipFill>
+          <a:blip r:embed="rId6">
+            <a:extLst>
+              <a:ext uri="{28A0092B-C50C-407E-A947-70E740481C1C}">
+                <a14:useLocalDpi xmlns:a14="http://schemas.microsoft.com/office/drawing/2010/main" val="0"/>
+              </a:ext>
+            </a:extLst>
+          </a:blip>
+          <a:stretch>
+            <a:fillRect/>
+          </a:stretch>
+        </p:blipFill>
+        <p:spPr>
+          <a:xfrm>
+            <a:off x="8780356" y="293357"/>
+            <a:ext cx="2330536" cy="2330536"/>
+          </a:xfrm>
+          <a:prstGeom prst="rect">
+            <a:avLst/>
+          </a:prstGeom>
+        </p:spPr>
+      </p:pic>
+      <p:pic>
+        <p:nvPicPr>
+          <p:cNvPr id="33" name="Picture 32">
+            <a:extLst>
+              <a:ext uri="{FF2B5EF4-FFF2-40B4-BE49-F238E27FC236}">
+                <a16:creationId xmlns:a16="http://schemas.microsoft.com/office/drawing/2014/main" id="{D726D3FC-99D0-934C-B18A-43697CE3F8F6}"/>
+              </a:ext>
+            </a:extLst>
+          </p:cNvPr>
+          <p:cNvPicPr>
+            <a:picLocks noChangeAspect="1"/>
+          </p:cNvPicPr>
+          <p:nvPr/>
+        </p:nvPicPr>
+        <p:blipFill>
+          <a:blip r:embed="rId7">
+            <a:extLst>
+              <a:ext uri="{28A0092B-C50C-407E-A947-70E740481C1C}">
+                <a14:useLocalDpi xmlns:a14="http://schemas.microsoft.com/office/drawing/2010/main" val="0"/>
+              </a:ext>
+            </a:extLst>
+          </a:blip>
+          <a:stretch>
+            <a:fillRect/>
+          </a:stretch>
+        </p:blipFill>
+        <p:spPr>
+          <a:xfrm>
+            <a:off x="8867617" y="3170060"/>
+            <a:ext cx="2008468" cy="2008468"/>
+          </a:xfrm>
+          <a:prstGeom prst="rect">
+            <a:avLst/>
+          </a:prstGeom>
+        </p:spPr>
+      </p:pic>
     </p:spTree>
     <p:extLst>
       <p:ext uri="{BB962C8B-B14F-4D97-AF65-F5344CB8AC3E}">
@@ -5053,7 +5072,7 @@
         </p:nvSpPr>
         <p:spPr>
           <a:xfrm>
-            <a:off x="8974693" y="1915634"/>
+            <a:off x="8695766" y="2295442"/>
             <a:ext cx="2882900" cy="3426998"/>
           </a:xfrm>
           <a:prstGeom prst="roundRect">
@@ -5101,8 +5120,8 @@
         </p:nvSpPr>
         <p:spPr>
           <a:xfrm>
-            <a:off x="485943" y="1782011"/>
-            <a:ext cx="2603184" cy="3426998"/>
+            <a:off x="392404" y="2161819"/>
+            <a:ext cx="2417795" cy="3426998"/>
           </a:xfrm>
           <a:prstGeom prst="roundRect">
             <a:avLst/>
@@ -5135,108 +5154,6 @@
           </a:p>
         </p:txBody>
       </p:sp>
-      <p:pic>
-        <p:nvPicPr>
-          <p:cNvPr id="9" name="Picture 8">
-            <a:extLst>
-              <a:ext uri="{FF2B5EF4-FFF2-40B4-BE49-F238E27FC236}">
-                <a16:creationId xmlns:a16="http://schemas.microsoft.com/office/drawing/2014/main" id="{A6E6F1A1-27B4-AB45-92ED-FBFFBE2A61C8}"/>
-              </a:ext>
-            </a:extLst>
-          </p:cNvPr>
-          <p:cNvPicPr>
-            <a:picLocks noChangeAspect="1"/>
-          </p:cNvPicPr>
-          <p:nvPr/>
-        </p:nvPicPr>
-        <p:blipFill>
-          <a:blip r:embed="rId2">
-            <a:extLst>
-              <a:ext uri="{28A0092B-C50C-407E-A947-70E740481C1C}">
-                <a14:useLocalDpi xmlns:a14="http://schemas.microsoft.com/office/drawing/2010/main" val="0"/>
-              </a:ext>
-            </a:extLst>
-          </a:blip>
-          <a:stretch>
-            <a:fillRect/>
-          </a:stretch>
-        </p:blipFill>
-        <p:spPr>
-          <a:xfrm>
-            <a:off x="1206500" y="4589717"/>
-            <a:ext cx="1511300" cy="1511300"/>
-          </a:xfrm>
-          <a:prstGeom prst="rect">
-            <a:avLst/>
-          </a:prstGeom>
-        </p:spPr>
-      </p:pic>
-      <p:pic>
-        <p:nvPicPr>
-          <p:cNvPr id="10" name="Picture 9">
-            <a:extLst>
-              <a:ext uri="{FF2B5EF4-FFF2-40B4-BE49-F238E27FC236}">
-                <a16:creationId xmlns:a16="http://schemas.microsoft.com/office/drawing/2014/main" id="{BBF3762F-D715-E844-839D-F88055E1B11E}"/>
-              </a:ext>
-            </a:extLst>
-          </p:cNvPr>
-          <p:cNvPicPr>
-            <a:picLocks noChangeAspect="1"/>
-          </p:cNvPicPr>
-          <p:nvPr/>
-        </p:nvPicPr>
-        <p:blipFill>
-          <a:blip r:embed="rId3">
-            <a:extLst>
-              <a:ext uri="{28A0092B-C50C-407E-A947-70E740481C1C}">
-                <a14:useLocalDpi xmlns:a14="http://schemas.microsoft.com/office/drawing/2010/main" val="0"/>
-              </a:ext>
-            </a:extLst>
-          </a:blip>
-          <a:stretch>
-            <a:fillRect/>
-          </a:stretch>
-        </p:blipFill>
-        <p:spPr>
-          <a:xfrm>
-            <a:off x="9657318" y="4420482"/>
-            <a:ext cx="1828800" cy="1828800"/>
-          </a:xfrm>
-          <a:prstGeom prst="rect">
-            <a:avLst/>
-          </a:prstGeom>
-        </p:spPr>
-      </p:pic>
-      <p:pic>
-        <p:nvPicPr>
-          <p:cNvPr id="16" name="Picture 15">
-            <a:extLst>
-              <a:ext uri="{FF2B5EF4-FFF2-40B4-BE49-F238E27FC236}">
-                <a16:creationId xmlns:a16="http://schemas.microsoft.com/office/drawing/2014/main" id="{A4E170A1-685E-994C-82FD-6CEF611F506A}"/>
-              </a:ext>
-            </a:extLst>
-          </p:cNvPr>
-          <p:cNvPicPr>
-            <a:picLocks noChangeAspect="1"/>
-          </p:cNvPicPr>
-          <p:nvPr/>
-        </p:nvPicPr>
-        <p:blipFill>
-          <a:blip r:embed="rId4"/>
-          <a:stretch>
-            <a:fillRect/>
-          </a:stretch>
-        </p:blipFill>
-        <p:spPr>
-          <a:xfrm>
-            <a:off x="2207304" y="2412460"/>
-            <a:ext cx="2582569" cy="2157205"/>
-          </a:xfrm>
-          <a:prstGeom prst="rect">
-            <a:avLst/>
-          </a:prstGeom>
-        </p:spPr>
-      </p:pic>
       <p:sp>
         <p:nvSpPr>
           <p:cNvPr id="17" name="Cloud 16">
@@ -5251,7 +5168,7 @@
         </p:nvSpPr>
         <p:spPr>
           <a:xfrm>
-            <a:off x="3989444" y="2469736"/>
+            <a:off x="3710517" y="2849544"/>
             <a:ext cx="3780293" cy="2369335"/>
           </a:xfrm>
           <a:prstGeom prst="cloud">
@@ -5300,7 +5217,7 @@
         </p:nvSpPr>
         <p:spPr>
           <a:xfrm>
-            <a:off x="5009148" y="3021665"/>
+            <a:off x="4730221" y="3401473"/>
             <a:ext cx="319841" cy="319841"/>
           </a:xfrm>
           <a:prstGeom prst="ellipse">
@@ -5352,7 +5269,7 @@
         </p:nvSpPr>
         <p:spPr>
           <a:xfrm>
-            <a:off x="4727210" y="3667576"/>
+            <a:off x="4448283" y="4047384"/>
             <a:ext cx="319841" cy="319841"/>
           </a:xfrm>
           <a:prstGeom prst="ellipse">
@@ -5404,7 +5321,7 @@
         </p:nvSpPr>
         <p:spPr>
           <a:xfrm>
-            <a:off x="6242015" y="4032631"/>
+            <a:off x="5963088" y="4412439"/>
             <a:ext cx="319841" cy="319841"/>
           </a:xfrm>
           <a:prstGeom prst="ellipse">
@@ -5456,7 +5373,7 @@
         </p:nvSpPr>
         <p:spPr>
           <a:xfrm>
-            <a:off x="6178545" y="2788049"/>
+            <a:off x="5899618" y="3167857"/>
             <a:ext cx="319841" cy="319841"/>
           </a:xfrm>
           <a:prstGeom prst="ellipse">
@@ -5508,7 +5425,7 @@
         </p:nvSpPr>
         <p:spPr>
           <a:xfrm>
-            <a:off x="7065470" y="3167582"/>
+            <a:off x="6786543" y="3547390"/>
             <a:ext cx="319841" cy="319841"/>
           </a:xfrm>
           <a:prstGeom prst="ellipse">
@@ -5546,42 +5463,6 @@
           </a:p>
         </p:txBody>
       </p:sp>
-      <p:pic>
-        <p:nvPicPr>
-          <p:cNvPr id="24" name="Picture 23">
-            <a:extLst>
-              <a:ext uri="{FF2B5EF4-FFF2-40B4-BE49-F238E27FC236}">
-                <a16:creationId xmlns:a16="http://schemas.microsoft.com/office/drawing/2014/main" id="{4B9831C2-9B7D-D34A-A852-BC6BC2AA1F58}"/>
-              </a:ext>
-            </a:extLst>
-          </p:cNvPr>
-          <p:cNvPicPr>
-            <a:picLocks noChangeAspect="1"/>
-          </p:cNvPicPr>
-          <p:nvPr/>
-        </p:nvPicPr>
-        <p:blipFill>
-          <a:blip r:embed="rId5">
-            <a:extLst>
-              <a:ext uri="{28A0092B-C50C-407E-A947-70E740481C1C}">
-                <a14:useLocalDpi xmlns:a14="http://schemas.microsoft.com/office/drawing/2010/main" val="0"/>
-              </a:ext>
-            </a:extLst>
-          </a:blip>
-          <a:stretch>
-            <a:fillRect/>
-          </a:stretch>
-        </p:blipFill>
-        <p:spPr>
-          <a:xfrm>
-            <a:off x="8358523" y="3021664"/>
-            <a:ext cx="1974994" cy="1107090"/>
-          </a:xfrm>
-          <a:prstGeom prst="rect">
-            <a:avLst/>
-          </a:prstGeom>
-        </p:spPr>
-      </p:pic>
       <p:cxnSp>
         <p:nvCxnSpPr>
           <p:cNvPr id="27" name="Straight Connector 26">
@@ -5598,7 +5479,7 @@
         </p:nvCxnSpPr>
         <p:spPr>
           <a:xfrm flipV="1">
-            <a:off x="4898383" y="3181584"/>
+            <a:off x="4619456" y="3561392"/>
             <a:ext cx="259951" cy="645912"/>
           </a:xfrm>
           <a:prstGeom prst="line">
@@ -5641,7 +5522,7 @@
         </p:nvCxnSpPr>
         <p:spPr>
           <a:xfrm flipV="1">
-            <a:off x="5169068" y="2972438"/>
+            <a:off x="4890141" y="3352246"/>
             <a:ext cx="1169397" cy="209146"/>
           </a:xfrm>
           <a:prstGeom prst="line">
@@ -5684,7 +5565,7 @@
         </p:nvCxnSpPr>
         <p:spPr>
           <a:xfrm>
-            <a:off x="5158334" y="3181584"/>
+            <a:off x="4879407" y="3561392"/>
             <a:ext cx="1259678" cy="1010967"/>
           </a:xfrm>
           <a:prstGeom prst="line">
@@ -5727,7 +5608,7 @@
         </p:nvCxnSpPr>
         <p:spPr>
           <a:xfrm flipH="1" flipV="1">
-            <a:off x="6312356" y="2926947"/>
+            <a:off x="6033429" y="3306755"/>
             <a:ext cx="116363" cy="1265605"/>
           </a:xfrm>
           <a:prstGeom prst="line">
@@ -5770,7 +5651,7 @@
         </p:nvCxnSpPr>
         <p:spPr>
           <a:xfrm flipV="1">
-            <a:off x="6473656" y="3350690"/>
+            <a:off x="6194729" y="3730498"/>
             <a:ext cx="751734" cy="812557"/>
           </a:xfrm>
           <a:prstGeom prst="line">
@@ -5813,7 +5694,7 @@
         </p:nvCxnSpPr>
         <p:spPr>
           <a:xfrm>
-            <a:off x="6358635" y="2972438"/>
+            <a:off x="6079708" y="3352246"/>
             <a:ext cx="866755" cy="355064"/>
           </a:xfrm>
           <a:prstGeom prst="line">
@@ -5856,7 +5737,7 @@
         </p:nvCxnSpPr>
         <p:spPr>
           <a:xfrm>
-            <a:off x="3899012" y="3802813"/>
+            <a:off x="3620085" y="4182621"/>
             <a:ext cx="747528" cy="29159"/>
           </a:xfrm>
           <a:prstGeom prst="line">
@@ -5899,7 +5780,7 @@
         </p:nvCxnSpPr>
         <p:spPr>
           <a:xfrm>
-            <a:off x="7203772" y="3350690"/>
+            <a:off x="6924845" y="3730498"/>
             <a:ext cx="796210" cy="131953"/>
           </a:xfrm>
           <a:prstGeom prst="line">
@@ -5942,7 +5823,7 @@
         </p:nvCxnSpPr>
         <p:spPr>
           <a:xfrm>
-            <a:off x="2021212" y="3745647"/>
+            <a:off x="1742285" y="4125455"/>
             <a:ext cx="500607" cy="0"/>
           </a:xfrm>
           <a:prstGeom prst="line">
@@ -5985,8 +5866,8 @@
         </p:nvCxnSpPr>
         <p:spPr>
           <a:xfrm>
-            <a:off x="9662128" y="3556532"/>
-            <a:ext cx="1388958" cy="37352"/>
+            <a:off x="9594596" y="3973692"/>
+            <a:ext cx="690784" cy="0"/>
           </a:xfrm>
           <a:prstGeom prst="line">
             <a:avLst/>
@@ -6026,7 +5907,7 @@
         </p:nvSpPr>
         <p:spPr>
           <a:xfrm>
-            <a:off x="5258892" y="434038"/>
+            <a:off x="4951882" y="517699"/>
             <a:ext cx="1307675" cy="663961"/>
           </a:xfrm>
           <a:prstGeom prst="rightArrow">
@@ -6075,7 +5956,7 @@
         </p:nvSpPr>
         <p:spPr>
           <a:xfrm>
-            <a:off x="4476831" y="446497"/>
+            <a:off x="4169821" y="530158"/>
             <a:ext cx="859879" cy="682781"/>
           </a:xfrm>
           <a:prstGeom prst="rect">
@@ -6129,13 +6010,13 @@
         </p:nvSpPr>
         <p:spPr>
           <a:xfrm>
-            <a:off x="5541439" y="5203519"/>
+            <a:off x="5218276" y="5377113"/>
             <a:ext cx="2113900" cy="1171425"/>
           </a:xfrm>
           <a:prstGeom prst="wedgeRoundRectCallout">
             <a:avLst>
-              <a:gd name="adj1" fmla="val -11560"/>
-              <a:gd name="adj2" fmla="val -113912"/>
+              <a:gd name="adj1" fmla="val -12832"/>
+              <a:gd name="adj2" fmla="val -93249"/>
               <a:gd name="adj3" fmla="val 16667"/>
             </a:avLst>
           </a:prstGeom>
@@ -6185,7 +6066,7 @@
         </p:nvSpPr>
         <p:spPr>
           <a:xfrm>
-            <a:off x="4480645" y="512303"/>
+            <a:off x="4173635" y="595964"/>
             <a:ext cx="800219" cy="584775"/>
           </a:xfrm>
           <a:prstGeom prst="rect">
@@ -6229,7 +6110,7 @@
         </p:nvSpPr>
         <p:spPr>
           <a:xfrm>
-            <a:off x="3609231" y="446498"/>
+            <a:off x="3302221" y="530159"/>
             <a:ext cx="859879" cy="682780"/>
           </a:xfrm>
           <a:prstGeom prst="rect">
@@ -6283,7 +6164,7 @@
         </p:nvSpPr>
         <p:spPr>
           <a:xfrm>
-            <a:off x="3647737" y="513224"/>
+            <a:off x="3340727" y="596885"/>
             <a:ext cx="800219" cy="584775"/>
           </a:xfrm>
           <a:prstGeom prst="rect">
@@ -6328,8 +6209,8 @@
         </p:nvSpPr>
         <p:spPr>
           <a:xfrm>
-            <a:off x="2021212" y="434039"/>
-            <a:ext cx="1603461" cy="695240"/>
+            <a:off x="1348170" y="517700"/>
+            <a:ext cx="1969493" cy="695240"/>
           </a:xfrm>
           <a:prstGeom prst="rect">
             <a:avLst/>
@@ -6382,8 +6263,8 @@
         </p:nvSpPr>
         <p:spPr>
           <a:xfrm>
-            <a:off x="2051106" y="593431"/>
-            <a:ext cx="1569660" cy="369332"/>
+            <a:off x="1445882" y="686882"/>
+            <a:ext cx="1800493" cy="369332"/>
           </a:xfrm>
           <a:prstGeom prst="rect">
             <a:avLst/>
@@ -6398,7 +6279,7 @@
           <a:p>
             <a:r>
               <a:rPr lang="ja-JP" altLang="en-US" b="1"/>
-              <a:t>ページ下さい</a:t>
+              <a:t>ページを下さい</a:t>
             </a:r>
             <a:endParaRPr lang="en-US" b="1" dirty="0"/>
           </a:p>
@@ -6418,7 +6299,7 @@
         </p:nvSpPr>
         <p:spPr>
           <a:xfrm>
-            <a:off x="6822467" y="1616148"/>
+            <a:off x="6523678" y="1898526"/>
             <a:ext cx="859879" cy="674351"/>
           </a:xfrm>
           <a:prstGeom prst="rect">
@@ -6472,7 +6353,7 @@
         </p:nvSpPr>
         <p:spPr>
           <a:xfrm>
-            <a:off x="6845142" y="1678453"/>
+            <a:off x="6546353" y="1960831"/>
             <a:ext cx="800219" cy="584775"/>
           </a:xfrm>
           <a:prstGeom prst="rect">
@@ -6516,7 +6397,7 @@
         </p:nvSpPr>
         <p:spPr>
           <a:xfrm>
-            <a:off x="7690067" y="962689"/>
+            <a:off x="7391278" y="1245067"/>
             <a:ext cx="1752775" cy="1327810"/>
           </a:xfrm>
           <a:prstGeom prst="rect">
@@ -6570,7 +6451,7 @@
         </p:nvSpPr>
         <p:spPr>
           <a:xfrm>
-            <a:off x="5861881" y="5339338"/>
+            <a:off x="5538718" y="5512932"/>
             <a:ext cx="1523430" cy="923330"/>
           </a:xfrm>
           <a:prstGeom prst="rect">
@@ -6646,42 +6527,6 @@
           </a:p>
         </p:txBody>
       </p:sp>
-      <p:pic>
-        <p:nvPicPr>
-          <p:cNvPr id="44" name="Picture 43">
-            <a:extLst>
-              <a:ext uri="{FF2B5EF4-FFF2-40B4-BE49-F238E27FC236}">
-                <a16:creationId xmlns:a16="http://schemas.microsoft.com/office/drawing/2014/main" id="{5638E4F3-72D8-D04D-BFC3-4E567D13B7BE}"/>
-              </a:ext>
-            </a:extLst>
-          </p:cNvPr>
-          <p:cNvPicPr>
-            <a:picLocks noChangeAspect="1"/>
-          </p:cNvPicPr>
-          <p:nvPr/>
-        </p:nvPicPr>
-        <p:blipFill>
-          <a:blip r:embed="rId6">
-            <a:extLst>
-              <a:ext uri="{28A0092B-C50C-407E-A947-70E740481C1C}">
-                <a14:useLocalDpi xmlns:a14="http://schemas.microsoft.com/office/drawing/2010/main" val="0"/>
-              </a:ext>
-            </a:extLst>
-          </a:blip>
-          <a:stretch>
-            <a:fillRect/>
-          </a:stretch>
-        </p:blipFill>
-        <p:spPr>
-          <a:xfrm>
-            <a:off x="7821040" y="1064297"/>
-            <a:ext cx="1490827" cy="1124594"/>
-          </a:xfrm>
-          <a:prstGeom prst="rect">
-            <a:avLst/>
-          </a:prstGeom>
-        </p:spPr>
-      </p:pic>
       <p:sp>
         <p:nvSpPr>
           <p:cNvPr id="2" name="TextBox 1">
@@ -6696,7 +6541,7 @@
         </p:nvSpPr>
         <p:spPr>
           <a:xfrm>
-            <a:off x="5541439" y="597333"/>
+            <a:off x="5234429" y="680994"/>
             <a:ext cx="646331" cy="369332"/>
           </a:xfrm>
           <a:prstGeom prst="rect">
@@ -6740,7 +6585,7 @@
         </p:nvSpPr>
         <p:spPr>
           <a:xfrm flipH="1">
-            <a:off x="4811904" y="1603351"/>
+            <a:off x="4513115" y="1885729"/>
             <a:ext cx="1321141" cy="663961"/>
           </a:xfrm>
           <a:prstGeom prst="rightArrow">
@@ -6789,7 +6634,7 @@
         </p:nvSpPr>
         <p:spPr>
           <a:xfrm>
-            <a:off x="5233260" y="1761289"/>
+            <a:off x="4934471" y="2043667"/>
             <a:ext cx="646331" cy="369332"/>
           </a:xfrm>
           <a:prstGeom prst="rect">
@@ -6833,7 +6678,7 @@
         </p:nvSpPr>
         <p:spPr>
           <a:xfrm>
-            <a:off x="5970122" y="1620928"/>
+            <a:off x="5671333" y="1903306"/>
             <a:ext cx="859879" cy="669572"/>
           </a:xfrm>
           <a:prstGeom prst="rect">
@@ -6887,7 +6732,7 @@
         </p:nvSpPr>
         <p:spPr>
           <a:xfrm>
-            <a:off x="6014527" y="1698917"/>
+            <a:off x="5715738" y="1981295"/>
             <a:ext cx="800219" cy="584775"/>
           </a:xfrm>
           <a:prstGeom prst="rect">
@@ -6934,7 +6779,7 @@
         </p:nvCxnSpPr>
         <p:spPr>
           <a:xfrm>
-            <a:off x="3547239" y="3804809"/>
+            <a:off x="3268312" y="4184617"/>
             <a:ext cx="500607" cy="0"/>
           </a:xfrm>
           <a:prstGeom prst="line">
@@ -6977,7 +6822,7 @@
         </p:nvCxnSpPr>
         <p:spPr>
           <a:xfrm>
-            <a:off x="7723948" y="3450428"/>
+            <a:off x="7445021" y="3830236"/>
             <a:ext cx="496027" cy="82044"/>
           </a:xfrm>
           <a:prstGeom prst="line">
@@ -7018,7 +6863,7 @@
         </p:nvSpPr>
         <p:spPr>
           <a:xfrm>
-            <a:off x="4532798" y="3916741"/>
+            <a:off x="4253871" y="4296549"/>
             <a:ext cx="1396023" cy="523220"/>
           </a:xfrm>
           <a:prstGeom prst="rect">
@@ -7059,7 +6904,7 @@
         </p:nvCxnSpPr>
         <p:spPr>
           <a:xfrm flipV="1">
-            <a:off x="4906770" y="2979876"/>
+            <a:off x="4627843" y="3359684"/>
             <a:ext cx="1422653" cy="868224"/>
           </a:xfrm>
           <a:prstGeom prst="line">
@@ -7088,10 +6933,10 @@
       </p:cxnSp>
       <p:pic>
         <p:nvPicPr>
-          <p:cNvPr id="6" name="Picture 5">
-            <a:extLst>
-              <a:ext uri="{FF2B5EF4-FFF2-40B4-BE49-F238E27FC236}">
-                <a16:creationId xmlns:a16="http://schemas.microsoft.com/office/drawing/2014/main" id="{03C11B27-D4B8-8546-8181-8D80FBB74314}"/>
+          <p:cNvPr id="51" name="Picture 50">
+            <a:extLst>
+              <a:ext uri="{FF2B5EF4-FFF2-40B4-BE49-F238E27FC236}">
+                <a16:creationId xmlns:a16="http://schemas.microsoft.com/office/drawing/2014/main" id="{8B22B191-F927-2D49-9AF5-D7235C4E01B0}"/>
               </a:ext>
             </a:extLst>
           </p:cNvPr>
@@ -7101,7 +6946,7 @@
           <p:nvPr/>
         </p:nvPicPr>
         <p:blipFill>
-          <a:blip r:embed="rId7">
+          <a:blip r:embed="rId2">
             <a:extLst>
               <a:ext uri="{28A0092B-C50C-407E-A947-70E740481C1C}">
                 <a14:useLocalDpi xmlns:a14="http://schemas.microsoft.com/office/drawing/2010/main" val="0"/>
@@ -7114,8 +6959,8 @@
         </p:blipFill>
         <p:spPr>
           <a:xfrm>
-            <a:off x="10403256" y="2712061"/>
-            <a:ext cx="1911029" cy="1911029"/>
+            <a:off x="399751" y="3401473"/>
+            <a:ext cx="1423077" cy="1423077"/>
           </a:xfrm>
           <a:prstGeom prst="rect">
             <a:avLst/>
@@ -7124,10 +6969,10 @@
       </p:pic>
       <p:pic>
         <p:nvPicPr>
-          <p:cNvPr id="54" name="Picture 53">
-            <a:extLst>
-              <a:ext uri="{FF2B5EF4-FFF2-40B4-BE49-F238E27FC236}">
-                <a16:creationId xmlns:a16="http://schemas.microsoft.com/office/drawing/2014/main" id="{76ACCCA9-0341-0146-AE82-4295833D1DB3}"/>
+          <p:cNvPr id="5" name="Picture 4">
+            <a:extLst>
+              <a:ext uri="{FF2B5EF4-FFF2-40B4-BE49-F238E27FC236}">
+                <a16:creationId xmlns:a16="http://schemas.microsoft.com/office/drawing/2014/main" id="{9EFE25BA-B294-DD43-B991-49EFB464A65A}"/>
               </a:ext>
             </a:extLst>
           </p:cNvPr>
@@ -7137,7 +6982,7 @@
           <p:nvPr/>
         </p:nvPicPr>
         <p:blipFill>
-          <a:blip r:embed="rId8">
+          <a:blip r:embed="rId3">
             <a:extLst>
               <a:ext uri="{28A0092B-C50C-407E-A947-70E740481C1C}">
                 <a14:useLocalDpi xmlns:a14="http://schemas.microsoft.com/office/drawing/2010/main" val="0"/>
@@ -7150,8 +6995,524 @@
         </p:blipFill>
         <p:spPr>
           <a:xfrm>
-            <a:off x="506558" y="2906895"/>
-            <a:ext cx="1662770" cy="1662770"/>
+            <a:off x="7293324" y="925911"/>
+            <a:ext cx="1966121" cy="1966121"/>
+          </a:xfrm>
+          <a:prstGeom prst="rect">
+            <a:avLst/>
+          </a:prstGeom>
+        </p:spPr>
+      </p:pic>
+      <p:sp>
+        <p:nvSpPr>
+          <p:cNvPr id="54" name="Rectangle 53">
+            <a:extLst>
+              <a:ext uri="{FF2B5EF4-FFF2-40B4-BE49-F238E27FC236}">
+                <a16:creationId xmlns:a16="http://schemas.microsoft.com/office/drawing/2014/main" id="{41211B3C-EB35-874A-9D07-A635AEC6921A}"/>
+              </a:ext>
+            </a:extLst>
+          </p:cNvPr>
+          <p:cNvSpPr/>
+          <p:nvPr/>
+        </p:nvSpPr>
+        <p:spPr>
+          <a:xfrm>
+            <a:off x="9280552" y="5495464"/>
+            <a:ext cx="1853159" cy="695240"/>
+          </a:xfrm>
+          <a:prstGeom prst="rect">
+            <a:avLst/>
+          </a:prstGeom>
+          <a:solidFill>
+            <a:schemeClr val="bg1"/>
+          </a:solidFill>
+          <a:ln w="38100">
+            <a:noFill/>
+          </a:ln>
+        </p:spPr>
+        <p:style>
+          <a:lnRef idx="2">
+            <a:schemeClr val="accent1">
+              <a:shade val="50000"/>
+            </a:schemeClr>
+          </a:lnRef>
+          <a:fillRef idx="1">
+            <a:schemeClr val="accent1"/>
+          </a:fillRef>
+          <a:effectRef idx="0">
+            <a:schemeClr val="accent1"/>
+          </a:effectRef>
+          <a:fontRef idx="minor">
+            <a:schemeClr val="lt1"/>
+          </a:fontRef>
+        </p:style>
+        <p:txBody>
+          <a:bodyPr rtlCol="0" anchor="ctr"/>
+          <a:lstStyle/>
+          <a:p>
+            <a:pPr algn="ctr"/>
+            <a:endParaRPr lang="en-US"/>
+          </a:p>
+        </p:txBody>
+      </p:sp>
+      <p:pic>
+        <p:nvPicPr>
+          <p:cNvPr id="68" name="Picture 67">
+            <a:extLst>
+              <a:ext uri="{FF2B5EF4-FFF2-40B4-BE49-F238E27FC236}">
+                <a16:creationId xmlns:a16="http://schemas.microsoft.com/office/drawing/2014/main" id="{541556B8-6AB9-4A40-AFCA-A3F78FA54DAD}"/>
+              </a:ext>
+            </a:extLst>
+          </p:cNvPr>
+          <p:cNvPicPr>
+            <a:picLocks noChangeAspect="1"/>
+          </p:cNvPicPr>
+          <p:nvPr/>
+        </p:nvPicPr>
+        <p:blipFill>
+          <a:blip r:embed="rId4">
+            <a:extLst>
+              <a:ext uri="{28A0092B-C50C-407E-A947-70E740481C1C}">
+                <a14:useLocalDpi xmlns:a14="http://schemas.microsoft.com/office/drawing/2010/main" val="0"/>
+              </a:ext>
+            </a:extLst>
+          </a:blip>
+          <a:stretch>
+            <a:fillRect/>
+          </a:stretch>
+        </p:blipFill>
+        <p:spPr>
+          <a:xfrm>
+            <a:off x="9332987" y="4631647"/>
+            <a:ext cx="1762570" cy="1762570"/>
+          </a:xfrm>
+          <a:prstGeom prst="rect">
+            <a:avLst/>
+          </a:prstGeom>
+        </p:spPr>
+      </p:pic>
+      <p:sp>
+        <p:nvSpPr>
+          <p:cNvPr id="70" name="Rectangle 69">
+            <a:extLst>
+              <a:ext uri="{FF2B5EF4-FFF2-40B4-BE49-F238E27FC236}">
+                <a16:creationId xmlns:a16="http://schemas.microsoft.com/office/drawing/2014/main" id="{3DCAD8A0-2193-8A4C-84CC-837D14493DFC}"/>
+              </a:ext>
+            </a:extLst>
+          </p:cNvPr>
+          <p:cNvSpPr/>
+          <p:nvPr/>
+        </p:nvSpPr>
+        <p:spPr>
+          <a:xfrm>
+            <a:off x="1005351" y="5188533"/>
+            <a:ext cx="1146406" cy="695240"/>
+          </a:xfrm>
+          <a:prstGeom prst="rect">
+            <a:avLst/>
+          </a:prstGeom>
+          <a:solidFill>
+            <a:schemeClr val="bg1"/>
+          </a:solidFill>
+          <a:ln w="38100">
+            <a:noFill/>
+          </a:ln>
+        </p:spPr>
+        <p:style>
+          <a:lnRef idx="2">
+            <a:schemeClr val="accent1">
+              <a:shade val="50000"/>
+            </a:schemeClr>
+          </a:lnRef>
+          <a:fillRef idx="1">
+            <a:schemeClr val="accent1"/>
+          </a:fillRef>
+          <a:effectRef idx="0">
+            <a:schemeClr val="accent1"/>
+          </a:effectRef>
+          <a:fontRef idx="minor">
+            <a:schemeClr val="lt1"/>
+          </a:fontRef>
+        </p:style>
+        <p:txBody>
+          <a:bodyPr rtlCol="0" anchor="ctr"/>
+          <a:lstStyle/>
+          <a:p>
+            <a:pPr algn="ctr"/>
+            <a:endParaRPr lang="en-US"/>
+          </a:p>
+        </p:txBody>
+      </p:sp>
+      <p:pic>
+        <p:nvPicPr>
+          <p:cNvPr id="71" name="Picture 70">
+            <a:extLst>
+              <a:ext uri="{FF2B5EF4-FFF2-40B4-BE49-F238E27FC236}">
+                <a16:creationId xmlns:a16="http://schemas.microsoft.com/office/drawing/2014/main" id="{729FD2AB-E71F-514B-A919-122AC146E18E}"/>
+              </a:ext>
+            </a:extLst>
+          </p:cNvPr>
+          <p:cNvPicPr>
+            <a:picLocks noChangeAspect="1"/>
+          </p:cNvPicPr>
+          <p:nvPr/>
+        </p:nvPicPr>
+        <p:blipFill>
+          <a:blip r:embed="rId5">
+            <a:extLst>
+              <a:ext uri="{28A0092B-C50C-407E-A947-70E740481C1C}">
+                <a14:useLocalDpi xmlns:a14="http://schemas.microsoft.com/office/drawing/2010/main" val="0"/>
+              </a:ext>
+            </a:extLst>
+          </a:blip>
+          <a:stretch>
+            <a:fillRect/>
+          </a:stretch>
+        </p:blipFill>
+        <p:spPr>
+          <a:xfrm>
+            <a:off x="837504" y="4462994"/>
+            <a:ext cx="1657361" cy="1657361"/>
+          </a:xfrm>
+          <a:prstGeom prst="rect">
+            <a:avLst/>
+          </a:prstGeom>
+        </p:spPr>
+      </p:pic>
+      <p:sp>
+        <p:nvSpPr>
+          <p:cNvPr id="72" name="Rectangle 71">
+            <a:extLst>
+              <a:ext uri="{FF2B5EF4-FFF2-40B4-BE49-F238E27FC236}">
+                <a16:creationId xmlns:a16="http://schemas.microsoft.com/office/drawing/2014/main" id="{9857E827-EFE7-4C48-8EA4-EA19CDDE4770}"/>
+              </a:ext>
+            </a:extLst>
+          </p:cNvPr>
+          <p:cNvSpPr/>
+          <p:nvPr/>
+        </p:nvSpPr>
+        <p:spPr>
+          <a:xfrm>
+            <a:off x="2640294" y="3487698"/>
+            <a:ext cx="239349" cy="1188059"/>
+          </a:xfrm>
+          <a:prstGeom prst="rect">
+            <a:avLst/>
+          </a:prstGeom>
+          <a:solidFill>
+            <a:schemeClr val="bg1"/>
+          </a:solidFill>
+          <a:ln w="38100">
+            <a:noFill/>
+          </a:ln>
+        </p:spPr>
+        <p:style>
+          <a:lnRef idx="2">
+            <a:schemeClr val="accent1">
+              <a:shade val="50000"/>
+            </a:schemeClr>
+          </a:lnRef>
+          <a:fillRef idx="1">
+            <a:schemeClr val="accent1"/>
+          </a:fillRef>
+          <a:effectRef idx="0">
+            <a:schemeClr val="accent1"/>
+          </a:effectRef>
+          <a:fontRef idx="minor">
+            <a:schemeClr val="lt1"/>
+          </a:fontRef>
+        </p:style>
+        <p:txBody>
+          <a:bodyPr rtlCol="0" anchor="ctr"/>
+          <a:lstStyle/>
+          <a:p>
+            <a:pPr algn="ctr"/>
+            <a:endParaRPr lang="en-US"/>
+          </a:p>
+        </p:txBody>
+      </p:sp>
+      <p:sp>
+        <p:nvSpPr>
+          <p:cNvPr id="76" name="Rectangle 75">
+            <a:extLst>
+              <a:ext uri="{FF2B5EF4-FFF2-40B4-BE49-F238E27FC236}">
+                <a16:creationId xmlns:a16="http://schemas.microsoft.com/office/drawing/2014/main" id="{C87BD5B8-BEA2-8E42-A545-1631B207BF42}"/>
+              </a:ext>
+            </a:extLst>
+          </p:cNvPr>
+          <p:cNvSpPr/>
+          <p:nvPr/>
+        </p:nvSpPr>
+        <p:spPr>
+          <a:xfrm>
+            <a:off x="8576091" y="3466225"/>
+            <a:ext cx="239349" cy="1188059"/>
+          </a:xfrm>
+          <a:prstGeom prst="rect">
+            <a:avLst/>
+          </a:prstGeom>
+          <a:solidFill>
+            <a:schemeClr val="bg1"/>
+          </a:solidFill>
+          <a:ln w="38100">
+            <a:noFill/>
+          </a:ln>
+        </p:spPr>
+        <p:style>
+          <a:lnRef idx="2">
+            <a:schemeClr val="accent1">
+              <a:shade val="50000"/>
+            </a:schemeClr>
+          </a:lnRef>
+          <a:fillRef idx="1">
+            <a:schemeClr val="accent1"/>
+          </a:fillRef>
+          <a:effectRef idx="0">
+            <a:schemeClr val="accent1"/>
+          </a:effectRef>
+          <a:fontRef idx="minor">
+            <a:schemeClr val="lt1"/>
+          </a:fontRef>
+        </p:style>
+        <p:txBody>
+          <a:bodyPr rtlCol="0" anchor="ctr"/>
+          <a:lstStyle/>
+          <a:p>
+            <a:pPr algn="ctr"/>
+            <a:endParaRPr lang="en-US"/>
+          </a:p>
+        </p:txBody>
+      </p:sp>
+      <p:sp>
+        <p:nvSpPr>
+          <p:cNvPr id="78" name="Rectangle 77">
+            <a:extLst>
+              <a:ext uri="{FF2B5EF4-FFF2-40B4-BE49-F238E27FC236}">
+                <a16:creationId xmlns:a16="http://schemas.microsoft.com/office/drawing/2014/main" id="{4C7D6F84-51CE-F148-B006-DBD8008C292A}"/>
+              </a:ext>
+            </a:extLst>
+          </p:cNvPr>
+          <p:cNvSpPr/>
+          <p:nvPr/>
+        </p:nvSpPr>
+        <p:spPr>
+          <a:xfrm>
+            <a:off x="11461996" y="3480764"/>
+            <a:ext cx="239349" cy="1188059"/>
+          </a:xfrm>
+          <a:prstGeom prst="rect">
+            <a:avLst/>
+          </a:prstGeom>
+          <a:solidFill>
+            <a:schemeClr val="bg1"/>
+          </a:solidFill>
+          <a:ln w="38100">
+            <a:noFill/>
+          </a:ln>
+        </p:spPr>
+        <p:style>
+          <a:lnRef idx="2">
+            <a:schemeClr val="accent1">
+              <a:shade val="50000"/>
+            </a:schemeClr>
+          </a:lnRef>
+          <a:fillRef idx="1">
+            <a:schemeClr val="accent1"/>
+          </a:fillRef>
+          <a:effectRef idx="0">
+            <a:schemeClr val="accent1"/>
+          </a:effectRef>
+          <a:fontRef idx="minor">
+            <a:schemeClr val="lt1"/>
+          </a:fontRef>
+        </p:style>
+        <p:txBody>
+          <a:bodyPr rtlCol="0" anchor="ctr"/>
+          <a:lstStyle/>
+          <a:p>
+            <a:pPr algn="ctr"/>
+            <a:endParaRPr lang="en-US"/>
+          </a:p>
+        </p:txBody>
+      </p:sp>
+      <p:pic>
+        <p:nvPicPr>
+          <p:cNvPr id="81" name="Picture 80">
+            <a:extLst>
+              <a:ext uri="{FF2B5EF4-FFF2-40B4-BE49-F238E27FC236}">
+                <a16:creationId xmlns:a16="http://schemas.microsoft.com/office/drawing/2014/main" id="{5B4E5590-F812-8841-A828-6A21EF7ACAD0}"/>
+              </a:ext>
+            </a:extLst>
+          </p:cNvPr>
+          <p:cNvPicPr>
+            <a:picLocks noChangeAspect="1"/>
+          </p:cNvPicPr>
+          <p:nvPr/>
+        </p:nvPicPr>
+        <p:blipFill>
+          <a:blip r:embed="rId6">
+            <a:extLst>
+              <a:ext uri="{28A0092B-C50C-407E-A947-70E740481C1C}">
+                <a14:useLocalDpi xmlns:a14="http://schemas.microsoft.com/office/drawing/2010/main" val="0"/>
+              </a:ext>
+            </a:extLst>
+          </a:blip>
+          <a:stretch>
+            <a:fillRect/>
+          </a:stretch>
+        </p:blipFill>
+        <p:spPr>
+          <a:xfrm>
+            <a:off x="7857002" y="3148801"/>
+            <a:ext cx="1822909" cy="1822909"/>
+          </a:xfrm>
+          <a:prstGeom prst="rect">
+            <a:avLst/>
+          </a:prstGeom>
+        </p:spPr>
+      </p:pic>
+      <p:pic>
+        <p:nvPicPr>
+          <p:cNvPr id="57" name="Picture 56">
+            <a:extLst>
+              <a:ext uri="{FF2B5EF4-FFF2-40B4-BE49-F238E27FC236}">
+                <a16:creationId xmlns:a16="http://schemas.microsoft.com/office/drawing/2014/main" id="{CD9D9CBF-1F5E-944F-8129-B062CCADFF8F}"/>
+              </a:ext>
+            </a:extLst>
+          </p:cNvPr>
+          <p:cNvPicPr>
+            <a:picLocks noChangeAspect="1"/>
+          </p:cNvPicPr>
+          <p:nvPr/>
+        </p:nvPicPr>
+        <p:blipFill>
+          <a:blip r:embed="rId7">
+            <a:extLst>
+              <a:ext uri="{28A0092B-C50C-407E-A947-70E740481C1C}">
+                <a14:useLocalDpi xmlns:a14="http://schemas.microsoft.com/office/drawing/2010/main" val="0"/>
+              </a:ext>
+            </a:extLst>
+          </a:blip>
+          <a:stretch>
+            <a:fillRect/>
+          </a:stretch>
+        </p:blipFill>
+        <p:spPr>
+          <a:xfrm>
+            <a:off x="2049720" y="3136326"/>
+            <a:ext cx="1515066" cy="1515066"/>
+          </a:xfrm>
+          <a:prstGeom prst="rect">
+            <a:avLst/>
+          </a:prstGeom>
+        </p:spPr>
+      </p:pic>
+      <p:sp>
+        <p:nvSpPr>
+          <p:cNvPr id="62" name="TextBox 61">
+            <a:extLst>
+              <a:ext uri="{FF2B5EF4-FFF2-40B4-BE49-F238E27FC236}">
+                <a16:creationId xmlns:a16="http://schemas.microsoft.com/office/drawing/2014/main" id="{5071F79E-EAFC-7648-A112-8B5D9BFC31EA}"/>
+              </a:ext>
+            </a:extLst>
+          </p:cNvPr>
+          <p:cNvSpPr txBox="1"/>
+          <p:nvPr/>
+        </p:nvSpPr>
+        <p:spPr>
+          <a:xfrm>
+            <a:off x="419689" y="6163214"/>
+            <a:ext cx="2492990" cy="400110"/>
+          </a:xfrm>
+          <a:prstGeom prst="rect">
+            <a:avLst/>
+          </a:prstGeom>
+          <a:noFill/>
+        </p:spPr>
+        <p:txBody>
+          <a:bodyPr wrap="none" rtlCol="0">
+            <a:spAutoFit/>
+          </a:bodyPr>
+          <a:lstStyle/>
+          <a:p>
+            <a:r>
+              <a:rPr lang="ja-JP" altLang="en-US" sz="2000" b="1"/>
+              <a:t>自宅のネットワーク</a:t>
+            </a:r>
+            <a:endParaRPr lang="en-US" sz="2000" b="1" dirty="0"/>
+          </a:p>
+        </p:txBody>
+      </p:sp>
+      <p:sp>
+        <p:nvSpPr>
+          <p:cNvPr id="67" name="TextBox 66">
+            <a:extLst>
+              <a:ext uri="{FF2B5EF4-FFF2-40B4-BE49-F238E27FC236}">
+                <a16:creationId xmlns:a16="http://schemas.microsoft.com/office/drawing/2014/main" id="{A3C39372-DEB5-A04F-A84B-AE6EA3A27AA7}"/>
+              </a:ext>
+            </a:extLst>
+          </p:cNvPr>
+          <p:cNvSpPr txBox="1"/>
+          <p:nvPr/>
+        </p:nvSpPr>
+        <p:spPr>
+          <a:xfrm>
+            <a:off x="8909296" y="6129451"/>
+            <a:ext cx="2635786" cy="400110"/>
+          </a:xfrm>
+          <a:prstGeom prst="rect">
+            <a:avLst/>
+          </a:prstGeom>
+          <a:noFill/>
+        </p:spPr>
+        <p:txBody>
+          <a:bodyPr wrap="none" rtlCol="0">
+            <a:spAutoFit/>
+          </a:bodyPr>
+          <a:lstStyle/>
+          <a:p>
+            <a:r>
+              <a:rPr lang="en-US" altLang="ja-JP" sz="2000" b="1" dirty="0"/>
+              <a:t>Yahoo</a:t>
+            </a:r>
+            <a:r>
+              <a:rPr lang="ja-JP" altLang="en-US" sz="2000" b="1"/>
+              <a:t>のネットワーク</a:t>
+            </a:r>
+            <a:endParaRPr lang="en-US" sz="2000" b="1" dirty="0"/>
+          </a:p>
+        </p:txBody>
+      </p:sp>
+      <p:pic>
+        <p:nvPicPr>
+          <p:cNvPr id="4" name="Picture 3">
+            <a:extLst>
+              <a:ext uri="{FF2B5EF4-FFF2-40B4-BE49-F238E27FC236}">
+                <a16:creationId xmlns:a16="http://schemas.microsoft.com/office/drawing/2014/main" id="{D89B7C3C-ABBC-0C46-8DBD-C62C4642322E}"/>
+              </a:ext>
+            </a:extLst>
+          </p:cNvPr>
+          <p:cNvPicPr>
+            <a:picLocks noChangeAspect="1"/>
+          </p:cNvPicPr>
+          <p:nvPr/>
+        </p:nvPicPr>
+        <p:blipFill>
+          <a:blip r:embed="rId8">
+            <a:extLst>
+              <a:ext uri="{28A0092B-C50C-407E-A947-70E740481C1C}">
+                <a14:useLocalDpi xmlns:a14="http://schemas.microsoft.com/office/drawing/2010/main" val="0"/>
+              </a:ext>
+            </a:extLst>
+          </a:blip>
+          <a:stretch>
+            <a:fillRect/>
+          </a:stretch>
+        </p:blipFill>
+        <p:spPr>
+          <a:xfrm>
+            <a:off x="10405571" y="3259238"/>
+            <a:ext cx="1576292" cy="1576292"/>
           </a:xfrm>
           <a:prstGeom prst="rect">
             <a:avLst/>
@@ -7395,8 +7756,8 @@
         </p:nvSpPr>
         <p:spPr>
           <a:xfrm>
-            <a:off x="1026143" y="2080346"/>
-            <a:ext cx="2117887" cy="461665"/>
+            <a:off x="956768" y="2088963"/>
+            <a:ext cx="2186817" cy="461665"/>
           </a:xfrm>
           <a:prstGeom prst="rect">
             <a:avLst/>
@@ -7413,7 +7774,7 @@
           <a:p>
             <a:r>
               <a:rPr lang="en-US" sz="2400" b="1" dirty="0"/>
-              <a:t>192.168.0.0/24</a:t>
+              <a:t>192.168.0.0/ 24</a:t>
             </a:r>
           </a:p>
         </p:txBody>
@@ -7433,7 +7794,7 @@
         <p:spPr>
           <a:xfrm>
             <a:off x="5162513" y="6131198"/>
-            <a:ext cx="1962397" cy="461665"/>
+            <a:ext cx="2031325" cy="461665"/>
           </a:xfrm>
           <a:prstGeom prst="rect">
             <a:avLst/>
@@ -7450,7 +7811,7 @@
           <a:p>
             <a:r>
               <a:rPr lang="en-US" sz="2400" b="1" dirty="0"/>
-              <a:t>172.16.0.0/16</a:t>
+              <a:t>172.16.0.0/ 16</a:t>
             </a:r>
           </a:p>
         </p:txBody>
@@ -7470,7 +7831,7 @@
         <p:spPr>
           <a:xfrm>
             <a:off x="9331801" y="2061316"/>
-            <a:ext cx="1495922" cy="461665"/>
+            <a:ext cx="1564852" cy="461665"/>
           </a:xfrm>
           <a:prstGeom prst="rect">
             <a:avLst/>
@@ -7487,7 +7848,7 @@
           <a:p>
             <a:r>
               <a:rPr lang="en-US" sz="2400" b="1" dirty="0"/>
-              <a:t>10.0.0.0/8</a:t>
+              <a:t>10.0.0.0/ 8</a:t>
             </a:r>
           </a:p>
         </p:txBody>
@@ -7513,7 +7874,7 @@
             <a:avLst/>
           </a:prstGeom>
           <a:solidFill>
-            <a:schemeClr val="accent1"/>
+            <a:schemeClr val="accent3"/>
           </a:solidFill>
           <a:ln w="38100">
             <a:solidFill>
@@ -7570,7 +7931,7 @@
             <a:avLst/>
           </a:prstGeom>
           <a:solidFill>
-            <a:schemeClr val="accent1"/>
+            <a:schemeClr val="accent3"/>
           </a:solidFill>
           <a:ln w="38100">
             <a:solidFill>
@@ -7627,7 +7988,7 @@
             <a:avLst/>
           </a:prstGeom>
           <a:solidFill>
-            <a:schemeClr val="accent1"/>
+            <a:schemeClr val="accent3"/>
           </a:solidFill>
           <a:ln w="38100">
             <a:solidFill>
@@ -7741,7 +8102,7 @@
             <a:avLst/>
           </a:prstGeom>
           <a:solidFill>
-            <a:schemeClr val="accent1"/>
+            <a:schemeClr val="accent3"/>
           </a:solidFill>
           <a:ln w="38100">
             <a:solidFill>
@@ -7798,7 +8159,7 @@
             <a:avLst/>
           </a:prstGeom>
           <a:solidFill>
-            <a:schemeClr val="accent1"/>
+            <a:schemeClr val="accent3"/>
           </a:solidFill>
           <a:ln w="38100">
             <a:solidFill>
@@ -7969,7 +8330,7 @@
             <a:avLst/>
           </a:prstGeom>
           <a:solidFill>
-            <a:schemeClr val="accent1"/>
+            <a:schemeClr val="accent3"/>
           </a:solidFill>
           <a:ln w="38100">
             <a:solidFill>
@@ -8207,7 +8568,7 @@
             <a:r>
               <a:rPr lang="en-US" b="1" dirty="0">
                 <a:solidFill>
-                  <a:schemeClr val="accent1"/>
+                  <a:schemeClr val="accent3"/>
                 </a:solidFill>
               </a:rPr>
               <a:t>8bit</a:t>
@@ -8246,7 +8607,7 @@
             <a:r>
               <a:rPr lang="en-US" b="1" dirty="0">
                 <a:solidFill>
-                  <a:schemeClr val="accent1"/>
+                  <a:schemeClr val="accent3"/>
                 </a:solidFill>
               </a:rPr>
               <a:t>8bit</a:t>
@@ -8285,7 +8646,7 @@
             <a:r>
               <a:rPr lang="en-US" b="1" dirty="0">
                 <a:solidFill>
-                  <a:schemeClr val="accent1"/>
+                  <a:schemeClr val="accent3"/>
                 </a:solidFill>
               </a:rPr>
               <a:t>8bit</a:t>
@@ -8361,10 +8722,18 @@
           <a:lstStyle/>
           <a:p>
             <a:r>
-              <a:rPr lang="ja-JP" altLang="en-US" b="1"/>
+              <a:rPr lang="ja-JP" altLang="en-US" b="1">
+                <a:solidFill>
+                  <a:schemeClr val="accent3"/>
+                </a:solidFill>
+              </a:rPr>
               <a:t>ネットワークアドレス</a:t>
             </a:r>
-            <a:endParaRPr lang="en-US" b="1" dirty="0"/>
+            <a:endParaRPr lang="en-US" b="1" dirty="0">
+              <a:solidFill>
+                <a:schemeClr val="accent3"/>
+              </a:solidFill>
+            </a:endParaRPr>
           </a:p>
         </p:txBody>
       </p:sp>
@@ -8397,10 +8766,18 @@
           <a:lstStyle/>
           <a:p>
             <a:r>
-              <a:rPr lang="ja-JP" altLang="en-US" b="1"/>
+              <a:rPr lang="ja-JP" altLang="en-US" b="1">
+                <a:solidFill>
+                  <a:schemeClr val="accent2"/>
+                </a:solidFill>
+              </a:rPr>
               <a:t>ホストアドレス</a:t>
             </a:r>
-            <a:endParaRPr lang="en-US" b="1" dirty="0"/>
+            <a:endParaRPr lang="en-US" b="1" dirty="0">
+              <a:solidFill>
+                <a:schemeClr val="accent2"/>
+              </a:solidFill>
+            </a:endParaRPr>
           </a:p>
         </p:txBody>
       </p:sp>
@@ -8424,7 +8801,7 @@
           <a:prstGeom prst="leftBrace">
             <a:avLst/>
           </a:prstGeom>
-          <a:ln w="19050">
+          <a:ln w="38100">
             <a:solidFill>
               <a:schemeClr val="tx1"/>
             </a:solidFill>
@@ -8473,7 +8850,7 @@
           <a:prstGeom prst="leftBrace">
             <a:avLst/>
           </a:prstGeom>
-          <a:ln w="19050">
+          <a:ln w="38100">
             <a:solidFill>
               <a:schemeClr val="tx1"/>
             </a:solidFill>
@@ -8502,132 +8879,6 @@
           </a:p>
         </p:txBody>
       </p:sp>
-      <p:pic>
-        <p:nvPicPr>
-          <p:cNvPr id="30" name="Picture 29">
-            <a:extLst>
-              <a:ext uri="{FF2B5EF4-FFF2-40B4-BE49-F238E27FC236}">
-                <a16:creationId xmlns:a16="http://schemas.microsoft.com/office/drawing/2014/main" id="{16AD783D-C794-D246-986E-C3CB7A97CDAD}"/>
-              </a:ext>
-            </a:extLst>
-          </p:cNvPr>
-          <p:cNvPicPr>
-            <a:picLocks noChangeAspect="1"/>
-          </p:cNvPicPr>
-          <p:nvPr/>
-        </p:nvPicPr>
-        <p:blipFill>
-          <a:blip r:embed="rId2">
-            <a:extLst>
-              <a:ext uri="{28A0092B-C50C-407E-A947-70E740481C1C}">
-                <a14:useLocalDpi xmlns:a14="http://schemas.microsoft.com/office/drawing/2010/main" val="0"/>
-              </a:ext>
-            </a:extLst>
-          </a:blip>
-          <a:stretch>
-            <a:fillRect/>
-          </a:stretch>
-        </p:blipFill>
-        <p:spPr>
-          <a:xfrm>
-            <a:off x="5396591" y="2359700"/>
-            <a:ext cx="1119843" cy="627732"/>
-          </a:xfrm>
-          <a:prstGeom prst="rect">
-            <a:avLst/>
-          </a:prstGeom>
-        </p:spPr>
-      </p:pic>
-      <p:pic>
-        <p:nvPicPr>
-          <p:cNvPr id="31" name="Picture 30">
-            <a:extLst>
-              <a:ext uri="{FF2B5EF4-FFF2-40B4-BE49-F238E27FC236}">
-                <a16:creationId xmlns:a16="http://schemas.microsoft.com/office/drawing/2014/main" id="{F9FA3526-B6DC-9446-9FAA-90C794359D13}"/>
-              </a:ext>
-            </a:extLst>
-          </p:cNvPr>
-          <p:cNvPicPr>
-            <a:picLocks noChangeAspect="1"/>
-          </p:cNvPicPr>
-          <p:nvPr/>
-        </p:nvPicPr>
-        <p:blipFill>
-          <a:blip r:embed="rId3"/>
-          <a:stretch>
-            <a:fillRect/>
-          </a:stretch>
-        </p:blipFill>
-        <p:spPr>
-          <a:xfrm>
-            <a:off x="2974752" y="2799593"/>
-            <a:ext cx="1197537" cy="1000296"/>
-          </a:xfrm>
-          <a:prstGeom prst="rect">
-            <a:avLst/>
-          </a:prstGeom>
-        </p:spPr>
-      </p:pic>
-      <p:pic>
-        <p:nvPicPr>
-          <p:cNvPr id="32" name="Picture 31">
-            <a:extLst>
-              <a:ext uri="{FF2B5EF4-FFF2-40B4-BE49-F238E27FC236}">
-                <a16:creationId xmlns:a16="http://schemas.microsoft.com/office/drawing/2014/main" id="{6FFF6D8D-5D4D-D742-B496-8ACC4071A4F6}"/>
-              </a:ext>
-            </a:extLst>
-          </p:cNvPr>
-          <p:cNvPicPr>
-            <a:picLocks noChangeAspect="1"/>
-          </p:cNvPicPr>
-          <p:nvPr/>
-        </p:nvPicPr>
-        <p:blipFill>
-          <a:blip r:embed="rId3"/>
-          <a:stretch>
-            <a:fillRect/>
-          </a:stretch>
-        </p:blipFill>
-        <p:spPr>
-          <a:xfrm>
-            <a:off x="5625033" y="4073364"/>
-            <a:ext cx="1197537" cy="1000296"/>
-          </a:xfrm>
-          <a:prstGeom prst="rect">
-            <a:avLst/>
-          </a:prstGeom>
-        </p:spPr>
-      </p:pic>
-      <p:pic>
-        <p:nvPicPr>
-          <p:cNvPr id="33" name="Picture 32">
-            <a:extLst>
-              <a:ext uri="{FF2B5EF4-FFF2-40B4-BE49-F238E27FC236}">
-                <a16:creationId xmlns:a16="http://schemas.microsoft.com/office/drawing/2014/main" id="{65371E26-DF5B-6D4B-BD24-6F489391606D}"/>
-              </a:ext>
-            </a:extLst>
-          </p:cNvPr>
-          <p:cNvPicPr>
-            <a:picLocks noChangeAspect="1"/>
-          </p:cNvPicPr>
-          <p:nvPr/>
-        </p:nvPicPr>
-        <p:blipFill>
-          <a:blip r:embed="rId3"/>
-          <a:stretch>
-            <a:fillRect/>
-          </a:stretch>
-        </p:blipFill>
-        <p:spPr>
-          <a:xfrm>
-            <a:off x="8252702" y="2753198"/>
-            <a:ext cx="1197537" cy="1000296"/>
-          </a:xfrm>
-          <a:prstGeom prst="rect">
-            <a:avLst/>
-          </a:prstGeom>
-        </p:spPr>
-      </p:pic>
       <p:cxnSp>
         <p:nvCxnSpPr>
           <p:cNvPr id="35" name="Straight Connector 34">
@@ -8778,15 +9029,17 @@
           <a:prstGeom prst="wedgeRoundRectCallout">
             <a:avLst>
               <a:gd name="adj1" fmla="val -21579"/>
-              <a:gd name="adj2" fmla="val 84341"/>
+              <a:gd name="adj2" fmla="val 80527"/>
               <a:gd name="adj3" fmla="val 16667"/>
             </a:avLst>
           </a:prstGeom>
           <a:solidFill>
-            <a:schemeClr val="accent4"/>
+            <a:schemeClr val="accent1"/>
           </a:solidFill>
-          <a:ln>
-            <a:noFill/>
+          <a:ln w="57150">
+            <a:solidFill>
+              <a:schemeClr val="bg1"/>
+            </a:solidFill>
           </a:ln>
         </p:spPr>
         <p:style>
@@ -8939,78 +9192,6 @@
           </a:p>
         </p:txBody>
       </p:sp>
-      <p:pic>
-        <p:nvPicPr>
-          <p:cNvPr id="50" name="Picture 49">
-            <a:extLst>
-              <a:ext uri="{FF2B5EF4-FFF2-40B4-BE49-F238E27FC236}">
-                <a16:creationId xmlns:a16="http://schemas.microsoft.com/office/drawing/2014/main" id="{57A43840-0647-7B4C-A22E-139CA0820053}"/>
-              </a:ext>
-            </a:extLst>
-          </p:cNvPr>
-          <p:cNvPicPr>
-            <a:picLocks noChangeAspect="1"/>
-          </p:cNvPicPr>
-          <p:nvPr/>
-        </p:nvPicPr>
-        <p:blipFill>
-          <a:blip r:embed="rId4">
-            <a:extLst>
-              <a:ext uri="{28A0092B-C50C-407E-A947-70E740481C1C}">
-                <a14:useLocalDpi xmlns:a14="http://schemas.microsoft.com/office/drawing/2010/main" val="0"/>
-              </a:ext>
-            </a:extLst>
-          </a:blip>
-          <a:stretch>
-            <a:fillRect/>
-          </a:stretch>
-        </p:blipFill>
-        <p:spPr>
-          <a:xfrm>
-            <a:off x="1323858" y="4230732"/>
-            <a:ext cx="1302927" cy="977195"/>
-          </a:xfrm>
-          <a:prstGeom prst="rect">
-            <a:avLst/>
-          </a:prstGeom>
-        </p:spPr>
-      </p:pic>
-      <p:pic>
-        <p:nvPicPr>
-          <p:cNvPr id="52" name="Picture 51">
-            <a:extLst>
-              <a:ext uri="{FF2B5EF4-FFF2-40B4-BE49-F238E27FC236}">
-                <a16:creationId xmlns:a16="http://schemas.microsoft.com/office/drawing/2014/main" id="{79E1454D-7BDE-4344-8E46-54E52272662B}"/>
-              </a:ext>
-            </a:extLst>
-          </p:cNvPr>
-          <p:cNvPicPr>
-            <a:picLocks noChangeAspect="1"/>
-          </p:cNvPicPr>
-          <p:nvPr/>
-        </p:nvPicPr>
-        <p:blipFill>
-          <a:blip r:embed="rId4">
-            <a:extLst>
-              <a:ext uri="{28A0092B-C50C-407E-A947-70E740481C1C}">
-                <a14:useLocalDpi xmlns:a14="http://schemas.microsoft.com/office/drawing/2010/main" val="0"/>
-              </a:ext>
-            </a:extLst>
-          </a:blip>
-          <a:stretch>
-            <a:fillRect/>
-          </a:stretch>
-        </p:blipFill>
-        <p:spPr>
-          <a:xfrm>
-            <a:off x="6485372" y="4822407"/>
-            <a:ext cx="1302927" cy="977195"/>
-          </a:xfrm>
-          <a:prstGeom prst="rect">
-            <a:avLst/>
-          </a:prstGeom>
-        </p:spPr>
-      </p:pic>
       <p:sp>
         <p:nvSpPr>
           <p:cNvPr id="53" name="TextBox 52">
@@ -9081,42 +9262,6 @@
           </a:p>
         </p:txBody>
       </p:sp>
-      <p:pic>
-        <p:nvPicPr>
-          <p:cNvPr id="56" name="Picture 55">
-            <a:extLst>
-              <a:ext uri="{FF2B5EF4-FFF2-40B4-BE49-F238E27FC236}">
-                <a16:creationId xmlns:a16="http://schemas.microsoft.com/office/drawing/2014/main" id="{17788FB2-4441-DB4B-96A8-7D7E2D580029}"/>
-              </a:ext>
-            </a:extLst>
-          </p:cNvPr>
-          <p:cNvPicPr>
-            <a:picLocks noChangeAspect="1"/>
-          </p:cNvPicPr>
-          <p:nvPr/>
-        </p:nvPicPr>
-        <p:blipFill>
-          <a:blip r:embed="rId4">
-            <a:extLst>
-              <a:ext uri="{28A0092B-C50C-407E-A947-70E740481C1C}">
-                <a14:useLocalDpi xmlns:a14="http://schemas.microsoft.com/office/drawing/2010/main" val="0"/>
-              </a:ext>
-            </a:extLst>
-          </a:blip>
-          <a:stretch>
-            <a:fillRect/>
-          </a:stretch>
-        </p:blipFill>
-        <p:spPr>
-          <a:xfrm>
-            <a:off x="9437833" y="3975974"/>
-            <a:ext cx="1302927" cy="977195"/>
-          </a:xfrm>
-          <a:prstGeom prst="rect">
-            <a:avLst/>
-          </a:prstGeom>
-        </p:spPr>
-      </p:pic>
       <p:sp>
         <p:nvSpPr>
           <p:cNvPr id="57" name="TextBox 56">
@@ -9131,7 +9276,7 @@
         </p:nvSpPr>
         <p:spPr>
           <a:xfrm>
-            <a:off x="9547326" y="3380098"/>
+            <a:off x="9589543" y="3452225"/>
             <a:ext cx="1170513" cy="400110"/>
           </a:xfrm>
           <a:prstGeom prst="rect">
@@ -9166,7 +9311,7 @@
         </p:nvSpPr>
         <p:spPr>
           <a:xfrm>
-            <a:off x="9531642" y="4989543"/>
+            <a:off x="9540224" y="5051414"/>
             <a:ext cx="1170513" cy="400110"/>
           </a:xfrm>
           <a:prstGeom prst="rect">
@@ -9359,8 +9504,8 @@
         </p:nvCxnSpPr>
         <p:spPr>
           <a:xfrm>
-            <a:off x="6023462" y="3120695"/>
-            <a:ext cx="0" cy="582436"/>
+            <a:off x="6023462" y="3299741"/>
+            <a:ext cx="0" cy="403390"/>
           </a:xfrm>
           <a:prstGeom prst="line">
             <a:avLst/>
@@ -9417,7 +9562,7 @@
             <a:r>
               <a:rPr lang="en-US" b="1" dirty="0">
                 <a:solidFill>
-                  <a:schemeClr val="accent1"/>
+                  <a:schemeClr val="accent3"/>
                 </a:solidFill>
               </a:rPr>
               <a:t>8bit</a:t>
@@ -9573,7 +9718,7 @@
             <a:r>
               <a:rPr lang="en-US" b="1" dirty="0">
                 <a:solidFill>
-                  <a:schemeClr val="accent1"/>
+                  <a:schemeClr val="accent3"/>
                 </a:solidFill>
               </a:rPr>
               <a:t>8bit</a:t>
@@ -9612,7 +9757,7 @@
             <a:r>
               <a:rPr lang="en-US" b="1" dirty="0">
                 <a:solidFill>
-                  <a:schemeClr val="accent1"/>
+                  <a:schemeClr val="accent3"/>
                 </a:solidFill>
               </a:rPr>
               <a:t>8bit</a:t>
@@ -9718,7 +9863,11 @@
           <a:prstGeom prst="line">
             <a:avLst/>
           </a:prstGeom>
-          <a:ln w="76200"/>
+          <a:ln w="76200">
+            <a:solidFill>
+              <a:schemeClr val="accent3"/>
+            </a:solidFill>
+          </a:ln>
         </p:spPr>
         <p:style>
           <a:lnRef idx="1">
@@ -9751,13 +9900,17 @@
         </p:nvCxnSpPr>
         <p:spPr>
           <a:xfrm flipV="1">
-            <a:off x="10495605" y="2521819"/>
+            <a:off x="10562108" y="2488567"/>
             <a:ext cx="313566" cy="1162"/>
           </a:xfrm>
           <a:prstGeom prst="line">
             <a:avLst/>
           </a:prstGeom>
-          <a:ln w="76200"/>
+          <a:ln w="76200">
+            <a:solidFill>
+              <a:schemeClr val="accent3"/>
+            </a:solidFill>
+          </a:ln>
         </p:spPr>
         <p:style>
           <a:lnRef idx="1">
@@ -9788,13 +9941,17 @@
         </p:nvCxnSpPr>
         <p:spPr>
           <a:xfrm>
-            <a:off x="6673684" y="6563987"/>
+            <a:off x="6740186" y="6563987"/>
             <a:ext cx="389655" cy="0"/>
           </a:xfrm>
           <a:prstGeom prst="line">
             <a:avLst/>
           </a:prstGeom>
-          <a:ln w="76200"/>
+          <a:ln w="76200">
+            <a:solidFill>
+              <a:schemeClr val="accent3"/>
+            </a:solidFill>
+          </a:ln>
         </p:spPr>
         <p:style>
           <a:lnRef idx="1">
@@ -9826,7 +9983,7 @@
           <p:nvPr/>
         </p:nvPicPr>
         <p:blipFill>
-          <a:blip r:embed="rId5">
+          <a:blip r:embed="rId2">
             <a:extLst>
               <a:ext uri="{28A0092B-C50C-407E-A947-70E740481C1C}">
                 <a14:useLocalDpi xmlns:a14="http://schemas.microsoft.com/office/drawing/2010/main" val="0"/>
@@ -9839,8 +9996,8 @@
         </p:blipFill>
         <p:spPr>
           <a:xfrm>
-            <a:off x="1224470" y="2214408"/>
-            <a:ext cx="1619368" cy="1619368"/>
+            <a:off x="1388955" y="2664345"/>
+            <a:ext cx="1304359" cy="1304359"/>
           </a:xfrm>
           <a:prstGeom prst="rect">
             <a:avLst/>
@@ -9862,7 +10019,7 @@
           <p:nvPr/>
         </p:nvPicPr>
         <p:blipFill>
-          <a:blip r:embed="rId5">
+          <a:blip r:embed="rId2">
             <a:extLst>
               <a:ext uri="{28A0092B-C50C-407E-A947-70E740481C1C}">
                 <a14:useLocalDpi xmlns:a14="http://schemas.microsoft.com/office/drawing/2010/main" val="0"/>
@@ -9875,8 +10032,8 @@
         </p:blipFill>
         <p:spPr>
           <a:xfrm>
-            <a:off x="4145688" y="4464571"/>
-            <a:ext cx="1619368" cy="1619368"/>
+            <a:off x="4365811" y="4720554"/>
+            <a:ext cx="1264774" cy="1264774"/>
           </a:xfrm>
           <a:prstGeom prst="rect">
             <a:avLst/>
@@ -9898,7 +10055,7 @@
           <p:nvPr/>
         </p:nvPicPr>
         <p:blipFill>
-          <a:blip r:embed="rId5">
+          <a:blip r:embed="rId2">
             <a:extLst>
               <a:ext uri="{28A0092B-C50C-407E-A947-70E740481C1C}">
                 <a14:useLocalDpi xmlns:a14="http://schemas.microsoft.com/office/drawing/2010/main" val="0"/>
@@ -9911,8 +10068,416 @@
         </p:blipFill>
         <p:spPr>
           <a:xfrm>
-            <a:off x="9270078" y="2134126"/>
-            <a:ext cx="1619368" cy="1619368"/>
+            <a:off x="9492048" y="2573764"/>
+            <a:ext cx="1243376" cy="1243376"/>
+          </a:xfrm>
+          <a:prstGeom prst="rect">
+            <a:avLst/>
+          </a:prstGeom>
+        </p:spPr>
+      </p:pic>
+      <p:pic>
+        <p:nvPicPr>
+          <p:cNvPr id="77" name="Picture 76">
+            <a:extLst>
+              <a:ext uri="{FF2B5EF4-FFF2-40B4-BE49-F238E27FC236}">
+                <a16:creationId xmlns:a16="http://schemas.microsoft.com/office/drawing/2014/main" id="{2EE5C100-AAFB-7244-BED7-5CD89718BD7A}"/>
+              </a:ext>
+            </a:extLst>
+          </p:cNvPr>
+          <p:cNvPicPr>
+            <a:picLocks noChangeAspect="1"/>
+          </p:cNvPicPr>
+          <p:nvPr/>
+        </p:nvPicPr>
+        <p:blipFill>
+          <a:blip r:embed="rId3">
+            <a:extLst>
+              <a:ext uri="{28A0092B-C50C-407E-A947-70E740481C1C}">
+                <a14:useLocalDpi xmlns:a14="http://schemas.microsoft.com/office/drawing/2010/main" val="0"/>
+              </a:ext>
+            </a:extLst>
+          </a:blip>
+          <a:stretch>
+            <a:fillRect/>
+          </a:stretch>
+        </p:blipFill>
+        <p:spPr>
+          <a:xfrm>
+            <a:off x="5294857" y="1973748"/>
+            <a:ext cx="1550065" cy="1550065"/>
+          </a:xfrm>
+          <a:prstGeom prst="rect">
+            <a:avLst/>
+          </a:prstGeom>
+        </p:spPr>
+      </p:pic>
+      <p:pic>
+        <p:nvPicPr>
+          <p:cNvPr id="81" name="Picture 80">
+            <a:extLst>
+              <a:ext uri="{FF2B5EF4-FFF2-40B4-BE49-F238E27FC236}">
+                <a16:creationId xmlns:a16="http://schemas.microsoft.com/office/drawing/2014/main" id="{0265C17C-FB5E-F74B-A0BA-DF338DF8F6A8}"/>
+              </a:ext>
+            </a:extLst>
+          </p:cNvPr>
+          <p:cNvPicPr>
+            <a:picLocks noChangeAspect="1"/>
+          </p:cNvPicPr>
+          <p:nvPr/>
+        </p:nvPicPr>
+        <p:blipFill>
+          <a:blip r:embed="rId4">
+            <a:extLst>
+              <a:ext uri="{28A0092B-C50C-407E-A947-70E740481C1C}">
+                <a14:useLocalDpi xmlns:a14="http://schemas.microsoft.com/office/drawing/2010/main" val="0"/>
+              </a:ext>
+            </a:extLst>
+          </a:blip>
+          <a:stretch>
+            <a:fillRect/>
+          </a:stretch>
+        </p:blipFill>
+        <p:spPr>
+          <a:xfrm>
+            <a:off x="1552431" y="4276223"/>
+            <a:ext cx="1010182" cy="1010182"/>
+          </a:xfrm>
+          <a:prstGeom prst="rect">
+            <a:avLst/>
+          </a:prstGeom>
+        </p:spPr>
+      </p:pic>
+      <p:pic>
+        <p:nvPicPr>
+          <p:cNvPr id="82" name="Picture 81">
+            <a:extLst>
+              <a:ext uri="{FF2B5EF4-FFF2-40B4-BE49-F238E27FC236}">
+                <a16:creationId xmlns:a16="http://schemas.microsoft.com/office/drawing/2014/main" id="{91FC21B8-31E3-FF40-B99E-5D67C2E83A25}"/>
+              </a:ext>
+            </a:extLst>
+          </p:cNvPr>
+          <p:cNvPicPr>
+            <a:picLocks noChangeAspect="1"/>
+          </p:cNvPicPr>
+          <p:nvPr/>
+        </p:nvPicPr>
+        <p:blipFill>
+          <a:blip r:embed="rId4">
+            <a:extLst>
+              <a:ext uri="{28A0092B-C50C-407E-A947-70E740481C1C}">
+                <a14:useLocalDpi xmlns:a14="http://schemas.microsoft.com/office/drawing/2010/main" val="0"/>
+              </a:ext>
+            </a:extLst>
+          </a:blip>
+          <a:stretch>
+            <a:fillRect/>
+          </a:stretch>
+        </p:blipFill>
+        <p:spPr>
+          <a:xfrm>
+            <a:off x="6693228" y="4795790"/>
+            <a:ext cx="965220" cy="965220"/>
+          </a:xfrm>
+          <a:prstGeom prst="rect">
+            <a:avLst/>
+          </a:prstGeom>
+        </p:spPr>
+      </p:pic>
+      <p:pic>
+        <p:nvPicPr>
+          <p:cNvPr id="83" name="Picture 82">
+            <a:extLst>
+              <a:ext uri="{FF2B5EF4-FFF2-40B4-BE49-F238E27FC236}">
+                <a16:creationId xmlns:a16="http://schemas.microsoft.com/office/drawing/2014/main" id="{6D507460-AB66-444E-A4FF-CC8B6E9E52B3}"/>
+              </a:ext>
+            </a:extLst>
+          </p:cNvPr>
+          <p:cNvPicPr>
+            <a:picLocks noChangeAspect="1"/>
+          </p:cNvPicPr>
+          <p:nvPr/>
+        </p:nvPicPr>
+        <p:blipFill>
+          <a:blip r:embed="rId4">
+            <a:extLst>
+              <a:ext uri="{28A0092B-C50C-407E-A947-70E740481C1C}">
+                <a14:useLocalDpi xmlns:a14="http://schemas.microsoft.com/office/drawing/2010/main" val="0"/>
+              </a:ext>
+            </a:extLst>
+          </a:blip>
+          <a:stretch>
+            <a:fillRect/>
+          </a:stretch>
+        </p:blipFill>
+        <p:spPr>
+          <a:xfrm>
+            <a:off x="9603162" y="4137711"/>
+            <a:ext cx="1021964" cy="1021964"/>
+          </a:xfrm>
+          <a:prstGeom prst="rect">
+            <a:avLst/>
+          </a:prstGeom>
+        </p:spPr>
+      </p:pic>
+      <p:sp>
+        <p:nvSpPr>
+          <p:cNvPr id="2" name="Rectangle 1">
+            <a:extLst>
+              <a:ext uri="{FF2B5EF4-FFF2-40B4-BE49-F238E27FC236}">
+                <a16:creationId xmlns:a16="http://schemas.microsoft.com/office/drawing/2014/main" id="{5A99A32E-420A-F24E-826E-7D0AC3405175}"/>
+              </a:ext>
+            </a:extLst>
+          </p:cNvPr>
+          <p:cNvSpPr/>
+          <p:nvPr/>
+        </p:nvSpPr>
+        <p:spPr>
+          <a:xfrm>
+            <a:off x="3263153" y="3149759"/>
+            <a:ext cx="162310" cy="1039308"/>
+          </a:xfrm>
+          <a:prstGeom prst="rect">
+            <a:avLst/>
+          </a:prstGeom>
+          <a:solidFill>
+            <a:schemeClr val="bg1"/>
+          </a:solidFill>
+          <a:ln>
+            <a:noFill/>
+          </a:ln>
+        </p:spPr>
+        <p:style>
+          <a:lnRef idx="2">
+            <a:schemeClr val="accent1">
+              <a:shade val="50000"/>
+            </a:schemeClr>
+          </a:lnRef>
+          <a:fillRef idx="1">
+            <a:schemeClr val="accent1"/>
+          </a:fillRef>
+          <a:effectRef idx="0">
+            <a:schemeClr val="accent1"/>
+          </a:effectRef>
+          <a:fontRef idx="minor">
+            <a:schemeClr val="lt1"/>
+          </a:fontRef>
+        </p:style>
+        <p:txBody>
+          <a:bodyPr rtlCol="0" anchor="ctr"/>
+          <a:lstStyle/>
+          <a:p>
+            <a:pPr algn="ctr"/>
+            <a:endParaRPr lang="en-US"/>
+          </a:p>
+        </p:txBody>
+      </p:sp>
+      <p:sp>
+        <p:nvSpPr>
+          <p:cNvPr id="84" name="Rectangle 83">
+            <a:extLst>
+              <a:ext uri="{FF2B5EF4-FFF2-40B4-BE49-F238E27FC236}">
+                <a16:creationId xmlns:a16="http://schemas.microsoft.com/office/drawing/2014/main" id="{F798D84C-C623-A749-8D85-41CB30D6704A}"/>
+              </a:ext>
+            </a:extLst>
+          </p:cNvPr>
+          <p:cNvSpPr/>
+          <p:nvPr/>
+        </p:nvSpPr>
+        <p:spPr>
+          <a:xfrm>
+            <a:off x="8560790" y="2771648"/>
+            <a:ext cx="162310" cy="1039308"/>
+          </a:xfrm>
+          <a:prstGeom prst="rect">
+            <a:avLst/>
+          </a:prstGeom>
+          <a:solidFill>
+            <a:schemeClr val="bg1"/>
+          </a:solidFill>
+          <a:ln>
+            <a:noFill/>
+          </a:ln>
+        </p:spPr>
+        <p:style>
+          <a:lnRef idx="2">
+            <a:schemeClr val="accent1">
+              <a:shade val="50000"/>
+            </a:schemeClr>
+          </a:lnRef>
+          <a:fillRef idx="1">
+            <a:schemeClr val="accent1"/>
+          </a:fillRef>
+          <a:effectRef idx="0">
+            <a:schemeClr val="accent1"/>
+          </a:effectRef>
+          <a:fontRef idx="minor">
+            <a:schemeClr val="lt1"/>
+          </a:fontRef>
+        </p:style>
+        <p:txBody>
+          <a:bodyPr rtlCol="0" anchor="ctr"/>
+          <a:lstStyle/>
+          <a:p>
+            <a:pPr algn="ctr"/>
+            <a:endParaRPr lang="en-US"/>
+          </a:p>
+        </p:txBody>
+      </p:sp>
+      <p:sp>
+        <p:nvSpPr>
+          <p:cNvPr id="85" name="Rectangle 84">
+            <a:extLst>
+              <a:ext uri="{FF2B5EF4-FFF2-40B4-BE49-F238E27FC236}">
+                <a16:creationId xmlns:a16="http://schemas.microsoft.com/office/drawing/2014/main" id="{4B007E10-4D05-8F4F-8C58-130B12FD5925}"/>
+              </a:ext>
+            </a:extLst>
+          </p:cNvPr>
+          <p:cNvSpPr/>
+          <p:nvPr/>
+        </p:nvSpPr>
+        <p:spPr>
+          <a:xfrm>
+            <a:off x="5656491" y="4540056"/>
+            <a:ext cx="743774" cy="148586"/>
+          </a:xfrm>
+          <a:prstGeom prst="rect">
+            <a:avLst/>
+          </a:prstGeom>
+          <a:solidFill>
+            <a:schemeClr val="bg1"/>
+          </a:solidFill>
+          <a:ln>
+            <a:noFill/>
+          </a:ln>
+        </p:spPr>
+        <p:style>
+          <a:lnRef idx="2">
+            <a:schemeClr val="accent1">
+              <a:shade val="50000"/>
+            </a:schemeClr>
+          </a:lnRef>
+          <a:fillRef idx="1">
+            <a:schemeClr val="accent1"/>
+          </a:fillRef>
+          <a:effectRef idx="0">
+            <a:schemeClr val="accent1"/>
+          </a:effectRef>
+          <a:fontRef idx="minor">
+            <a:schemeClr val="lt1"/>
+          </a:fontRef>
+        </p:style>
+        <p:txBody>
+          <a:bodyPr rtlCol="0" anchor="ctr"/>
+          <a:lstStyle/>
+          <a:p>
+            <a:pPr algn="ctr"/>
+            <a:endParaRPr lang="en-US"/>
+          </a:p>
+        </p:txBody>
+      </p:sp>
+      <p:pic>
+        <p:nvPicPr>
+          <p:cNvPr id="78" name="Picture 77">
+            <a:extLst>
+              <a:ext uri="{FF2B5EF4-FFF2-40B4-BE49-F238E27FC236}">
+                <a16:creationId xmlns:a16="http://schemas.microsoft.com/office/drawing/2014/main" id="{863FC535-2A93-1043-8DBD-FBFC5E568026}"/>
+              </a:ext>
+            </a:extLst>
+          </p:cNvPr>
+          <p:cNvPicPr>
+            <a:picLocks noChangeAspect="1"/>
+          </p:cNvPicPr>
+          <p:nvPr/>
+        </p:nvPicPr>
+        <p:blipFill>
+          <a:blip r:embed="rId5">
+            <a:extLst>
+              <a:ext uri="{28A0092B-C50C-407E-A947-70E740481C1C}">
+                <a14:useLocalDpi xmlns:a14="http://schemas.microsoft.com/office/drawing/2010/main" val="0"/>
+              </a:ext>
+            </a:extLst>
+          </a:blip>
+          <a:stretch>
+            <a:fillRect/>
+          </a:stretch>
+        </p:blipFill>
+        <p:spPr>
+          <a:xfrm>
+            <a:off x="2609565" y="2764220"/>
+            <a:ext cx="1467803" cy="1467803"/>
+          </a:xfrm>
+          <a:prstGeom prst="rect">
+            <a:avLst/>
+          </a:prstGeom>
+        </p:spPr>
+      </p:pic>
+      <p:pic>
+        <p:nvPicPr>
+          <p:cNvPr id="79" name="Picture 78">
+            <a:extLst>
+              <a:ext uri="{FF2B5EF4-FFF2-40B4-BE49-F238E27FC236}">
+                <a16:creationId xmlns:a16="http://schemas.microsoft.com/office/drawing/2014/main" id="{0F2174AF-C888-8647-A082-2E1FC15809DA}"/>
+              </a:ext>
+            </a:extLst>
+          </p:cNvPr>
+          <p:cNvPicPr>
+            <a:picLocks noChangeAspect="1"/>
+          </p:cNvPicPr>
+          <p:nvPr/>
+        </p:nvPicPr>
+        <p:blipFill>
+          <a:blip r:embed="rId5">
+            <a:extLst>
+              <a:ext uri="{28A0092B-C50C-407E-A947-70E740481C1C}">
+                <a14:useLocalDpi xmlns:a14="http://schemas.microsoft.com/office/drawing/2010/main" val="0"/>
+              </a:ext>
+            </a:extLst>
+          </a:blip>
+          <a:stretch>
+            <a:fillRect/>
+          </a:stretch>
+        </p:blipFill>
+        <p:spPr>
+          <a:xfrm>
+            <a:off x="5318722" y="3701616"/>
+            <a:ext cx="1467803" cy="1467803"/>
+          </a:xfrm>
+          <a:prstGeom prst="rect">
+            <a:avLst/>
+          </a:prstGeom>
+        </p:spPr>
+      </p:pic>
+      <p:pic>
+        <p:nvPicPr>
+          <p:cNvPr id="80" name="Picture 79">
+            <a:extLst>
+              <a:ext uri="{FF2B5EF4-FFF2-40B4-BE49-F238E27FC236}">
+                <a16:creationId xmlns:a16="http://schemas.microsoft.com/office/drawing/2014/main" id="{788A094C-A189-044C-BA85-D5C732C216EA}"/>
+              </a:ext>
+            </a:extLst>
+          </p:cNvPr>
+          <p:cNvPicPr>
+            <a:picLocks noChangeAspect="1"/>
+          </p:cNvPicPr>
+          <p:nvPr/>
+        </p:nvPicPr>
+        <p:blipFill>
+          <a:blip r:embed="rId5">
+            <a:extLst>
+              <a:ext uri="{28A0092B-C50C-407E-A947-70E740481C1C}">
+                <a14:useLocalDpi xmlns:a14="http://schemas.microsoft.com/office/drawing/2010/main" val="0"/>
+              </a:ext>
+            </a:extLst>
+          </a:blip>
+          <a:stretch>
+            <a:fillRect/>
+          </a:stretch>
+        </p:blipFill>
+        <p:spPr>
+          <a:xfrm>
+            <a:off x="7921511" y="2413958"/>
+            <a:ext cx="1467803" cy="1467803"/>
           </a:xfrm>
           <a:prstGeom prst="rect">
             <a:avLst/>
@@ -9963,8 +10528,8 @@
         </p:nvSpPr>
         <p:spPr>
           <a:xfrm>
-            <a:off x="957579" y="2195896"/>
-            <a:ext cx="5820076" cy="4224155"/>
+            <a:off x="1125744" y="2427125"/>
+            <a:ext cx="5820076" cy="4036738"/>
           </a:xfrm>
           <a:prstGeom prst="roundRect">
             <a:avLst/>
@@ -10011,7 +10576,7 @@
         </p:nvSpPr>
         <p:spPr>
           <a:xfrm>
-            <a:off x="2054791" y="1945379"/>
+            <a:off x="2728373" y="2177919"/>
             <a:ext cx="2117887" cy="461665"/>
           </a:xfrm>
           <a:prstGeom prst="rect">
@@ -10048,7 +10613,7 @@
         </p:nvSpPr>
         <p:spPr>
           <a:xfrm>
-            <a:off x="1210281" y="3752545"/>
+            <a:off x="1400889" y="3730238"/>
             <a:ext cx="2582951" cy="707886"/>
           </a:xfrm>
           <a:prstGeom prst="rect">
@@ -10075,42 +10640,6 @@
           </a:p>
         </p:txBody>
       </p:sp>
-      <p:pic>
-        <p:nvPicPr>
-          <p:cNvPr id="12" name="Picture 11">
-            <a:extLst>
-              <a:ext uri="{FF2B5EF4-FFF2-40B4-BE49-F238E27FC236}">
-                <a16:creationId xmlns:a16="http://schemas.microsoft.com/office/drawing/2014/main" id="{8DAFBFD7-FF95-9641-8A1E-E03DA553D5F6}"/>
-              </a:ext>
-            </a:extLst>
-          </p:cNvPr>
-          <p:cNvPicPr>
-            <a:picLocks noChangeAspect="1"/>
-          </p:cNvPicPr>
-          <p:nvPr/>
-        </p:nvPicPr>
-        <p:blipFill>
-          <a:blip r:embed="rId2">
-            <a:extLst>
-              <a:ext uri="{28A0092B-C50C-407E-A947-70E740481C1C}">
-                <a14:useLocalDpi xmlns:a14="http://schemas.microsoft.com/office/drawing/2010/main" val="0"/>
-              </a:ext>
-            </a:extLst>
-          </a:blip>
-          <a:stretch>
-            <a:fillRect/>
-          </a:stretch>
-        </p:blipFill>
-        <p:spPr>
-          <a:xfrm>
-            <a:off x="4724009" y="2626789"/>
-            <a:ext cx="1369144" cy="1369144"/>
-          </a:xfrm>
-          <a:prstGeom prst="rect">
-            <a:avLst/>
-          </a:prstGeom>
-        </p:spPr>
-      </p:pic>
       <p:sp>
         <p:nvSpPr>
           <p:cNvPr id="13" name="TextBox 12">
@@ -10125,7 +10654,7 @@
         </p:nvSpPr>
         <p:spPr>
           <a:xfrm>
-            <a:off x="4125963" y="3752546"/>
+            <a:off x="4316571" y="3730239"/>
             <a:ext cx="2582951" cy="707886"/>
           </a:xfrm>
           <a:prstGeom prst="rect">
@@ -10166,7 +10695,7 @@
         </p:nvSpPr>
         <p:spPr>
           <a:xfrm rot="10800000" flipH="1">
-            <a:off x="2372368" y="4525951"/>
+            <a:off x="2562976" y="4503644"/>
             <a:ext cx="3130676" cy="563815"/>
           </a:xfrm>
           <a:prstGeom prst="uturnArrow">
@@ -10222,7 +10751,7 @@
         </p:nvSpPr>
         <p:spPr>
           <a:xfrm rot="10800000">
-            <a:off x="1795042" y="4608101"/>
+            <a:off x="1985650" y="4585794"/>
             <a:ext cx="4037865" cy="984177"/>
           </a:xfrm>
           <a:prstGeom prst="uturnArrow">
@@ -10284,7 +10813,7 @@
         </p:nvSpPr>
         <p:spPr>
           <a:xfrm>
-            <a:off x="2612686" y="4638582"/>
+            <a:off x="2803294" y="4616275"/>
             <a:ext cx="2502736" cy="338554"/>
           </a:xfrm>
           <a:prstGeom prst="rect">
@@ -10324,7 +10853,7 @@
         </p:nvSpPr>
         <p:spPr>
           <a:xfrm>
-            <a:off x="2612686" y="5155286"/>
+            <a:off x="2803294" y="5132979"/>
             <a:ext cx="2502736" cy="338554"/>
           </a:xfrm>
           <a:prstGeom prst="rect">
@@ -10350,66 +10879,6 @@
           </a:p>
         </p:txBody>
       </p:sp>
-      <p:pic>
-        <p:nvPicPr>
-          <p:cNvPr id="18" name="Picture 17">
-            <a:extLst>
-              <a:ext uri="{FF2B5EF4-FFF2-40B4-BE49-F238E27FC236}">
-                <a16:creationId xmlns:a16="http://schemas.microsoft.com/office/drawing/2014/main" id="{82437196-9B0B-5747-9257-F6C1197379CB}"/>
-              </a:ext>
-            </a:extLst>
-          </p:cNvPr>
-          <p:cNvPicPr>
-            <a:picLocks noChangeAspect="1"/>
-          </p:cNvPicPr>
-          <p:nvPr/>
-        </p:nvPicPr>
-        <p:blipFill>
-          <a:blip r:embed="rId3"/>
-          <a:stretch>
-            <a:fillRect/>
-          </a:stretch>
-        </p:blipFill>
-        <p:spPr>
-          <a:xfrm>
-            <a:off x="4724009" y="1585418"/>
-            <a:ext cx="1197537" cy="1000296"/>
-          </a:xfrm>
-          <a:prstGeom prst="rect">
-            <a:avLst/>
-          </a:prstGeom>
-        </p:spPr>
-      </p:pic>
-      <p:pic>
-        <p:nvPicPr>
-          <p:cNvPr id="19" name="Picture 18">
-            <a:extLst>
-              <a:ext uri="{FF2B5EF4-FFF2-40B4-BE49-F238E27FC236}">
-                <a16:creationId xmlns:a16="http://schemas.microsoft.com/office/drawing/2014/main" id="{8840FDF4-DC68-764B-8248-A42763D4A00D}"/>
-              </a:ext>
-            </a:extLst>
-          </p:cNvPr>
-          <p:cNvPicPr>
-            <a:picLocks noChangeAspect="1"/>
-          </p:cNvPicPr>
-          <p:nvPr/>
-        </p:nvPicPr>
-        <p:blipFill>
-          <a:blip r:embed="rId3"/>
-          <a:stretch>
-            <a:fillRect/>
-          </a:stretch>
-        </p:blipFill>
-        <p:spPr>
-          <a:xfrm>
-            <a:off x="8452422" y="1572649"/>
-            <a:ext cx="1197537" cy="1000296"/>
-          </a:xfrm>
-          <a:prstGeom prst="rect">
-            <a:avLst/>
-          </a:prstGeom>
-        </p:spPr>
-      </p:pic>
       <p:sp>
         <p:nvSpPr>
           <p:cNvPr id="20" name="Cloud 19">
@@ -10424,7 +10893,7 @@
         </p:nvSpPr>
         <p:spPr>
           <a:xfrm>
-            <a:off x="5671998" y="246522"/>
+            <a:off x="6807571" y="305521"/>
             <a:ext cx="2792767" cy="1484875"/>
           </a:xfrm>
           <a:prstGeom prst="cloud">
@@ -10476,8 +10945,8 @@
         </p:nvSpPr>
         <p:spPr>
           <a:xfrm>
-            <a:off x="8192443" y="2195896"/>
-            <a:ext cx="3107451" cy="4224155"/>
+            <a:off x="7740679" y="2427124"/>
+            <a:ext cx="3107451" cy="4036739"/>
           </a:xfrm>
           <a:prstGeom prst="roundRect">
             <a:avLst/>
@@ -10524,7 +10993,7 @@
         </p:nvSpPr>
         <p:spPr>
           <a:xfrm>
-            <a:off x="9248656" y="2007474"/>
+            <a:off x="8134958" y="2230064"/>
             <a:ext cx="1495922" cy="461665"/>
           </a:xfrm>
           <a:prstGeom prst="rect">
@@ -10561,7 +11030,7 @@
         </p:nvSpPr>
         <p:spPr>
           <a:xfrm>
-            <a:off x="8633720" y="3752545"/>
+            <a:off x="8204399" y="3730238"/>
             <a:ext cx="2347630" cy="646331"/>
           </a:xfrm>
           <a:prstGeom prst="rect">
@@ -10602,8 +11071,8 @@
         </p:nvSpPr>
         <p:spPr>
           <a:xfrm rot="10800000" flipH="1" flipV="1">
-            <a:off x="5503044" y="1024561"/>
-            <a:ext cx="3130676" cy="600047"/>
+            <a:off x="6638617" y="1083560"/>
+            <a:ext cx="3591418" cy="600047"/>
           </a:xfrm>
           <a:prstGeom prst="uturnArrow">
             <a:avLst>
@@ -10661,7 +11130,7 @@
         </p:nvSpPr>
         <p:spPr>
           <a:xfrm>
-            <a:off x="6142077" y="1172191"/>
+            <a:off x="7277650" y="1231190"/>
             <a:ext cx="1885453" cy="369332"/>
           </a:xfrm>
           <a:prstGeom prst="rect">
@@ -10701,8 +11170,8 @@
         </p:nvSpPr>
         <p:spPr>
           <a:xfrm rot="10800000" flipV="1">
-            <a:off x="4897091" y="750808"/>
-            <a:ext cx="4037865" cy="863726"/>
+            <a:off x="6032663" y="809807"/>
+            <a:ext cx="4519366" cy="863726"/>
           </a:xfrm>
           <a:prstGeom prst="uturnArrow">
             <a:avLst>
@@ -10760,7 +11229,7 @@
         </p:nvSpPr>
         <p:spPr>
           <a:xfrm>
-            <a:off x="6022923" y="424647"/>
+            <a:off x="7158496" y="483646"/>
             <a:ext cx="2236510" cy="369332"/>
           </a:xfrm>
           <a:prstGeom prst="rect">
@@ -10800,7 +11269,7 @@
         </p:nvSpPr>
         <p:spPr>
           <a:xfrm>
-            <a:off x="2259727" y="5745020"/>
+            <a:off x="2334721" y="5774404"/>
             <a:ext cx="3570208" cy="461665"/>
           </a:xfrm>
           <a:prstGeom prst="rect">
@@ -10846,7 +11315,7 @@
         </p:nvSpPr>
         <p:spPr>
           <a:xfrm>
-            <a:off x="1769354" y="640685"/>
+            <a:off x="2842968" y="874806"/>
             <a:ext cx="2954655" cy="461665"/>
           </a:xfrm>
           <a:prstGeom prst="rect">
@@ -10893,7 +11362,7 @@
           <p:nvPr/>
         </p:nvPicPr>
         <p:blipFill>
-          <a:blip r:embed="rId4">
+          <a:blip r:embed="rId2">
             <a:extLst>
               <a:ext uri="{28A0092B-C50C-407E-A947-70E740481C1C}">
                 <a14:useLocalDpi xmlns:a14="http://schemas.microsoft.com/office/drawing/2010/main" val="0"/>
@@ -10906,8 +11375,8 @@
         </p:blipFill>
         <p:spPr>
           <a:xfrm>
-            <a:off x="1325460" y="2238306"/>
-            <a:ext cx="1619368" cy="1619368"/>
+            <a:off x="1876895" y="2576631"/>
+            <a:ext cx="1361498" cy="1361498"/>
           </a:xfrm>
           <a:prstGeom prst="rect">
             <a:avLst/>
@@ -10929,7 +11398,7 @@
           <p:nvPr/>
         </p:nvPicPr>
         <p:blipFill>
-          <a:blip r:embed="rId4">
+          <a:blip r:embed="rId2">
             <a:extLst>
               <a:ext uri="{28A0092B-C50C-407E-A947-70E740481C1C}">
                 <a14:useLocalDpi xmlns:a14="http://schemas.microsoft.com/office/drawing/2010/main" val="0"/>
@@ -10942,8 +11411,116 @@
         </p:blipFill>
         <p:spPr>
           <a:xfrm>
-            <a:off x="8897115" y="2501677"/>
-            <a:ext cx="1619368" cy="1619368"/>
+            <a:off x="8550455" y="2576629"/>
+            <a:ext cx="1403468" cy="1403468"/>
+          </a:xfrm>
+          <a:prstGeom prst="rect">
+            <a:avLst/>
+          </a:prstGeom>
+        </p:spPr>
+      </p:pic>
+      <p:pic>
+        <p:nvPicPr>
+          <p:cNvPr id="33" name="Picture 32">
+            <a:extLst>
+              <a:ext uri="{FF2B5EF4-FFF2-40B4-BE49-F238E27FC236}">
+                <a16:creationId xmlns:a16="http://schemas.microsoft.com/office/drawing/2014/main" id="{70DDB47E-D4CC-874D-87C3-337F55466647}"/>
+              </a:ext>
+            </a:extLst>
+          </p:cNvPr>
+          <p:cNvPicPr>
+            <a:picLocks noChangeAspect="1"/>
+          </p:cNvPicPr>
+          <p:nvPr/>
+        </p:nvPicPr>
+        <p:blipFill>
+          <a:blip r:embed="rId3">
+            <a:extLst>
+              <a:ext uri="{28A0092B-C50C-407E-A947-70E740481C1C}">
+                <a14:useLocalDpi xmlns:a14="http://schemas.microsoft.com/office/drawing/2010/main" val="0"/>
+              </a:ext>
+            </a:extLst>
+          </a:blip>
+          <a:stretch>
+            <a:fillRect/>
+          </a:stretch>
+        </p:blipFill>
+        <p:spPr>
+          <a:xfrm>
+            <a:off x="4657707" y="2575264"/>
+            <a:ext cx="1340393" cy="1340393"/>
+          </a:xfrm>
+          <a:prstGeom prst="rect">
+            <a:avLst/>
+          </a:prstGeom>
+        </p:spPr>
+      </p:pic>
+      <p:pic>
+        <p:nvPicPr>
+          <p:cNvPr id="36" name="Picture 35">
+            <a:extLst>
+              <a:ext uri="{FF2B5EF4-FFF2-40B4-BE49-F238E27FC236}">
+                <a16:creationId xmlns:a16="http://schemas.microsoft.com/office/drawing/2014/main" id="{DEB10A11-451D-8E42-AD4F-DE7D92B0B15A}"/>
+              </a:ext>
+            </a:extLst>
+          </p:cNvPr>
+          <p:cNvPicPr>
+            <a:picLocks noChangeAspect="1"/>
+          </p:cNvPicPr>
+          <p:nvPr/>
+        </p:nvPicPr>
+        <p:blipFill>
+          <a:blip r:embed="rId4">
+            <a:extLst>
+              <a:ext uri="{28A0092B-C50C-407E-A947-70E740481C1C}">
+                <a14:useLocalDpi xmlns:a14="http://schemas.microsoft.com/office/drawing/2010/main" val="0"/>
+              </a:ext>
+            </a:extLst>
+          </a:blip>
+          <a:stretch>
+            <a:fillRect/>
+          </a:stretch>
+        </p:blipFill>
+        <p:spPr>
+          <a:xfrm>
+            <a:off x="5641119" y="1618028"/>
+            <a:ext cx="1467803" cy="1467803"/>
+          </a:xfrm>
+          <a:prstGeom prst="rect">
+            <a:avLst/>
+          </a:prstGeom>
+        </p:spPr>
+      </p:pic>
+      <p:pic>
+        <p:nvPicPr>
+          <p:cNvPr id="37" name="Picture 36">
+            <a:extLst>
+              <a:ext uri="{FF2B5EF4-FFF2-40B4-BE49-F238E27FC236}">
+                <a16:creationId xmlns:a16="http://schemas.microsoft.com/office/drawing/2014/main" id="{A2423F88-EECA-F546-966B-55B43B835F1B}"/>
+              </a:ext>
+            </a:extLst>
+          </p:cNvPr>
+          <p:cNvPicPr>
+            <a:picLocks noChangeAspect="1"/>
+          </p:cNvPicPr>
+          <p:nvPr/>
+        </p:nvPicPr>
+        <p:blipFill>
+          <a:blip r:embed="rId4">
+            <a:extLst>
+              <a:ext uri="{28A0092B-C50C-407E-A947-70E740481C1C}">
+                <a14:useLocalDpi xmlns:a14="http://schemas.microsoft.com/office/drawing/2010/main" val="0"/>
+              </a:ext>
+            </a:extLst>
+          </a:blip>
+          <a:stretch>
+            <a:fillRect/>
+          </a:stretch>
+        </p:blipFill>
+        <p:spPr>
+          <a:xfrm>
+            <a:off x="9571108" y="1624410"/>
+            <a:ext cx="1467803" cy="1467803"/>
           </a:xfrm>
           <a:prstGeom prst="rect">
             <a:avLst/>
@@ -12608,8 +13185,8 @@
         </p:blipFill>
         <p:spPr>
           <a:xfrm>
-            <a:off x="4074649" y="3665693"/>
-            <a:ext cx="1425797" cy="1425797"/>
+            <a:off x="4097922" y="3649477"/>
+            <a:ext cx="1413415" cy="1413415"/>
           </a:xfrm>
           <a:prstGeom prst="rect">
             <a:avLst/>
@@ -12644,8 +13221,8 @@
         </p:blipFill>
         <p:spPr>
           <a:xfrm>
-            <a:off x="6723741" y="3474986"/>
-            <a:ext cx="1361440" cy="1361440"/>
+            <a:off x="6853422" y="3690660"/>
+            <a:ext cx="1187244" cy="1187244"/>
           </a:xfrm>
           <a:prstGeom prst="rect">
             <a:avLst/>
@@ -12696,7 +13273,7 @@
         </p:nvSpPr>
         <p:spPr>
           <a:xfrm>
-            <a:off x="2492454" y="515830"/>
+            <a:off x="2080075" y="515830"/>
             <a:ext cx="2984321" cy="683394"/>
           </a:xfrm>
           <a:prstGeom prst="rect">
@@ -12757,7 +13334,7 @@
         </p:nvSpPr>
         <p:spPr>
           <a:xfrm>
-            <a:off x="2492454" y="2416122"/>
+            <a:off x="2080075" y="2416122"/>
             <a:ext cx="2984321" cy="683394"/>
           </a:xfrm>
           <a:prstGeom prst="rect">
@@ -12809,7 +13386,7 @@
         </p:nvSpPr>
         <p:spPr>
           <a:xfrm>
-            <a:off x="2492454" y="3810321"/>
+            <a:off x="2080075" y="3810321"/>
             <a:ext cx="2984322" cy="683394"/>
           </a:xfrm>
           <a:prstGeom prst="rect">
@@ -12864,7 +13441,7 @@
         </p:nvSpPr>
         <p:spPr>
           <a:xfrm>
-            <a:off x="2492452" y="5161329"/>
+            <a:off x="2080073" y="5161329"/>
             <a:ext cx="2984323" cy="683394"/>
           </a:xfrm>
           <a:prstGeom prst="rect">
@@ -12931,7 +13508,7 @@
         </p:nvSpPr>
         <p:spPr>
           <a:xfrm>
-            <a:off x="6758541" y="2197827"/>
+            <a:off x="8363228" y="2197827"/>
             <a:ext cx="877498" cy="938507"/>
           </a:xfrm>
           <a:prstGeom prst="rect">
@@ -12989,14 +13566,14 @@
         </p:nvSpPr>
         <p:spPr>
           <a:xfrm>
-            <a:off x="7636039" y="2668054"/>
+            <a:off x="9240726" y="2668054"/>
             <a:ext cx="656616" cy="468279"/>
           </a:xfrm>
           <a:prstGeom prst="rect">
             <a:avLst/>
           </a:prstGeom>
           <a:solidFill>
-            <a:schemeClr val="accent4"/>
+            <a:schemeClr val="accent3"/>
           </a:solidFill>
           <a:ln w="38100">
             <a:solidFill>
@@ -13050,7 +13627,7 @@
         </p:nvSpPr>
         <p:spPr>
           <a:xfrm>
-            <a:off x="6758541" y="4056158"/>
+            <a:off x="8363228" y="4056158"/>
             <a:ext cx="877498" cy="468279"/>
           </a:xfrm>
           <a:prstGeom prst="rect">
@@ -13111,7 +13688,7 @@
         </p:nvSpPr>
         <p:spPr>
           <a:xfrm>
-            <a:off x="7636039" y="4056157"/>
+            <a:off x="9240726" y="4056157"/>
             <a:ext cx="656616" cy="468279"/>
           </a:xfrm>
           <a:prstGeom prst="rect">
@@ -13172,14 +13749,14 @@
         </p:nvSpPr>
         <p:spPr>
           <a:xfrm>
-            <a:off x="8292655" y="4056156"/>
+            <a:off x="9897342" y="4056156"/>
             <a:ext cx="656616" cy="468279"/>
           </a:xfrm>
           <a:prstGeom prst="rect">
             <a:avLst/>
           </a:prstGeom>
           <a:solidFill>
-            <a:schemeClr val="accent4"/>
+            <a:schemeClr val="accent3"/>
           </a:solidFill>
           <a:ln w="38100">
             <a:solidFill>
@@ -13233,7 +13810,7 @@
         </p:nvSpPr>
         <p:spPr>
           <a:xfrm>
-            <a:off x="6758541" y="5380538"/>
+            <a:off x="8363228" y="5380538"/>
             <a:ext cx="877498" cy="468279"/>
           </a:xfrm>
           <a:prstGeom prst="rect">
@@ -13294,7 +13871,7 @@
         </p:nvSpPr>
         <p:spPr>
           <a:xfrm>
-            <a:off x="7636039" y="5380537"/>
+            <a:off x="9240726" y="5380537"/>
             <a:ext cx="656616" cy="468279"/>
           </a:xfrm>
           <a:prstGeom prst="rect">
@@ -13355,7 +13932,7 @@
         </p:nvSpPr>
         <p:spPr>
           <a:xfrm>
-            <a:off x="8292655" y="5380536"/>
+            <a:off x="9897342" y="5380536"/>
             <a:ext cx="656616" cy="468279"/>
           </a:xfrm>
           <a:prstGeom prst="rect">
@@ -13416,14 +13993,14 @@
         </p:nvSpPr>
         <p:spPr>
           <a:xfrm>
-            <a:off x="8956670" y="5380536"/>
+            <a:off x="10561357" y="5380536"/>
             <a:ext cx="656616" cy="468279"/>
           </a:xfrm>
           <a:prstGeom prst="rect">
             <a:avLst/>
           </a:prstGeom>
           <a:solidFill>
-            <a:schemeClr val="accent4"/>
+            <a:schemeClr val="accent3"/>
           </a:solidFill>
           <a:ln w="38100">
             <a:solidFill>
@@ -13477,14 +14054,14 @@
         </p:nvSpPr>
         <p:spPr>
           <a:xfrm>
-            <a:off x="1647406" y="2416122"/>
+            <a:off x="1235027" y="2416122"/>
             <a:ext cx="558265" cy="3288317"/>
           </a:xfrm>
           <a:prstGeom prst="downArrow">
             <a:avLst/>
           </a:prstGeom>
           <a:solidFill>
-            <a:schemeClr val="accent4"/>
+            <a:schemeClr val="accent3"/>
           </a:solidFill>
           <a:ln>
             <a:noFill/>
@@ -13529,7 +14106,7 @@
         </p:nvSpPr>
         <p:spPr>
           <a:xfrm rot="16200000">
-            <a:off x="26574" y="3675732"/>
+            <a:off x="-385805" y="3675732"/>
             <a:ext cx="2377574" cy="769441"/>
           </a:xfrm>
           <a:prstGeom prst="rect">
@@ -13547,14 +14124,14 @@
             <a:r>
               <a:rPr lang="ja-JP" altLang="en-US" sz="2200" b="1">
                 <a:solidFill>
-                  <a:schemeClr val="accent4"/>
+                  <a:schemeClr val="accent3"/>
                 </a:solidFill>
               </a:rPr>
               <a:t>カプセル化</a:t>
             </a:r>
             <a:endParaRPr lang="en-US" altLang="ja-JP" sz="2200" b="1" dirty="0">
               <a:solidFill>
-                <a:schemeClr val="accent4"/>
+                <a:schemeClr val="accent3"/>
               </a:solidFill>
             </a:endParaRPr>
           </a:p>
@@ -13563,7 +14140,7 @@
             <a:r>
               <a:rPr lang="en-US" sz="2200" b="1" dirty="0">
                 <a:solidFill>
-                  <a:schemeClr val="accent4"/>
+                  <a:schemeClr val="accent3"/>
                 </a:solidFill>
               </a:rPr>
               <a:t>(OS</a:t>
@@ -13571,7 +14148,7 @@
             <a:r>
               <a:rPr lang="ja-JP" altLang="en-US" sz="2200" b="1">
                 <a:solidFill>
-                  <a:schemeClr val="accent4"/>
+                  <a:schemeClr val="accent3"/>
                 </a:solidFill>
               </a:rPr>
               <a:t>が自動で処理</a:t>
@@ -13579,7 +14156,7 @@
             <a:r>
               <a:rPr lang="en-US" sz="2200" b="1" dirty="0">
                 <a:solidFill>
-                  <a:schemeClr val="accent4"/>
+                  <a:schemeClr val="accent3"/>
                 </a:solidFill>
               </a:rPr>
               <a:t>)</a:t>
@@ -13601,7 +14178,7 @@
         </p:nvSpPr>
         <p:spPr>
           <a:xfrm rot="16200000">
-            <a:off x="7018072" y="2985297"/>
+            <a:off x="8622759" y="2985297"/>
             <a:ext cx="323560" cy="691826"/>
           </a:xfrm>
           <a:prstGeom prst="leftBrace">
@@ -13650,7 +14227,7 @@
         </p:nvSpPr>
         <p:spPr>
           <a:xfrm rot="16200000">
-            <a:off x="7385075" y="4000421"/>
+            <a:off x="8989762" y="4000421"/>
             <a:ext cx="323560" cy="1425829"/>
           </a:xfrm>
           <a:prstGeom prst="leftBrace">
@@ -13699,11 +14276,14 @@
         </p:nvSpPr>
         <p:spPr>
           <a:xfrm rot="16200000">
-            <a:off x="7695365" y="4987390"/>
+            <a:off x="9300052" y="4987390"/>
             <a:ext cx="314022" cy="2036871"/>
           </a:xfrm>
           <a:prstGeom prst="leftBrace">
-            <a:avLst/>
+            <a:avLst>
+              <a:gd name="adj1" fmla="val 8333"/>
+              <a:gd name="adj2" fmla="val 32835"/>
+            </a:avLst>
           </a:prstGeom>
           <a:ln w="28575">
             <a:solidFill>
@@ -13748,7 +14328,7 @@
         </p:nvSpPr>
         <p:spPr>
           <a:xfrm>
-            <a:off x="6758876" y="3513327"/>
+            <a:off x="8363563" y="3513327"/>
             <a:ext cx="877163" cy="369332"/>
           </a:xfrm>
           <a:prstGeom prst="rect">
@@ -13784,7 +14364,7 @@
         </p:nvSpPr>
         <p:spPr>
           <a:xfrm rot="16200000">
-            <a:off x="7788250" y="3044369"/>
+            <a:off x="9392937" y="3044369"/>
             <a:ext cx="323560" cy="619474"/>
           </a:xfrm>
           <a:prstGeom prst="leftBrace">
@@ -13833,7 +14413,7 @@
         </p:nvSpPr>
         <p:spPr>
           <a:xfrm rot="16200000">
-            <a:off x="8437876" y="4442181"/>
+            <a:off x="10042563" y="4442181"/>
             <a:ext cx="323560" cy="542309"/>
           </a:xfrm>
           <a:prstGeom prst="leftBrace">
@@ -13882,7 +14462,7 @@
         </p:nvSpPr>
         <p:spPr>
           <a:xfrm rot="16200000">
-            <a:off x="9141769" y="5691319"/>
+            <a:off x="10746456" y="5691319"/>
             <a:ext cx="323560" cy="619474"/>
           </a:xfrm>
           <a:prstGeom prst="leftBrace">
@@ -13931,7 +14511,7 @@
         </p:nvSpPr>
         <p:spPr>
           <a:xfrm>
-            <a:off x="7629062" y="3540445"/>
+            <a:off x="9233749" y="3540445"/>
             <a:ext cx="1284069" cy="369332"/>
           </a:xfrm>
           <a:prstGeom prst="rect">
@@ -13948,7 +14528,7 @@
             <a:r>
               <a:rPr lang="en-US" altLang="ja-JP" b="1" dirty="0">
                 <a:solidFill>
-                  <a:schemeClr val="accent4"/>
+                  <a:schemeClr val="accent3"/>
                 </a:solidFill>
               </a:rPr>
               <a:t>TCP </a:t>
@@ -13956,14 +14536,14 @@
             <a:r>
               <a:rPr lang="ja-JP" altLang="en-US" b="1">
                 <a:solidFill>
-                  <a:schemeClr val="accent4"/>
+                  <a:schemeClr val="accent3"/>
                 </a:solidFill>
               </a:rPr>
               <a:t>ヘッダ</a:t>
             </a:r>
             <a:endParaRPr lang="en-US" b="1" dirty="0">
               <a:solidFill>
-                <a:schemeClr val="accent4"/>
+                <a:schemeClr val="accent3"/>
               </a:solidFill>
             </a:endParaRPr>
           </a:p>
@@ -13983,7 +14563,7 @@
         </p:nvSpPr>
         <p:spPr>
           <a:xfrm>
-            <a:off x="7087183" y="4873177"/>
+            <a:off x="8691870" y="4873177"/>
             <a:ext cx="877163" cy="369332"/>
           </a:xfrm>
           <a:prstGeom prst="rect">
@@ -14019,7 +14599,7 @@
         </p:nvSpPr>
         <p:spPr>
           <a:xfrm>
-            <a:off x="8217589" y="4873177"/>
+            <a:off x="9822276" y="4873177"/>
             <a:ext cx="1114408" cy="369332"/>
           </a:xfrm>
           <a:prstGeom prst="rect">
@@ -14036,7 +14616,7 @@
             <a:r>
               <a:rPr lang="en-US" altLang="ja-JP" b="1" dirty="0">
                 <a:solidFill>
-                  <a:schemeClr val="accent4"/>
+                  <a:schemeClr val="accent3"/>
                 </a:solidFill>
               </a:rPr>
               <a:t>IP </a:t>
@@ -14044,14 +14624,14 @@
             <a:r>
               <a:rPr lang="ja-JP" altLang="en-US" b="1">
                 <a:solidFill>
-                  <a:schemeClr val="accent4"/>
+                  <a:schemeClr val="accent3"/>
                 </a:solidFill>
               </a:rPr>
               <a:t>ヘッダ</a:t>
             </a:r>
             <a:endParaRPr lang="en-US" b="1" dirty="0">
               <a:solidFill>
-                <a:schemeClr val="accent4"/>
+                <a:schemeClr val="accent3"/>
               </a:solidFill>
             </a:endParaRPr>
           </a:p>
@@ -14071,7 +14651,7 @@
         </p:nvSpPr>
         <p:spPr>
           <a:xfrm>
-            <a:off x="7451338" y="6190233"/>
+            <a:off x="8593392" y="6190233"/>
             <a:ext cx="877163" cy="369332"/>
           </a:xfrm>
           <a:prstGeom prst="rect">
@@ -14107,7 +14687,7 @@
         </p:nvSpPr>
         <p:spPr>
           <a:xfrm>
-            <a:off x="8918571" y="6192900"/>
+            <a:off x="9569033" y="6190233"/>
             <a:ext cx="2262158" cy="369332"/>
           </a:xfrm>
           <a:prstGeom prst="rect">
@@ -14124,14 +14704,14 @@
             <a:r>
               <a:rPr lang="ja-JP" altLang="en-US" b="1">
                 <a:solidFill>
-                  <a:schemeClr val="accent4"/>
+                  <a:schemeClr val="accent3"/>
                 </a:solidFill>
               </a:rPr>
               <a:t>イーサネットヘッダ</a:t>
             </a:r>
             <a:endParaRPr lang="en-US" b="1" dirty="0">
               <a:solidFill>
-                <a:schemeClr val="accent4"/>
+                <a:schemeClr val="accent3"/>
               </a:solidFill>
             </a:endParaRPr>
           </a:p>
@@ -14151,7 +14731,7 @@
         </p:nvSpPr>
         <p:spPr>
           <a:xfrm>
-            <a:off x="9798123" y="2778520"/>
+            <a:off x="6123151" y="2523418"/>
             <a:ext cx="2031325" cy="461665"/>
           </a:xfrm>
           <a:prstGeom prst="rect">
@@ -14187,7 +14767,7 @@
         </p:nvSpPr>
         <p:spPr>
           <a:xfrm>
-            <a:off x="10105900" y="4122599"/>
+            <a:off x="6708840" y="4032050"/>
             <a:ext cx="1415772" cy="461665"/>
           </a:xfrm>
           <a:prstGeom prst="rect">
@@ -14223,7 +14803,7 @@
         </p:nvSpPr>
         <p:spPr>
           <a:xfrm>
-            <a:off x="10105900" y="5387150"/>
+            <a:off x="6684927" y="5387149"/>
             <a:ext cx="1415772" cy="461665"/>
           </a:xfrm>
           <a:prstGeom prst="rect">
@@ -14273,7 +14853,7 @@
         </p:blipFill>
         <p:spPr>
           <a:xfrm>
-            <a:off x="6871580" y="212740"/>
+            <a:off x="8476267" y="212740"/>
             <a:ext cx="1308370" cy="1762973"/>
           </a:xfrm>
           <a:prstGeom prst="rect">
@@ -14295,7 +14875,7 @@
         </p:nvCxnSpPr>
         <p:spPr>
           <a:xfrm>
-            <a:off x="6526060" y="682719"/>
+            <a:off x="8130747" y="682719"/>
             <a:ext cx="2011680" cy="0"/>
           </a:xfrm>
           <a:prstGeom prst="line">
@@ -14336,7 +14916,7 @@
         </p:nvCxnSpPr>
         <p:spPr>
           <a:xfrm>
-            <a:off x="6519925" y="1074940"/>
+            <a:off x="8124612" y="1074940"/>
             <a:ext cx="2011680" cy="0"/>
           </a:xfrm>
           <a:prstGeom prst="line">
@@ -14377,7 +14957,7 @@
         </p:nvCxnSpPr>
         <p:spPr>
           <a:xfrm>
-            <a:off x="6519925" y="1523002"/>
+            <a:off x="8124612" y="1523002"/>
             <a:ext cx="2011680" cy="0"/>
           </a:xfrm>
           <a:prstGeom prst="line">
@@ -14420,7 +15000,7 @@
         </p:nvCxnSpPr>
         <p:spPr>
           <a:xfrm>
-            <a:off x="7528966" y="105877"/>
+            <a:off x="9133653" y="105877"/>
             <a:ext cx="18622" cy="1909008"/>
           </a:xfrm>
           <a:prstGeom prst="line">
@@ -14463,7 +15043,7 @@
         </p:nvCxnSpPr>
         <p:spPr>
           <a:xfrm>
-            <a:off x="7078596" y="105877"/>
+            <a:off x="8683283" y="105877"/>
             <a:ext cx="20441" cy="1918452"/>
           </a:xfrm>
           <a:prstGeom prst="line">
@@ -14506,7 +15086,7 @@
         </p:nvCxnSpPr>
         <p:spPr>
           <a:xfrm>
-            <a:off x="7977517" y="102200"/>
+            <a:off x="9582204" y="102200"/>
             <a:ext cx="0" cy="1996560"/>
           </a:xfrm>
           <a:prstGeom prst="line">
@@ -14547,7 +15127,7 @@
         </p:nvSpPr>
         <p:spPr>
           <a:xfrm>
-            <a:off x="6661959" y="212739"/>
+            <a:off x="8266646" y="212739"/>
             <a:ext cx="1727612" cy="1727612"/>
           </a:xfrm>
           <a:prstGeom prst="rect">
@@ -14585,42 +15165,6 @@
           </a:p>
         </p:txBody>
       </p:sp>
-      <p:pic>
-        <p:nvPicPr>
-          <p:cNvPr id="50" name="Picture 49">
-            <a:extLst>
-              <a:ext uri="{FF2B5EF4-FFF2-40B4-BE49-F238E27FC236}">
-                <a16:creationId xmlns:a16="http://schemas.microsoft.com/office/drawing/2014/main" id="{3CD2FEAC-C6BC-034A-A875-C7E70E10518C}"/>
-              </a:ext>
-            </a:extLst>
-          </p:cNvPr>
-          <p:cNvPicPr>
-            <a:picLocks noChangeAspect="1"/>
-          </p:cNvPicPr>
-          <p:nvPr/>
-        </p:nvPicPr>
-        <p:blipFill>
-          <a:blip r:embed="rId3">
-            <a:extLst>
-              <a:ext uri="{28A0092B-C50C-407E-A947-70E740481C1C}">
-                <a14:useLocalDpi xmlns:a14="http://schemas.microsoft.com/office/drawing/2010/main" val="0"/>
-              </a:ext>
-            </a:extLst>
-          </a:blip>
-          <a:stretch>
-            <a:fillRect/>
-          </a:stretch>
-        </p:blipFill>
-        <p:spPr>
-          <a:xfrm>
-            <a:off x="6948042" y="2275006"/>
-            <a:ext cx="479245" cy="479245"/>
-          </a:xfrm>
-          <a:prstGeom prst="rect">
-            <a:avLst/>
-          </a:prstGeom>
-        </p:spPr>
-      </p:pic>
       <p:sp>
         <p:nvSpPr>
           <p:cNvPr id="51" name="Down Arrow 50">
@@ -14635,7 +15179,7 @@
         </p:nvSpPr>
         <p:spPr>
           <a:xfrm>
-            <a:off x="2575155" y="1328290"/>
+            <a:off x="2162776" y="1328290"/>
             <a:ext cx="558265" cy="952024"/>
           </a:xfrm>
           <a:prstGeom prst="downArrow">
@@ -14687,8 +15231,8 @@
         </p:nvSpPr>
         <p:spPr>
           <a:xfrm>
-            <a:off x="3221675" y="1395670"/>
-            <a:ext cx="2335896" cy="769441"/>
+            <a:off x="2809296" y="1395670"/>
+            <a:ext cx="3288080" cy="769441"/>
           </a:xfrm>
           <a:prstGeom prst="rect">
             <a:avLst/>
@@ -14707,7 +15251,7 @@
                   <a:schemeClr val="accent5"/>
                 </a:solidFill>
               </a:rPr>
-              <a:t>ソケットを利用</a:t>
+              <a:t>ソケットという仕組みで</a:t>
             </a:r>
             <a:endParaRPr lang="en-US" altLang="ja-JP" sz="2200" b="1" dirty="0">
               <a:solidFill>
@@ -14717,29 +15261,18 @@
           </a:p>
           <a:p>
             <a:r>
-              <a:rPr lang="en-US" sz="2200" b="1" dirty="0">
-                <a:solidFill>
-                  <a:schemeClr val="accent5"/>
-                </a:solidFill>
-              </a:rPr>
-              <a:t>(</a:t>
-            </a:r>
-            <a:r>
               <a:rPr lang="ja-JP" altLang="en-US" sz="2200" b="1">
                 <a:solidFill>
                   <a:schemeClr val="accent5"/>
                 </a:solidFill>
               </a:rPr>
-              <a:t>プログラミング</a:t>
-            </a:r>
-            <a:r>
-              <a:rPr lang="en-US" sz="2200" b="1" dirty="0">
-                <a:solidFill>
-                  <a:schemeClr val="accent5"/>
-                </a:solidFill>
-              </a:rPr>
-              <a:t>)</a:t>
-            </a:r>
+              <a:t>ネットワークを使う</a:t>
+            </a:r>
+            <a:endParaRPr lang="en-US" sz="2200" b="1" dirty="0">
+              <a:solidFill>
+                <a:schemeClr val="accent5"/>
+              </a:solidFill>
+            </a:endParaRPr>
           </a:p>
         </p:txBody>
       </p:sp>
@@ -14757,7 +15290,7 @@
         </p:nvSpPr>
         <p:spPr>
           <a:xfrm>
-            <a:off x="2575154" y="5979014"/>
+            <a:off x="2162775" y="5979014"/>
             <a:ext cx="558265" cy="680809"/>
           </a:xfrm>
           <a:prstGeom prst="downArrow">
@@ -14809,7 +15342,7 @@
         </p:nvSpPr>
         <p:spPr>
           <a:xfrm>
-            <a:off x="6890432" y="2736220"/>
+            <a:off x="8495119" y="2736220"/>
             <a:ext cx="681725" cy="369332"/>
           </a:xfrm>
           <a:prstGeom prst="rect">
@@ -14844,7 +15377,7 @@
         </p:nvSpPr>
         <p:spPr>
           <a:xfrm>
-            <a:off x="3360590" y="6095734"/>
+            <a:off x="2948211" y="6095734"/>
             <a:ext cx="1723549" cy="461665"/>
           </a:xfrm>
           <a:prstGeom prst="rect">
@@ -14866,6 +15399,78 @@
           </a:p>
         </p:txBody>
       </p:sp>
+      <p:sp>
+        <p:nvSpPr>
+          <p:cNvPr id="48" name="TextBox 47">
+            <a:extLst>
+              <a:ext uri="{FF2B5EF4-FFF2-40B4-BE49-F238E27FC236}">
+                <a16:creationId xmlns:a16="http://schemas.microsoft.com/office/drawing/2014/main" id="{E617E0D5-E0DF-F14F-AAEA-767252AD949E}"/>
+              </a:ext>
+            </a:extLst>
+          </p:cNvPr>
+          <p:cNvSpPr txBox="1"/>
+          <p:nvPr/>
+        </p:nvSpPr>
+        <p:spPr>
+          <a:xfrm>
+            <a:off x="6949029" y="665321"/>
+            <a:ext cx="1107996" cy="461665"/>
+          </a:xfrm>
+          <a:prstGeom prst="rect">
+            <a:avLst/>
+          </a:prstGeom>
+          <a:noFill/>
+        </p:spPr>
+        <p:txBody>
+          <a:bodyPr wrap="none" rtlCol="0">
+            <a:spAutoFit/>
+          </a:bodyPr>
+          <a:lstStyle/>
+          <a:p>
+            <a:r>
+              <a:rPr lang="ja-JP" altLang="en-US" sz="2400" b="1"/>
+              <a:t>データ</a:t>
+            </a:r>
+            <a:endParaRPr lang="en-US" sz="2400" b="1" dirty="0"/>
+          </a:p>
+        </p:txBody>
+      </p:sp>
+      <p:pic>
+        <p:nvPicPr>
+          <p:cNvPr id="49" name="Picture 48">
+            <a:extLst>
+              <a:ext uri="{FF2B5EF4-FFF2-40B4-BE49-F238E27FC236}">
+                <a16:creationId xmlns:a16="http://schemas.microsoft.com/office/drawing/2014/main" id="{B8EC5A48-A4A5-034C-9F2E-3A2C0D9D9AAF}"/>
+              </a:ext>
+            </a:extLst>
+          </p:cNvPr>
+          <p:cNvPicPr>
+            <a:picLocks noChangeAspect="1"/>
+          </p:cNvPicPr>
+          <p:nvPr/>
+        </p:nvPicPr>
+        <p:blipFill>
+          <a:blip r:embed="rId3">
+            <a:extLst>
+              <a:ext uri="{28A0092B-C50C-407E-A947-70E740481C1C}">
+                <a14:useLocalDpi xmlns:a14="http://schemas.microsoft.com/office/drawing/2010/main" val="0"/>
+              </a:ext>
+            </a:extLst>
+          </a:blip>
+          <a:stretch>
+            <a:fillRect/>
+          </a:stretch>
+        </p:blipFill>
+        <p:spPr>
+          <a:xfrm>
+            <a:off x="8591443" y="2272812"/>
+            <a:ext cx="483811" cy="483811"/>
+          </a:xfrm>
+          <a:prstGeom prst="rect">
+            <a:avLst/>
+          </a:prstGeom>
+        </p:spPr>
+      </p:pic>
     </p:spTree>
     <p:extLst>
       <p:ext uri="{BB962C8B-B14F-4D97-AF65-F5344CB8AC3E}">
@@ -14898,10 +15503,10 @@
       </p:grpSpPr>
       <p:sp>
         <p:nvSpPr>
-          <p:cNvPr id="24" name="Right Arrow 23">
-            <a:extLst>
-              <a:ext uri="{FF2B5EF4-FFF2-40B4-BE49-F238E27FC236}">
-                <a16:creationId xmlns:a16="http://schemas.microsoft.com/office/drawing/2014/main" id="{B5E3FC2B-EC33-B646-BFF3-08828D5703D0}"/>
+          <p:cNvPr id="66" name="Rectangle 65">
+            <a:extLst>
+              <a:ext uri="{FF2B5EF4-FFF2-40B4-BE49-F238E27FC236}">
+                <a16:creationId xmlns:a16="http://schemas.microsoft.com/office/drawing/2014/main" id="{E1FB6194-2F28-F54C-943D-8E807E2DA15B}"/>
               </a:ext>
             </a:extLst>
           </p:cNvPr>
@@ -14909,296 +15514,9 @@
           <p:nvPr/>
         </p:nvSpPr>
         <p:spPr>
-          <a:xfrm flipH="1">
-            <a:off x="4371663" y="4489717"/>
-            <a:ext cx="756471" cy="369617"/>
-          </a:xfrm>
-          <a:prstGeom prst="rightArrow">
-            <a:avLst/>
-          </a:prstGeom>
-          <a:ln>
-            <a:noFill/>
-          </a:ln>
-        </p:spPr>
-        <p:style>
-          <a:lnRef idx="2">
-            <a:schemeClr val="accent1">
-              <a:shade val="50000"/>
-            </a:schemeClr>
-          </a:lnRef>
-          <a:fillRef idx="1">
-            <a:schemeClr val="accent1"/>
-          </a:fillRef>
-          <a:effectRef idx="0">
-            <a:schemeClr val="accent1"/>
-          </a:effectRef>
-          <a:fontRef idx="minor">
-            <a:schemeClr val="lt1"/>
-          </a:fontRef>
-        </p:style>
-        <p:txBody>
-          <a:bodyPr rtlCol="0" anchor="ctr"/>
-          <a:lstStyle/>
-          <a:p>
-            <a:pPr algn="ctr"/>
-            <a:endParaRPr lang="en-US" b="1"/>
-          </a:p>
-        </p:txBody>
-      </p:sp>
-      <p:sp>
-        <p:nvSpPr>
-          <p:cNvPr id="8" name="Rectangle 7">
-            <a:extLst>
-              <a:ext uri="{FF2B5EF4-FFF2-40B4-BE49-F238E27FC236}">
-                <a16:creationId xmlns:a16="http://schemas.microsoft.com/office/drawing/2014/main" id="{E0CD8F93-3DA1-4F44-BF40-AC503B040EFD}"/>
-              </a:ext>
-            </a:extLst>
-          </p:cNvPr>
-          <p:cNvSpPr/>
-          <p:nvPr/>
-        </p:nvSpPr>
-        <p:spPr>
-          <a:xfrm>
-            <a:off x="721404" y="648424"/>
-            <a:ext cx="2243178" cy="683394"/>
-          </a:xfrm>
-          <a:prstGeom prst="rect">
-            <a:avLst/>
-          </a:prstGeom>
-          <a:solidFill>
-            <a:schemeClr val="accent5"/>
-          </a:solidFill>
-          <a:ln>
-            <a:noFill/>
-          </a:ln>
-        </p:spPr>
-        <p:style>
-          <a:lnRef idx="2">
-            <a:schemeClr val="accent1">
-              <a:shade val="50000"/>
-            </a:schemeClr>
-          </a:lnRef>
-          <a:fillRef idx="1">
-            <a:schemeClr val="accent1"/>
-          </a:fillRef>
-          <a:effectRef idx="0">
-            <a:schemeClr val="accent1"/>
-          </a:effectRef>
-          <a:fontRef idx="minor">
-            <a:schemeClr val="lt1"/>
-          </a:fontRef>
-        </p:style>
-        <p:txBody>
-          <a:bodyPr rtlCol="0" anchor="ctr"/>
-          <a:lstStyle/>
-          <a:p>
-            <a:pPr algn="ctr"/>
-            <a:r>
-              <a:rPr lang="ja-JP" altLang="en-US" b="1"/>
-              <a:t>アプリケーション</a:t>
-            </a:r>
-            <a:endParaRPr lang="en-US" altLang="ja-JP" b="1" dirty="0"/>
-          </a:p>
-          <a:p>
-            <a:pPr algn="ctr"/>
-            <a:r>
-              <a:rPr lang="en-US" altLang="ja-JP" b="1" dirty="0"/>
-              <a:t>(</a:t>
-            </a:r>
-            <a:r>
-              <a:rPr lang="ja-JP" altLang="en-US" b="1"/>
-              <a:t>ブラウザ</a:t>
-            </a:r>
-            <a:r>
-              <a:rPr lang="en-US" altLang="ja-JP" b="1" dirty="0"/>
-              <a:t>)</a:t>
-            </a:r>
-            <a:endParaRPr lang="en-US" b="1" dirty="0"/>
-          </a:p>
-        </p:txBody>
-      </p:sp>
-      <p:sp>
-        <p:nvSpPr>
-          <p:cNvPr id="9" name="Rectangle 8">
-            <a:extLst>
-              <a:ext uri="{FF2B5EF4-FFF2-40B4-BE49-F238E27FC236}">
-                <a16:creationId xmlns:a16="http://schemas.microsoft.com/office/drawing/2014/main" id="{8A58059C-8E88-E84D-9F33-865F4F7EC6D0}"/>
-              </a:ext>
-            </a:extLst>
-          </p:cNvPr>
-          <p:cNvSpPr/>
-          <p:nvPr/>
-        </p:nvSpPr>
-        <p:spPr>
-          <a:xfrm>
-            <a:off x="721403" y="1561220"/>
-            <a:ext cx="2243179" cy="683394"/>
-          </a:xfrm>
-          <a:prstGeom prst="rect">
-            <a:avLst/>
-          </a:prstGeom>
-          <a:solidFill>
-            <a:schemeClr val="accent5"/>
-          </a:solidFill>
-          <a:ln>
-            <a:noFill/>
-          </a:ln>
-        </p:spPr>
-        <p:style>
-          <a:lnRef idx="2">
-            <a:schemeClr val="accent1">
-              <a:shade val="50000"/>
-            </a:schemeClr>
-          </a:lnRef>
-          <a:fillRef idx="1">
-            <a:schemeClr val="accent1"/>
-          </a:fillRef>
-          <a:effectRef idx="0">
-            <a:schemeClr val="accent1"/>
-          </a:effectRef>
-          <a:fontRef idx="minor">
-            <a:schemeClr val="lt1"/>
-          </a:fontRef>
-        </p:style>
-        <p:txBody>
-          <a:bodyPr rtlCol="0" anchor="ctr"/>
-          <a:lstStyle/>
-          <a:p>
-            <a:pPr algn="ctr"/>
-            <a:r>
-              <a:rPr lang="en-US" b="1" dirty="0"/>
-              <a:t>TCP/UDP</a:t>
-            </a:r>
-          </a:p>
-        </p:txBody>
-      </p:sp>
-      <p:sp>
-        <p:nvSpPr>
-          <p:cNvPr id="10" name="Rectangle 9">
-            <a:extLst>
-              <a:ext uri="{FF2B5EF4-FFF2-40B4-BE49-F238E27FC236}">
-                <a16:creationId xmlns:a16="http://schemas.microsoft.com/office/drawing/2014/main" id="{7190386D-3DCA-AE48-97C8-AE33746C9BC0}"/>
-              </a:ext>
-            </a:extLst>
-          </p:cNvPr>
-          <p:cNvSpPr/>
-          <p:nvPr/>
-        </p:nvSpPr>
-        <p:spPr>
-          <a:xfrm>
-            <a:off x="721403" y="2424286"/>
-            <a:ext cx="2243180" cy="683394"/>
-          </a:xfrm>
-          <a:prstGeom prst="rect">
-            <a:avLst/>
-          </a:prstGeom>
-          <a:solidFill>
-            <a:schemeClr val="accent4"/>
-          </a:solidFill>
-          <a:ln>
-            <a:noFill/>
-          </a:ln>
-        </p:spPr>
-        <p:style>
-          <a:lnRef idx="2">
-            <a:schemeClr val="accent1">
-              <a:shade val="50000"/>
-            </a:schemeClr>
-          </a:lnRef>
-          <a:fillRef idx="1">
-            <a:schemeClr val="accent1"/>
-          </a:fillRef>
-          <a:effectRef idx="0">
-            <a:schemeClr val="accent1"/>
-          </a:effectRef>
-          <a:fontRef idx="minor">
-            <a:schemeClr val="lt1"/>
-          </a:fontRef>
-        </p:style>
-        <p:txBody>
-          <a:bodyPr rtlCol="0" anchor="ctr"/>
-          <a:lstStyle/>
-          <a:p>
-            <a:pPr algn="ctr"/>
-            <a:r>
-              <a:rPr lang="en-US" b="1" dirty="0"/>
-              <a:t>IP</a:t>
-            </a:r>
-          </a:p>
-        </p:txBody>
-      </p:sp>
-      <p:sp>
-        <p:nvSpPr>
-          <p:cNvPr id="11" name="Rectangle 10">
-            <a:extLst>
-              <a:ext uri="{FF2B5EF4-FFF2-40B4-BE49-F238E27FC236}">
-                <a16:creationId xmlns:a16="http://schemas.microsoft.com/office/drawing/2014/main" id="{5E4418B1-217F-774A-8308-A391EA5ADC3D}"/>
-              </a:ext>
-            </a:extLst>
-          </p:cNvPr>
-          <p:cNvSpPr/>
-          <p:nvPr/>
-        </p:nvSpPr>
-        <p:spPr>
-          <a:xfrm>
-            <a:off x="721401" y="3287352"/>
-            <a:ext cx="2243181" cy="683394"/>
-          </a:xfrm>
-          <a:prstGeom prst="rect">
-            <a:avLst/>
-          </a:prstGeom>
-          <a:solidFill>
-            <a:schemeClr val="accent4"/>
-          </a:solidFill>
-          <a:ln>
-            <a:noFill/>
-          </a:ln>
-        </p:spPr>
-        <p:style>
-          <a:lnRef idx="2">
-            <a:schemeClr val="accent1">
-              <a:shade val="50000"/>
-            </a:schemeClr>
-          </a:lnRef>
-          <a:fillRef idx="1">
-            <a:schemeClr val="accent1"/>
-          </a:fillRef>
-          <a:effectRef idx="0">
-            <a:schemeClr val="accent1"/>
-          </a:effectRef>
-          <a:fontRef idx="minor">
-            <a:schemeClr val="lt1"/>
-          </a:fontRef>
-        </p:style>
-        <p:txBody>
-          <a:bodyPr rtlCol="0" anchor="ctr"/>
-          <a:lstStyle/>
-          <a:p>
-            <a:pPr algn="ctr"/>
-            <a:r>
-              <a:rPr lang="ja-JP" altLang="en-US" b="1"/>
-              <a:t>イーサネット</a:t>
-            </a:r>
-            <a:endParaRPr lang="en-US" b="1" dirty="0"/>
-          </a:p>
-        </p:txBody>
-      </p:sp>
-      <p:sp>
-        <p:nvSpPr>
-          <p:cNvPr id="12" name="Rectangle 11">
-            <a:extLst>
-              <a:ext uri="{FF2B5EF4-FFF2-40B4-BE49-F238E27FC236}">
-                <a16:creationId xmlns:a16="http://schemas.microsoft.com/office/drawing/2014/main" id="{C3943D1B-6FF9-D245-80B3-D04E154E948E}"/>
-              </a:ext>
-            </a:extLst>
-          </p:cNvPr>
-          <p:cNvSpPr/>
-          <p:nvPr/>
-        </p:nvSpPr>
-        <p:spPr>
-          <a:xfrm>
-            <a:off x="721401" y="4150418"/>
-            <a:ext cx="2243181" cy="683394"/>
+          <a:xfrm>
+            <a:off x="9209521" y="535298"/>
+            <a:ext cx="2690891" cy="5409418"/>
           </a:xfrm>
           <a:prstGeom prst="rect">
             <a:avLst/>
@@ -15234,32 +15552,16 @@
           <a:lstStyle/>
           <a:p>
             <a:pPr algn="ctr"/>
-            <a:r>
-              <a:rPr lang="ja-JP" altLang="en-US" b="1"/>
-              <a:t>物理</a:t>
-            </a:r>
-            <a:r>
-              <a:rPr lang="en-US" altLang="ja-JP" b="1" dirty="0"/>
-              <a:t>(</a:t>
-            </a:r>
-            <a:r>
-              <a:rPr lang="ja-JP" altLang="en-US" b="1"/>
-              <a:t>電気信号</a:t>
-            </a:r>
-            <a:r>
-              <a:rPr lang="en-US" altLang="ja-JP" b="1" dirty="0"/>
-              <a:t>)</a:t>
-            </a:r>
             <a:endParaRPr lang="en-US" b="1" dirty="0"/>
           </a:p>
         </p:txBody>
       </p:sp>
       <p:sp>
         <p:nvSpPr>
-          <p:cNvPr id="18" name="Cloud 17">
-            <a:extLst>
-              <a:ext uri="{FF2B5EF4-FFF2-40B4-BE49-F238E27FC236}">
-                <a16:creationId xmlns:a16="http://schemas.microsoft.com/office/drawing/2014/main" id="{1FE5188B-5597-A34B-A780-E3797BB5E7E8}"/>
+          <p:cNvPr id="64" name="Rectangle 63">
+            <a:extLst>
+              <a:ext uri="{FF2B5EF4-FFF2-40B4-BE49-F238E27FC236}">
+                <a16:creationId xmlns:a16="http://schemas.microsoft.com/office/drawing/2014/main" id="{58841156-C72C-394F-BFA3-4F9BE827F0BF}"/>
               </a:ext>
             </a:extLst>
           </p:cNvPr>
@@ -15268,793 +15570,8 @@
         </p:nvSpPr>
         <p:spPr>
           <a:xfrm>
-            <a:off x="4896436" y="5179267"/>
-            <a:ext cx="2794928" cy="1380802"/>
-          </a:xfrm>
-          <a:prstGeom prst="cloud">
-            <a:avLst/>
-          </a:prstGeom>
-          <a:solidFill>
-            <a:schemeClr val="bg2"/>
-          </a:solidFill>
-          <a:ln>
-            <a:noFill/>
-          </a:ln>
-        </p:spPr>
-        <p:style>
-          <a:lnRef idx="2">
-            <a:schemeClr val="accent1">
-              <a:shade val="50000"/>
-            </a:schemeClr>
-          </a:lnRef>
-          <a:fillRef idx="1">
-            <a:schemeClr val="accent1"/>
-          </a:fillRef>
-          <a:effectRef idx="0">
-            <a:schemeClr val="accent1"/>
-          </a:effectRef>
-          <a:fontRef idx="minor">
-            <a:schemeClr val="lt1"/>
-          </a:fontRef>
-        </p:style>
-        <p:txBody>
-          <a:bodyPr rtlCol="0" anchor="ctr"/>
-          <a:lstStyle/>
-          <a:p>
-            <a:pPr algn="ctr"/>
-            <a:endParaRPr lang="en-US"/>
-          </a:p>
-        </p:txBody>
-      </p:sp>
-      <p:sp>
-        <p:nvSpPr>
-          <p:cNvPr id="20" name="Rectangle 19">
-            <a:extLst>
-              <a:ext uri="{FF2B5EF4-FFF2-40B4-BE49-F238E27FC236}">
-                <a16:creationId xmlns:a16="http://schemas.microsoft.com/office/drawing/2014/main" id="{74742951-E021-2244-AA76-8A022F4803D7}"/>
-              </a:ext>
-            </a:extLst>
-          </p:cNvPr>
-          <p:cNvSpPr/>
-          <p:nvPr/>
-        </p:nvSpPr>
-        <p:spPr>
-          <a:xfrm>
-            <a:off x="4943250" y="4429051"/>
-            <a:ext cx="656616" cy="468279"/>
-          </a:xfrm>
-          <a:prstGeom prst="rect">
-            <a:avLst/>
-          </a:prstGeom>
-          <a:solidFill>
-            <a:schemeClr val="accent4"/>
-          </a:solidFill>
-          <a:ln w="38100">
-            <a:solidFill>
-              <a:schemeClr val="bg1"/>
-            </a:solidFill>
-          </a:ln>
-        </p:spPr>
-        <p:style>
-          <a:lnRef idx="2">
-            <a:schemeClr val="accent1">
-              <a:shade val="50000"/>
-            </a:schemeClr>
-          </a:lnRef>
-          <a:fillRef idx="1">
-            <a:schemeClr val="accent1"/>
-          </a:fillRef>
-          <a:effectRef idx="0">
-            <a:schemeClr val="accent1"/>
-          </a:effectRef>
-          <a:fontRef idx="minor">
-            <a:schemeClr val="lt1"/>
-          </a:fontRef>
-        </p:style>
-        <p:txBody>
-          <a:bodyPr rtlCol="0" anchor="ctr"/>
-          <a:lstStyle/>
-          <a:p>
-            <a:pPr algn="ctr"/>
-            <a:r>
-              <a:rPr lang="en-US" b="1" dirty="0">
-                <a:solidFill>
-                  <a:schemeClr val="bg1"/>
-                </a:solidFill>
-              </a:rPr>
-              <a:t>Eth</a:t>
-            </a:r>
-          </a:p>
-        </p:txBody>
-      </p:sp>
-      <p:sp>
-        <p:nvSpPr>
-          <p:cNvPr id="21" name="Rectangle 20">
-            <a:extLst>
-              <a:ext uri="{FF2B5EF4-FFF2-40B4-BE49-F238E27FC236}">
-                <a16:creationId xmlns:a16="http://schemas.microsoft.com/office/drawing/2014/main" id="{5557C34C-B86D-B843-820D-A7D5490A5ABF}"/>
-              </a:ext>
-            </a:extLst>
-          </p:cNvPr>
-          <p:cNvSpPr/>
-          <p:nvPr/>
-        </p:nvSpPr>
-        <p:spPr>
-          <a:xfrm>
-            <a:off x="5599866" y="4429051"/>
-            <a:ext cx="656616" cy="468279"/>
-          </a:xfrm>
-          <a:prstGeom prst="rect">
-            <a:avLst/>
-          </a:prstGeom>
-          <a:solidFill>
-            <a:schemeClr val="accent4"/>
-          </a:solidFill>
-          <a:ln w="38100">
-            <a:solidFill>
-              <a:schemeClr val="bg1"/>
-            </a:solidFill>
-          </a:ln>
-        </p:spPr>
-        <p:style>
-          <a:lnRef idx="2">
-            <a:schemeClr val="accent1">
-              <a:shade val="50000"/>
-            </a:schemeClr>
-          </a:lnRef>
-          <a:fillRef idx="1">
-            <a:schemeClr val="accent1"/>
-          </a:fillRef>
-          <a:effectRef idx="0">
-            <a:schemeClr val="accent1"/>
-          </a:effectRef>
-          <a:fontRef idx="minor">
-            <a:schemeClr val="lt1"/>
-          </a:fontRef>
-        </p:style>
-        <p:txBody>
-          <a:bodyPr rtlCol="0" anchor="ctr"/>
-          <a:lstStyle/>
-          <a:p>
-            <a:pPr algn="ctr"/>
-            <a:r>
-              <a:rPr lang="en-US" b="1" dirty="0">
-                <a:solidFill>
-                  <a:schemeClr val="bg1"/>
-                </a:solidFill>
-              </a:rPr>
-              <a:t>IP</a:t>
-            </a:r>
-          </a:p>
-        </p:txBody>
-      </p:sp>
-      <p:sp>
-        <p:nvSpPr>
-          <p:cNvPr id="22" name="Rectangle 21">
-            <a:extLst>
-              <a:ext uri="{FF2B5EF4-FFF2-40B4-BE49-F238E27FC236}">
-                <a16:creationId xmlns:a16="http://schemas.microsoft.com/office/drawing/2014/main" id="{8FF8D7E1-6788-0949-BCCE-FF59CEAE6443}"/>
-              </a:ext>
-            </a:extLst>
-          </p:cNvPr>
-          <p:cNvSpPr/>
-          <p:nvPr/>
-        </p:nvSpPr>
-        <p:spPr>
-          <a:xfrm>
-            <a:off x="6251734" y="4429051"/>
-            <a:ext cx="656616" cy="468279"/>
-          </a:xfrm>
-          <a:prstGeom prst="rect">
-            <a:avLst/>
-          </a:prstGeom>
-          <a:solidFill>
-            <a:schemeClr val="accent5"/>
-          </a:solidFill>
-          <a:ln w="38100">
-            <a:solidFill>
-              <a:schemeClr val="bg1"/>
-            </a:solidFill>
-          </a:ln>
-        </p:spPr>
-        <p:style>
-          <a:lnRef idx="2">
-            <a:schemeClr val="accent1">
-              <a:shade val="50000"/>
-            </a:schemeClr>
-          </a:lnRef>
-          <a:fillRef idx="1">
-            <a:schemeClr val="accent1"/>
-          </a:fillRef>
-          <a:effectRef idx="0">
-            <a:schemeClr val="accent1"/>
-          </a:effectRef>
-          <a:fontRef idx="minor">
-            <a:schemeClr val="lt1"/>
-          </a:fontRef>
-        </p:style>
-        <p:txBody>
-          <a:bodyPr rtlCol="0" anchor="ctr"/>
-          <a:lstStyle/>
-          <a:p>
-            <a:pPr algn="ctr"/>
-            <a:r>
-              <a:rPr lang="en-US" b="1" dirty="0">
-                <a:solidFill>
-                  <a:schemeClr val="bg1"/>
-                </a:solidFill>
-              </a:rPr>
-              <a:t>TCP</a:t>
-            </a:r>
-          </a:p>
-        </p:txBody>
-      </p:sp>
-      <p:sp>
-        <p:nvSpPr>
-          <p:cNvPr id="23" name="Rectangle 22">
-            <a:extLst>
-              <a:ext uri="{FF2B5EF4-FFF2-40B4-BE49-F238E27FC236}">
-                <a16:creationId xmlns:a16="http://schemas.microsoft.com/office/drawing/2014/main" id="{B711D584-CB8C-1E44-BD9D-3095E6C43ABD}"/>
-              </a:ext>
-            </a:extLst>
-          </p:cNvPr>
-          <p:cNvSpPr/>
-          <p:nvPr/>
-        </p:nvSpPr>
-        <p:spPr>
-          <a:xfrm>
-            <a:off x="6908350" y="3848794"/>
-            <a:ext cx="877498" cy="1048535"/>
-          </a:xfrm>
-          <a:prstGeom prst="rect">
-            <a:avLst/>
-          </a:prstGeom>
-          <a:solidFill>
-            <a:schemeClr val="accent5"/>
-          </a:solidFill>
-          <a:ln w="38100">
-            <a:solidFill>
-              <a:schemeClr val="bg1"/>
-            </a:solidFill>
-          </a:ln>
-        </p:spPr>
-        <p:style>
-          <a:lnRef idx="2">
-            <a:schemeClr val="accent1">
-              <a:shade val="50000"/>
-            </a:schemeClr>
-          </a:lnRef>
-          <a:fillRef idx="1">
-            <a:schemeClr val="accent1"/>
-          </a:fillRef>
-          <a:effectRef idx="0">
-            <a:schemeClr val="accent1"/>
-          </a:effectRef>
-          <a:fontRef idx="minor">
-            <a:schemeClr val="lt1"/>
-          </a:fontRef>
-        </p:style>
-        <p:txBody>
-          <a:bodyPr rtlCol="0" anchor="ctr"/>
-          <a:lstStyle/>
-          <a:p>
-            <a:pPr algn="ctr"/>
-            <a:endParaRPr lang="en-US" b="1" dirty="0">
-              <a:solidFill>
-                <a:schemeClr val="bg1"/>
-              </a:solidFill>
-            </a:endParaRPr>
-          </a:p>
-          <a:p>
-            <a:pPr algn="ctr"/>
-            <a:endParaRPr lang="en-US" b="1" dirty="0">
-              <a:solidFill>
-                <a:schemeClr val="bg1"/>
-              </a:solidFill>
-            </a:endParaRPr>
-          </a:p>
-          <a:p>
-            <a:pPr algn="ctr"/>
-            <a:r>
-              <a:rPr lang="en-US" b="1" dirty="0">
-                <a:solidFill>
-                  <a:schemeClr val="bg1"/>
-                </a:solidFill>
-              </a:rPr>
-              <a:t>DATA</a:t>
-            </a:r>
-          </a:p>
-        </p:txBody>
-      </p:sp>
-      <p:sp>
-        <p:nvSpPr>
-          <p:cNvPr id="25" name="Left Brace 24">
-            <a:extLst>
-              <a:ext uri="{FF2B5EF4-FFF2-40B4-BE49-F238E27FC236}">
-                <a16:creationId xmlns:a16="http://schemas.microsoft.com/office/drawing/2014/main" id="{DE25DBF8-A169-9A43-ADBC-CF3962836C8C}"/>
-              </a:ext>
-            </a:extLst>
-          </p:cNvPr>
-          <p:cNvSpPr/>
-          <p:nvPr/>
-        </p:nvSpPr>
-        <p:spPr>
-          <a:xfrm rot="5400000">
-            <a:off x="6837626" y="2864129"/>
-            <a:ext cx="323560" cy="1366787"/>
-          </a:xfrm>
-          <a:prstGeom prst="leftBrace">
-            <a:avLst/>
-          </a:prstGeom>
-          <a:ln w="28575">
-            <a:solidFill>
-              <a:schemeClr val="tx1"/>
-            </a:solidFill>
-          </a:ln>
-        </p:spPr>
-        <p:style>
-          <a:lnRef idx="1">
-            <a:schemeClr val="accent1"/>
-          </a:lnRef>
-          <a:fillRef idx="0">
-            <a:schemeClr val="accent1"/>
-          </a:fillRef>
-          <a:effectRef idx="0">
-            <a:schemeClr val="accent1"/>
-          </a:effectRef>
-          <a:fontRef idx="minor">
-            <a:schemeClr val="tx1"/>
-          </a:fontRef>
-        </p:style>
-        <p:txBody>
-          <a:bodyPr rtlCol="0" anchor="ctr"/>
-          <a:lstStyle/>
-          <a:p>
-            <a:pPr algn="ctr"/>
-            <a:endParaRPr lang="en-US" b="1"/>
-          </a:p>
-        </p:txBody>
-      </p:sp>
-      <p:sp>
-        <p:nvSpPr>
-          <p:cNvPr id="26" name="TextBox 25">
-            <a:extLst>
-              <a:ext uri="{FF2B5EF4-FFF2-40B4-BE49-F238E27FC236}">
-                <a16:creationId xmlns:a16="http://schemas.microsoft.com/office/drawing/2014/main" id="{DA64D24E-0D2E-C74C-BC43-E539FE4191F3}"/>
-              </a:ext>
-            </a:extLst>
-          </p:cNvPr>
-          <p:cNvSpPr txBox="1"/>
-          <p:nvPr/>
-        </p:nvSpPr>
-        <p:spPr>
-          <a:xfrm>
-            <a:off x="4409783" y="3421651"/>
-            <a:ext cx="1723549" cy="461665"/>
-          </a:xfrm>
-          <a:prstGeom prst="rect">
-            <a:avLst/>
-          </a:prstGeom>
-          <a:noFill/>
-        </p:spPr>
-        <p:txBody>
-          <a:bodyPr wrap="none" rtlCol="0">
-            <a:spAutoFit/>
-          </a:bodyPr>
-          <a:lstStyle/>
-          <a:p>
-            <a:r>
-              <a:rPr lang="ja-JP" altLang="en-US" sz="2400" b="1">
-                <a:solidFill>
-                  <a:schemeClr val="accent4"/>
-                </a:solidFill>
-              </a:rPr>
-              <a:t>転送に利用</a:t>
-            </a:r>
-            <a:endParaRPr lang="en-US" sz="2400" b="1" dirty="0">
-              <a:solidFill>
-                <a:schemeClr val="accent4"/>
-              </a:solidFill>
-            </a:endParaRPr>
-          </a:p>
-        </p:txBody>
-      </p:sp>
-      <p:sp>
-        <p:nvSpPr>
-          <p:cNvPr id="27" name="Left Brace 26">
-            <a:extLst>
-              <a:ext uri="{FF2B5EF4-FFF2-40B4-BE49-F238E27FC236}">
-                <a16:creationId xmlns:a16="http://schemas.microsoft.com/office/drawing/2014/main" id="{DFD2A80F-E530-6048-9154-DA0A6749C427}"/>
-              </a:ext>
-            </a:extLst>
-          </p:cNvPr>
-          <p:cNvSpPr/>
-          <p:nvPr/>
-        </p:nvSpPr>
-        <p:spPr>
-          <a:xfrm rot="5400000">
-            <a:off x="5422476" y="3581382"/>
-            <a:ext cx="323560" cy="1155033"/>
-          </a:xfrm>
-          <a:prstGeom prst="leftBrace">
-            <a:avLst/>
-          </a:prstGeom>
-          <a:ln w="28575">
-            <a:solidFill>
-              <a:schemeClr val="tx1"/>
-            </a:solidFill>
-          </a:ln>
-        </p:spPr>
-        <p:style>
-          <a:lnRef idx="1">
-            <a:schemeClr val="accent1"/>
-          </a:lnRef>
-          <a:fillRef idx="0">
-            <a:schemeClr val="accent1"/>
-          </a:fillRef>
-          <a:effectRef idx="0">
-            <a:schemeClr val="accent1"/>
-          </a:effectRef>
-          <a:fontRef idx="minor">
-            <a:schemeClr val="tx1"/>
-          </a:fontRef>
-        </p:style>
-        <p:txBody>
-          <a:bodyPr rtlCol="0" anchor="ctr"/>
-          <a:lstStyle/>
-          <a:p>
-            <a:pPr algn="ctr"/>
-            <a:endParaRPr lang="en-US" b="1"/>
-          </a:p>
-        </p:txBody>
-      </p:sp>
-      <p:sp>
-        <p:nvSpPr>
-          <p:cNvPr id="28" name="TextBox 27">
-            <a:extLst>
-              <a:ext uri="{FF2B5EF4-FFF2-40B4-BE49-F238E27FC236}">
-                <a16:creationId xmlns:a16="http://schemas.microsoft.com/office/drawing/2014/main" id="{A91D5EFB-F699-F24D-B131-F0CCB17D79B9}"/>
-              </a:ext>
-            </a:extLst>
-          </p:cNvPr>
-          <p:cNvSpPr txBox="1"/>
-          <p:nvPr/>
-        </p:nvSpPr>
-        <p:spPr>
-          <a:xfrm>
-            <a:off x="5964692" y="2825687"/>
-            <a:ext cx="2031325" cy="461665"/>
-          </a:xfrm>
-          <a:prstGeom prst="rect">
-            <a:avLst/>
-          </a:prstGeom>
-          <a:noFill/>
-        </p:spPr>
-        <p:txBody>
-          <a:bodyPr wrap="none" rtlCol="0">
-            <a:spAutoFit/>
-          </a:bodyPr>
-          <a:lstStyle/>
-          <a:p>
-            <a:r>
-              <a:rPr lang="ja-JP" altLang="en-US" sz="2400" b="1">
-                <a:solidFill>
-                  <a:schemeClr val="accent5"/>
-                </a:solidFill>
-              </a:rPr>
-              <a:t>ホストが利用</a:t>
-            </a:r>
-            <a:endParaRPr lang="en-US" sz="2400" b="1" dirty="0">
-              <a:solidFill>
-                <a:schemeClr val="accent5"/>
-              </a:solidFill>
-            </a:endParaRPr>
-          </a:p>
-        </p:txBody>
-      </p:sp>
-      <p:sp>
-        <p:nvSpPr>
-          <p:cNvPr id="29" name="Right Arrow 28">
-            <a:extLst>
-              <a:ext uri="{FF2B5EF4-FFF2-40B4-BE49-F238E27FC236}">
-                <a16:creationId xmlns:a16="http://schemas.microsoft.com/office/drawing/2014/main" id="{196C8C77-A36C-B44D-B763-2B21E98F170E}"/>
-              </a:ext>
-            </a:extLst>
-          </p:cNvPr>
-          <p:cNvSpPr/>
-          <p:nvPr/>
-        </p:nvSpPr>
-        <p:spPr>
-          <a:xfrm rot="10800000">
-            <a:off x="3274299" y="5334292"/>
-            <a:ext cx="6067677" cy="777749"/>
-          </a:xfrm>
-          <a:prstGeom prst="rightArrow">
-            <a:avLst/>
-          </a:prstGeom>
-          <a:ln>
-            <a:noFill/>
-          </a:ln>
-        </p:spPr>
-        <p:style>
-          <a:lnRef idx="2">
-            <a:schemeClr val="accent1">
-              <a:shade val="50000"/>
-            </a:schemeClr>
-          </a:lnRef>
-          <a:fillRef idx="1">
-            <a:schemeClr val="accent1"/>
-          </a:fillRef>
-          <a:effectRef idx="0">
-            <a:schemeClr val="accent1"/>
-          </a:effectRef>
-          <a:fontRef idx="minor">
-            <a:schemeClr val="lt1"/>
-          </a:fontRef>
-        </p:style>
-        <p:txBody>
-          <a:bodyPr rtlCol="0" anchor="ctr"/>
-          <a:lstStyle/>
-          <a:p>
-            <a:pPr algn="ctr"/>
-            <a:endParaRPr lang="en-US" dirty="0"/>
-          </a:p>
-        </p:txBody>
-      </p:sp>
-      <p:sp>
-        <p:nvSpPr>
-          <p:cNvPr id="30" name="Rectangle 29">
-            <a:extLst>
-              <a:ext uri="{FF2B5EF4-FFF2-40B4-BE49-F238E27FC236}">
-                <a16:creationId xmlns:a16="http://schemas.microsoft.com/office/drawing/2014/main" id="{BDE2F6E2-CA48-B548-A2A4-EFA1A44B2050}"/>
-              </a:ext>
-            </a:extLst>
-          </p:cNvPr>
-          <p:cNvSpPr/>
-          <p:nvPr/>
-        </p:nvSpPr>
-        <p:spPr>
-          <a:xfrm>
-            <a:off x="9634457" y="648424"/>
-            <a:ext cx="2243178" cy="683394"/>
-          </a:xfrm>
-          <a:prstGeom prst="rect">
-            <a:avLst/>
-          </a:prstGeom>
-          <a:solidFill>
-            <a:schemeClr val="accent5"/>
-          </a:solidFill>
-          <a:ln>
-            <a:noFill/>
-          </a:ln>
-        </p:spPr>
-        <p:style>
-          <a:lnRef idx="2">
-            <a:schemeClr val="accent1">
-              <a:shade val="50000"/>
-            </a:schemeClr>
-          </a:lnRef>
-          <a:fillRef idx="1">
-            <a:schemeClr val="accent1"/>
-          </a:fillRef>
-          <a:effectRef idx="0">
-            <a:schemeClr val="accent1"/>
-          </a:effectRef>
-          <a:fontRef idx="minor">
-            <a:schemeClr val="lt1"/>
-          </a:fontRef>
-        </p:style>
-        <p:txBody>
-          <a:bodyPr rtlCol="0" anchor="ctr"/>
-          <a:lstStyle/>
-          <a:p>
-            <a:pPr algn="ctr"/>
-            <a:r>
-              <a:rPr lang="ja-JP" altLang="en-US" b="1"/>
-              <a:t>アプリケーション</a:t>
-            </a:r>
-            <a:endParaRPr lang="en-US" altLang="ja-JP" b="1" dirty="0"/>
-          </a:p>
-          <a:p>
-            <a:pPr algn="ctr"/>
-            <a:r>
-              <a:rPr lang="en-US" altLang="ja-JP" b="1" dirty="0"/>
-              <a:t>(Web</a:t>
-            </a:r>
-            <a:r>
-              <a:rPr lang="ja-JP" altLang="en-US" b="1"/>
-              <a:t>サーバー</a:t>
-            </a:r>
-            <a:r>
-              <a:rPr lang="en-US" altLang="ja-JP" b="1" dirty="0"/>
-              <a:t>)</a:t>
-            </a:r>
-            <a:endParaRPr lang="en-US" b="1" dirty="0"/>
-          </a:p>
-        </p:txBody>
-      </p:sp>
-      <p:sp>
-        <p:nvSpPr>
-          <p:cNvPr id="31" name="Rectangle 30">
-            <a:extLst>
-              <a:ext uri="{FF2B5EF4-FFF2-40B4-BE49-F238E27FC236}">
-                <a16:creationId xmlns:a16="http://schemas.microsoft.com/office/drawing/2014/main" id="{C7EF1F65-5007-1641-A7D8-E48EA85D3B6E}"/>
-              </a:ext>
-            </a:extLst>
-          </p:cNvPr>
-          <p:cNvSpPr/>
-          <p:nvPr/>
-        </p:nvSpPr>
-        <p:spPr>
-          <a:xfrm>
-            <a:off x="9634456" y="1561220"/>
-            <a:ext cx="2243179" cy="683394"/>
-          </a:xfrm>
-          <a:prstGeom prst="rect">
-            <a:avLst/>
-          </a:prstGeom>
-          <a:solidFill>
-            <a:schemeClr val="accent5"/>
-          </a:solidFill>
-          <a:ln>
-            <a:noFill/>
-          </a:ln>
-        </p:spPr>
-        <p:style>
-          <a:lnRef idx="2">
-            <a:schemeClr val="accent1">
-              <a:shade val="50000"/>
-            </a:schemeClr>
-          </a:lnRef>
-          <a:fillRef idx="1">
-            <a:schemeClr val="accent1"/>
-          </a:fillRef>
-          <a:effectRef idx="0">
-            <a:schemeClr val="accent1"/>
-          </a:effectRef>
-          <a:fontRef idx="minor">
-            <a:schemeClr val="lt1"/>
-          </a:fontRef>
-        </p:style>
-        <p:txBody>
-          <a:bodyPr rtlCol="0" anchor="ctr"/>
-          <a:lstStyle/>
-          <a:p>
-            <a:pPr algn="ctr"/>
-            <a:r>
-              <a:rPr lang="en-US" b="1" dirty="0"/>
-              <a:t>TCP/UDP</a:t>
-            </a:r>
-          </a:p>
-        </p:txBody>
-      </p:sp>
-      <p:sp>
-        <p:nvSpPr>
-          <p:cNvPr id="32" name="Rectangle 31">
-            <a:extLst>
-              <a:ext uri="{FF2B5EF4-FFF2-40B4-BE49-F238E27FC236}">
-                <a16:creationId xmlns:a16="http://schemas.microsoft.com/office/drawing/2014/main" id="{DFA7537B-09DE-E54E-B914-AF2329D487D6}"/>
-              </a:ext>
-            </a:extLst>
-          </p:cNvPr>
-          <p:cNvSpPr/>
-          <p:nvPr/>
-        </p:nvSpPr>
-        <p:spPr>
-          <a:xfrm>
-            <a:off x="9634456" y="2424286"/>
-            <a:ext cx="2243180" cy="683394"/>
-          </a:xfrm>
-          <a:prstGeom prst="rect">
-            <a:avLst/>
-          </a:prstGeom>
-          <a:solidFill>
-            <a:schemeClr val="accent4"/>
-          </a:solidFill>
-          <a:ln>
-            <a:noFill/>
-          </a:ln>
-        </p:spPr>
-        <p:style>
-          <a:lnRef idx="2">
-            <a:schemeClr val="accent1">
-              <a:shade val="50000"/>
-            </a:schemeClr>
-          </a:lnRef>
-          <a:fillRef idx="1">
-            <a:schemeClr val="accent1"/>
-          </a:fillRef>
-          <a:effectRef idx="0">
-            <a:schemeClr val="accent1"/>
-          </a:effectRef>
-          <a:fontRef idx="minor">
-            <a:schemeClr val="lt1"/>
-          </a:fontRef>
-        </p:style>
-        <p:txBody>
-          <a:bodyPr rtlCol="0" anchor="ctr"/>
-          <a:lstStyle/>
-          <a:p>
-            <a:pPr algn="ctr"/>
-            <a:r>
-              <a:rPr lang="en-US" b="1" dirty="0"/>
-              <a:t>IP</a:t>
-            </a:r>
-          </a:p>
-        </p:txBody>
-      </p:sp>
-      <p:sp>
-        <p:nvSpPr>
-          <p:cNvPr id="33" name="Rectangle 32">
-            <a:extLst>
-              <a:ext uri="{FF2B5EF4-FFF2-40B4-BE49-F238E27FC236}">
-                <a16:creationId xmlns:a16="http://schemas.microsoft.com/office/drawing/2014/main" id="{007E61C3-A812-5C42-91EF-9551FCDA7BC7}"/>
-              </a:ext>
-            </a:extLst>
-          </p:cNvPr>
-          <p:cNvSpPr/>
-          <p:nvPr/>
-        </p:nvSpPr>
-        <p:spPr>
-          <a:xfrm>
-            <a:off x="9634454" y="3287352"/>
-            <a:ext cx="2243181" cy="683394"/>
-          </a:xfrm>
-          <a:prstGeom prst="rect">
-            <a:avLst/>
-          </a:prstGeom>
-          <a:solidFill>
-            <a:schemeClr val="accent4"/>
-          </a:solidFill>
-          <a:ln>
-            <a:noFill/>
-          </a:ln>
-        </p:spPr>
-        <p:style>
-          <a:lnRef idx="2">
-            <a:schemeClr val="accent1">
-              <a:shade val="50000"/>
-            </a:schemeClr>
-          </a:lnRef>
-          <a:fillRef idx="1">
-            <a:schemeClr val="accent1"/>
-          </a:fillRef>
-          <a:effectRef idx="0">
-            <a:schemeClr val="accent1"/>
-          </a:effectRef>
-          <a:fontRef idx="minor">
-            <a:schemeClr val="lt1"/>
-          </a:fontRef>
-        </p:style>
-        <p:txBody>
-          <a:bodyPr rtlCol="0" anchor="ctr"/>
-          <a:lstStyle/>
-          <a:p>
-            <a:pPr algn="ctr"/>
-            <a:r>
-              <a:rPr lang="ja-JP" altLang="en-US" b="1"/>
-              <a:t>イーサネット</a:t>
-            </a:r>
-            <a:endParaRPr lang="en-US" b="1" dirty="0"/>
-          </a:p>
-        </p:txBody>
-      </p:sp>
-      <p:sp>
-        <p:nvSpPr>
-          <p:cNvPr id="34" name="Rectangle 33">
-            <a:extLst>
-              <a:ext uri="{FF2B5EF4-FFF2-40B4-BE49-F238E27FC236}">
-                <a16:creationId xmlns:a16="http://schemas.microsoft.com/office/drawing/2014/main" id="{7D329B58-E37F-A848-913B-E75CAC0709A8}"/>
-              </a:ext>
-            </a:extLst>
-          </p:cNvPr>
-          <p:cNvSpPr/>
-          <p:nvPr/>
-        </p:nvSpPr>
-        <p:spPr>
-          <a:xfrm>
-            <a:off x="9634454" y="4150418"/>
-            <a:ext cx="2243181" cy="683394"/>
+            <a:off x="356507" y="539016"/>
+            <a:ext cx="2690891" cy="5409418"/>
           </a:xfrm>
           <a:prstGeom prst="rect">
             <a:avLst/>
@@ -16090,6 +15607,1201 @@
           <a:lstStyle/>
           <a:p>
             <a:pPr algn="ctr"/>
+            <a:endParaRPr lang="en-US" b="1" dirty="0"/>
+          </a:p>
+        </p:txBody>
+      </p:sp>
+      <p:sp>
+        <p:nvSpPr>
+          <p:cNvPr id="24" name="Right Arrow 23">
+            <a:extLst>
+              <a:ext uri="{FF2B5EF4-FFF2-40B4-BE49-F238E27FC236}">
+                <a16:creationId xmlns:a16="http://schemas.microsoft.com/office/drawing/2014/main" id="{B5E3FC2B-EC33-B646-BFF3-08828D5703D0}"/>
+              </a:ext>
+            </a:extLst>
+          </p:cNvPr>
+          <p:cNvSpPr/>
+          <p:nvPr/>
+        </p:nvSpPr>
+        <p:spPr>
+          <a:xfrm flipH="1">
+            <a:off x="4301618" y="4372057"/>
+            <a:ext cx="756471" cy="369617"/>
+          </a:xfrm>
+          <a:prstGeom prst="rightArrow">
+            <a:avLst/>
+          </a:prstGeom>
+          <a:ln>
+            <a:noFill/>
+          </a:ln>
+        </p:spPr>
+        <p:style>
+          <a:lnRef idx="2">
+            <a:schemeClr val="accent1">
+              <a:shade val="50000"/>
+            </a:schemeClr>
+          </a:lnRef>
+          <a:fillRef idx="1">
+            <a:schemeClr val="accent1"/>
+          </a:fillRef>
+          <a:effectRef idx="0">
+            <a:schemeClr val="accent1"/>
+          </a:effectRef>
+          <a:fontRef idx="minor">
+            <a:schemeClr val="lt1"/>
+          </a:fontRef>
+        </p:style>
+        <p:txBody>
+          <a:bodyPr rtlCol="0" anchor="ctr"/>
+          <a:lstStyle/>
+          <a:p>
+            <a:pPr algn="ctr"/>
+            <a:endParaRPr lang="en-US" b="1"/>
+          </a:p>
+        </p:txBody>
+      </p:sp>
+      <p:sp>
+        <p:nvSpPr>
+          <p:cNvPr id="8" name="Rectangle 7">
+            <a:extLst>
+              <a:ext uri="{FF2B5EF4-FFF2-40B4-BE49-F238E27FC236}">
+                <a16:creationId xmlns:a16="http://schemas.microsoft.com/office/drawing/2014/main" id="{E0CD8F93-3DA1-4F44-BF40-AC503B040EFD}"/>
+              </a:ext>
+            </a:extLst>
+          </p:cNvPr>
+          <p:cNvSpPr/>
+          <p:nvPr/>
+        </p:nvSpPr>
+        <p:spPr>
+          <a:xfrm>
+            <a:off x="530208" y="648424"/>
+            <a:ext cx="2243178" cy="683394"/>
+          </a:xfrm>
+          <a:prstGeom prst="rect">
+            <a:avLst/>
+          </a:prstGeom>
+          <a:solidFill>
+            <a:schemeClr val="accent5"/>
+          </a:solidFill>
+          <a:ln>
+            <a:noFill/>
+          </a:ln>
+        </p:spPr>
+        <p:style>
+          <a:lnRef idx="2">
+            <a:schemeClr val="accent1">
+              <a:shade val="50000"/>
+            </a:schemeClr>
+          </a:lnRef>
+          <a:fillRef idx="1">
+            <a:schemeClr val="accent1"/>
+          </a:fillRef>
+          <a:effectRef idx="0">
+            <a:schemeClr val="accent1"/>
+          </a:effectRef>
+          <a:fontRef idx="minor">
+            <a:schemeClr val="lt1"/>
+          </a:fontRef>
+        </p:style>
+        <p:txBody>
+          <a:bodyPr rtlCol="0" anchor="ctr"/>
+          <a:lstStyle/>
+          <a:p>
+            <a:pPr algn="ctr"/>
+            <a:r>
+              <a:rPr lang="ja-JP" altLang="en-US" b="1"/>
+              <a:t>アプリケーション</a:t>
+            </a:r>
+            <a:endParaRPr lang="en-US" altLang="ja-JP" b="1" dirty="0"/>
+          </a:p>
+          <a:p>
+            <a:pPr algn="ctr"/>
+            <a:r>
+              <a:rPr lang="en-US" altLang="ja-JP" b="1" dirty="0"/>
+              <a:t>(</a:t>
+            </a:r>
+            <a:r>
+              <a:rPr lang="ja-JP" altLang="en-US" b="1"/>
+              <a:t>ブラウザ</a:t>
+            </a:r>
+            <a:r>
+              <a:rPr lang="en-US" altLang="ja-JP" b="1" dirty="0"/>
+              <a:t>)</a:t>
+            </a:r>
+            <a:endParaRPr lang="en-US" b="1" dirty="0"/>
+          </a:p>
+        </p:txBody>
+      </p:sp>
+      <p:sp>
+        <p:nvSpPr>
+          <p:cNvPr id="9" name="Rectangle 8">
+            <a:extLst>
+              <a:ext uri="{FF2B5EF4-FFF2-40B4-BE49-F238E27FC236}">
+                <a16:creationId xmlns:a16="http://schemas.microsoft.com/office/drawing/2014/main" id="{8A58059C-8E88-E84D-9F33-865F4F7EC6D0}"/>
+              </a:ext>
+            </a:extLst>
+          </p:cNvPr>
+          <p:cNvSpPr/>
+          <p:nvPr/>
+        </p:nvSpPr>
+        <p:spPr>
+          <a:xfrm>
+            <a:off x="530207" y="1561220"/>
+            <a:ext cx="2243179" cy="683394"/>
+          </a:xfrm>
+          <a:prstGeom prst="rect">
+            <a:avLst/>
+          </a:prstGeom>
+          <a:solidFill>
+            <a:schemeClr val="accent5"/>
+          </a:solidFill>
+          <a:ln>
+            <a:noFill/>
+          </a:ln>
+        </p:spPr>
+        <p:style>
+          <a:lnRef idx="2">
+            <a:schemeClr val="accent1">
+              <a:shade val="50000"/>
+            </a:schemeClr>
+          </a:lnRef>
+          <a:fillRef idx="1">
+            <a:schemeClr val="accent1"/>
+          </a:fillRef>
+          <a:effectRef idx="0">
+            <a:schemeClr val="accent1"/>
+          </a:effectRef>
+          <a:fontRef idx="minor">
+            <a:schemeClr val="lt1"/>
+          </a:fontRef>
+        </p:style>
+        <p:txBody>
+          <a:bodyPr rtlCol="0" anchor="ctr"/>
+          <a:lstStyle/>
+          <a:p>
+            <a:pPr algn="ctr"/>
+            <a:r>
+              <a:rPr lang="en-US" b="1" dirty="0"/>
+              <a:t>TCP/UDP</a:t>
+            </a:r>
+          </a:p>
+        </p:txBody>
+      </p:sp>
+      <p:sp>
+        <p:nvSpPr>
+          <p:cNvPr id="10" name="Rectangle 9">
+            <a:extLst>
+              <a:ext uri="{FF2B5EF4-FFF2-40B4-BE49-F238E27FC236}">
+                <a16:creationId xmlns:a16="http://schemas.microsoft.com/office/drawing/2014/main" id="{7190386D-3DCA-AE48-97C8-AE33746C9BC0}"/>
+              </a:ext>
+            </a:extLst>
+          </p:cNvPr>
+          <p:cNvSpPr/>
+          <p:nvPr/>
+        </p:nvSpPr>
+        <p:spPr>
+          <a:xfrm>
+            <a:off x="530207" y="2424286"/>
+            <a:ext cx="2243180" cy="683394"/>
+          </a:xfrm>
+          <a:prstGeom prst="rect">
+            <a:avLst/>
+          </a:prstGeom>
+          <a:solidFill>
+            <a:schemeClr val="accent3"/>
+          </a:solidFill>
+          <a:ln>
+            <a:noFill/>
+          </a:ln>
+        </p:spPr>
+        <p:style>
+          <a:lnRef idx="2">
+            <a:schemeClr val="accent1">
+              <a:shade val="50000"/>
+            </a:schemeClr>
+          </a:lnRef>
+          <a:fillRef idx="1">
+            <a:schemeClr val="accent1"/>
+          </a:fillRef>
+          <a:effectRef idx="0">
+            <a:schemeClr val="accent1"/>
+          </a:effectRef>
+          <a:fontRef idx="minor">
+            <a:schemeClr val="lt1"/>
+          </a:fontRef>
+        </p:style>
+        <p:txBody>
+          <a:bodyPr rtlCol="0" anchor="ctr"/>
+          <a:lstStyle/>
+          <a:p>
+            <a:pPr algn="ctr"/>
+            <a:r>
+              <a:rPr lang="en-US" b="1" dirty="0"/>
+              <a:t>IP</a:t>
+            </a:r>
+          </a:p>
+        </p:txBody>
+      </p:sp>
+      <p:sp>
+        <p:nvSpPr>
+          <p:cNvPr id="11" name="Rectangle 10">
+            <a:extLst>
+              <a:ext uri="{FF2B5EF4-FFF2-40B4-BE49-F238E27FC236}">
+                <a16:creationId xmlns:a16="http://schemas.microsoft.com/office/drawing/2014/main" id="{5E4418B1-217F-774A-8308-A391EA5ADC3D}"/>
+              </a:ext>
+            </a:extLst>
+          </p:cNvPr>
+          <p:cNvSpPr/>
+          <p:nvPr/>
+        </p:nvSpPr>
+        <p:spPr>
+          <a:xfrm>
+            <a:off x="530205" y="3287352"/>
+            <a:ext cx="2243181" cy="683394"/>
+          </a:xfrm>
+          <a:prstGeom prst="rect">
+            <a:avLst/>
+          </a:prstGeom>
+          <a:solidFill>
+            <a:schemeClr val="accent3"/>
+          </a:solidFill>
+          <a:ln>
+            <a:noFill/>
+          </a:ln>
+        </p:spPr>
+        <p:style>
+          <a:lnRef idx="2">
+            <a:schemeClr val="accent1">
+              <a:shade val="50000"/>
+            </a:schemeClr>
+          </a:lnRef>
+          <a:fillRef idx="1">
+            <a:schemeClr val="accent1"/>
+          </a:fillRef>
+          <a:effectRef idx="0">
+            <a:schemeClr val="accent1"/>
+          </a:effectRef>
+          <a:fontRef idx="minor">
+            <a:schemeClr val="lt1"/>
+          </a:fontRef>
+        </p:style>
+        <p:txBody>
+          <a:bodyPr rtlCol="0" anchor="ctr"/>
+          <a:lstStyle/>
+          <a:p>
+            <a:pPr algn="ctr"/>
+            <a:r>
+              <a:rPr lang="ja-JP" altLang="en-US" b="1"/>
+              <a:t>イーサネット</a:t>
+            </a:r>
+            <a:endParaRPr lang="en-US" b="1" dirty="0"/>
+          </a:p>
+        </p:txBody>
+      </p:sp>
+      <p:sp>
+        <p:nvSpPr>
+          <p:cNvPr id="12" name="Rectangle 11">
+            <a:extLst>
+              <a:ext uri="{FF2B5EF4-FFF2-40B4-BE49-F238E27FC236}">
+                <a16:creationId xmlns:a16="http://schemas.microsoft.com/office/drawing/2014/main" id="{C3943D1B-6FF9-D245-80B3-D04E154E948E}"/>
+              </a:ext>
+            </a:extLst>
+          </p:cNvPr>
+          <p:cNvSpPr/>
+          <p:nvPr/>
+        </p:nvSpPr>
+        <p:spPr>
+          <a:xfrm>
+            <a:off x="530205" y="4150418"/>
+            <a:ext cx="2243181" cy="683394"/>
+          </a:xfrm>
+          <a:prstGeom prst="rect">
+            <a:avLst/>
+          </a:prstGeom>
+          <a:solidFill>
+            <a:schemeClr val="tx1"/>
+          </a:solidFill>
+          <a:ln>
+            <a:noFill/>
+          </a:ln>
+        </p:spPr>
+        <p:style>
+          <a:lnRef idx="2">
+            <a:schemeClr val="accent1">
+              <a:shade val="50000"/>
+            </a:schemeClr>
+          </a:lnRef>
+          <a:fillRef idx="1">
+            <a:schemeClr val="accent1"/>
+          </a:fillRef>
+          <a:effectRef idx="0">
+            <a:schemeClr val="accent1"/>
+          </a:effectRef>
+          <a:fontRef idx="minor">
+            <a:schemeClr val="lt1"/>
+          </a:fontRef>
+        </p:style>
+        <p:txBody>
+          <a:bodyPr rtlCol="0" anchor="ctr"/>
+          <a:lstStyle/>
+          <a:p>
+            <a:pPr algn="ctr"/>
+            <a:r>
+              <a:rPr lang="ja-JP" altLang="en-US" b="1"/>
+              <a:t>物理</a:t>
+            </a:r>
+            <a:r>
+              <a:rPr lang="en-US" altLang="ja-JP" b="1" dirty="0"/>
+              <a:t>(</a:t>
+            </a:r>
+            <a:r>
+              <a:rPr lang="ja-JP" altLang="en-US" b="1"/>
+              <a:t>電気信号</a:t>
+            </a:r>
+            <a:r>
+              <a:rPr lang="en-US" altLang="ja-JP" b="1" dirty="0"/>
+              <a:t>)</a:t>
+            </a:r>
+            <a:endParaRPr lang="en-US" b="1" dirty="0"/>
+          </a:p>
+        </p:txBody>
+      </p:sp>
+      <p:sp>
+        <p:nvSpPr>
+          <p:cNvPr id="18" name="Cloud 17">
+            <a:extLst>
+              <a:ext uri="{FF2B5EF4-FFF2-40B4-BE49-F238E27FC236}">
+                <a16:creationId xmlns:a16="http://schemas.microsoft.com/office/drawing/2014/main" id="{1FE5188B-5597-A34B-A780-E3797BB5E7E8}"/>
+              </a:ext>
+            </a:extLst>
+          </p:cNvPr>
+          <p:cNvSpPr/>
+          <p:nvPr/>
+        </p:nvSpPr>
+        <p:spPr>
+          <a:xfrm>
+            <a:off x="4706572" y="4938915"/>
+            <a:ext cx="2794928" cy="1213271"/>
+          </a:xfrm>
+          <a:prstGeom prst="cloud">
+            <a:avLst/>
+          </a:prstGeom>
+          <a:solidFill>
+            <a:schemeClr val="bg2"/>
+          </a:solidFill>
+          <a:ln>
+            <a:noFill/>
+          </a:ln>
+        </p:spPr>
+        <p:style>
+          <a:lnRef idx="2">
+            <a:schemeClr val="accent1">
+              <a:shade val="50000"/>
+            </a:schemeClr>
+          </a:lnRef>
+          <a:fillRef idx="1">
+            <a:schemeClr val="accent1"/>
+          </a:fillRef>
+          <a:effectRef idx="0">
+            <a:schemeClr val="accent1"/>
+          </a:effectRef>
+          <a:fontRef idx="minor">
+            <a:schemeClr val="lt1"/>
+          </a:fontRef>
+        </p:style>
+        <p:txBody>
+          <a:bodyPr rtlCol="0" anchor="ctr"/>
+          <a:lstStyle/>
+          <a:p>
+            <a:pPr algn="ctr"/>
+            <a:endParaRPr lang="en-US"/>
+          </a:p>
+        </p:txBody>
+      </p:sp>
+      <p:sp>
+        <p:nvSpPr>
+          <p:cNvPr id="20" name="Rectangle 19">
+            <a:extLst>
+              <a:ext uri="{FF2B5EF4-FFF2-40B4-BE49-F238E27FC236}">
+                <a16:creationId xmlns:a16="http://schemas.microsoft.com/office/drawing/2014/main" id="{74742951-E021-2244-AA76-8A022F4803D7}"/>
+              </a:ext>
+            </a:extLst>
+          </p:cNvPr>
+          <p:cNvSpPr/>
+          <p:nvPr/>
+        </p:nvSpPr>
+        <p:spPr>
+          <a:xfrm>
+            <a:off x="4873205" y="4311391"/>
+            <a:ext cx="656616" cy="468279"/>
+          </a:xfrm>
+          <a:prstGeom prst="rect">
+            <a:avLst/>
+          </a:prstGeom>
+          <a:solidFill>
+            <a:schemeClr val="accent3"/>
+          </a:solidFill>
+          <a:ln w="38100">
+            <a:solidFill>
+              <a:schemeClr val="bg1"/>
+            </a:solidFill>
+          </a:ln>
+        </p:spPr>
+        <p:style>
+          <a:lnRef idx="2">
+            <a:schemeClr val="accent1">
+              <a:shade val="50000"/>
+            </a:schemeClr>
+          </a:lnRef>
+          <a:fillRef idx="1">
+            <a:schemeClr val="accent1"/>
+          </a:fillRef>
+          <a:effectRef idx="0">
+            <a:schemeClr val="accent1"/>
+          </a:effectRef>
+          <a:fontRef idx="minor">
+            <a:schemeClr val="lt1"/>
+          </a:fontRef>
+        </p:style>
+        <p:txBody>
+          <a:bodyPr rtlCol="0" anchor="ctr"/>
+          <a:lstStyle/>
+          <a:p>
+            <a:pPr algn="ctr"/>
+            <a:r>
+              <a:rPr lang="en-US" b="1" dirty="0">
+                <a:solidFill>
+                  <a:schemeClr val="bg1"/>
+                </a:solidFill>
+              </a:rPr>
+              <a:t>Eth</a:t>
+            </a:r>
+          </a:p>
+        </p:txBody>
+      </p:sp>
+      <p:sp>
+        <p:nvSpPr>
+          <p:cNvPr id="21" name="Rectangle 20">
+            <a:extLst>
+              <a:ext uri="{FF2B5EF4-FFF2-40B4-BE49-F238E27FC236}">
+                <a16:creationId xmlns:a16="http://schemas.microsoft.com/office/drawing/2014/main" id="{5557C34C-B86D-B843-820D-A7D5490A5ABF}"/>
+              </a:ext>
+            </a:extLst>
+          </p:cNvPr>
+          <p:cNvSpPr/>
+          <p:nvPr/>
+        </p:nvSpPr>
+        <p:spPr>
+          <a:xfrm>
+            <a:off x="5529821" y="4311391"/>
+            <a:ext cx="656616" cy="468279"/>
+          </a:xfrm>
+          <a:prstGeom prst="rect">
+            <a:avLst/>
+          </a:prstGeom>
+          <a:solidFill>
+            <a:schemeClr val="accent3"/>
+          </a:solidFill>
+          <a:ln w="38100">
+            <a:solidFill>
+              <a:schemeClr val="bg1"/>
+            </a:solidFill>
+          </a:ln>
+        </p:spPr>
+        <p:style>
+          <a:lnRef idx="2">
+            <a:schemeClr val="accent1">
+              <a:shade val="50000"/>
+            </a:schemeClr>
+          </a:lnRef>
+          <a:fillRef idx="1">
+            <a:schemeClr val="accent1"/>
+          </a:fillRef>
+          <a:effectRef idx="0">
+            <a:schemeClr val="accent1"/>
+          </a:effectRef>
+          <a:fontRef idx="minor">
+            <a:schemeClr val="lt1"/>
+          </a:fontRef>
+        </p:style>
+        <p:txBody>
+          <a:bodyPr rtlCol="0" anchor="ctr"/>
+          <a:lstStyle/>
+          <a:p>
+            <a:pPr algn="ctr"/>
+            <a:r>
+              <a:rPr lang="en-US" b="1" dirty="0">
+                <a:solidFill>
+                  <a:schemeClr val="bg1"/>
+                </a:solidFill>
+              </a:rPr>
+              <a:t>IP</a:t>
+            </a:r>
+          </a:p>
+        </p:txBody>
+      </p:sp>
+      <p:sp>
+        <p:nvSpPr>
+          <p:cNvPr id="22" name="Rectangle 21">
+            <a:extLst>
+              <a:ext uri="{FF2B5EF4-FFF2-40B4-BE49-F238E27FC236}">
+                <a16:creationId xmlns:a16="http://schemas.microsoft.com/office/drawing/2014/main" id="{8FF8D7E1-6788-0949-BCCE-FF59CEAE6443}"/>
+              </a:ext>
+            </a:extLst>
+          </p:cNvPr>
+          <p:cNvSpPr/>
+          <p:nvPr/>
+        </p:nvSpPr>
+        <p:spPr>
+          <a:xfrm>
+            <a:off x="6181689" y="4311391"/>
+            <a:ext cx="656616" cy="468279"/>
+          </a:xfrm>
+          <a:prstGeom prst="rect">
+            <a:avLst/>
+          </a:prstGeom>
+          <a:solidFill>
+            <a:schemeClr val="accent5"/>
+          </a:solidFill>
+          <a:ln w="38100">
+            <a:solidFill>
+              <a:schemeClr val="bg1"/>
+            </a:solidFill>
+          </a:ln>
+        </p:spPr>
+        <p:style>
+          <a:lnRef idx="2">
+            <a:schemeClr val="accent1">
+              <a:shade val="50000"/>
+            </a:schemeClr>
+          </a:lnRef>
+          <a:fillRef idx="1">
+            <a:schemeClr val="accent1"/>
+          </a:fillRef>
+          <a:effectRef idx="0">
+            <a:schemeClr val="accent1"/>
+          </a:effectRef>
+          <a:fontRef idx="minor">
+            <a:schemeClr val="lt1"/>
+          </a:fontRef>
+        </p:style>
+        <p:txBody>
+          <a:bodyPr rtlCol="0" anchor="ctr"/>
+          <a:lstStyle/>
+          <a:p>
+            <a:pPr algn="ctr"/>
+            <a:r>
+              <a:rPr lang="en-US" b="1" dirty="0">
+                <a:solidFill>
+                  <a:schemeClr val="bg1"/>
+                </a:solidFill>
+              </a:rPr>
+              <a:t>TCP</a:t>
+            </a:r>
+          </a:p>
+        </p:txBody>
+      </p:sp>
+      <p:sp>
+        <p:nvSpPr>
+          <p:cNvPr id="23" name="Rectangle 22">
+            <a:extLst>
+              <a:ext uri="{FF2B5EF4-FFF2-40B4-BE49-F238E27FC236}">
+                <a16:creationId xmlns:a16="http://schemas.microsoft.com/office/drawing/2014/main" id="{B711D584-CB8C-1E44-BD9D-3095E6C43ABD}"/>
+              </a:ext>
+            </a:extLst>
+          </p:cNvPr>
+          <p:cNvSpPr/>
+          <p:nvPr/>
+        </p:nvSpPr>
+        <p:spPr>
+          <a:xfrm>
+            <a:off x="6838305" y="3731134"/>
+            <a:ext cx="877498" cy="1048535"/>
+          </a:xfrm>
+          <a:prstGeom prst="rect">
+            <a:avLst/>
+          </a:prstGeom>
+          <a:solidFill>
+            <a:schemeClr val="accent5"/>
+          </a:solidFill>
+          <a:ln w="38100">
+            <a:solidFill>
+              <a:schemeClr val="bg1"/>
+            </a:solidFill>
+          </a:ln>
+        </p:spPr>
+        <p:style>
+          <a:lnRef idx="2">
+            <a:schemeClr val="accent1">
+              <a:shade val="50000"/>
+            </a:schemeClr>
+          </a:lnRef>
+          <a:fillRef idx="1">
+            <a:schemeClr val="accent1"/>
+          </a:fillRef>
+          <a:effectRef idx="0">
+            <a:schemeClr val="accent1"/>
+          </a:effectRef>
+          <a:fontRef idx="minor">
+            <a:schemeClr val="lt1"/>
+          </a:fontRef>
+        </p:style>
+        <p:txBody>
+          <a:bodyPr rtlCol="0" anchor="ctr"/>
+          <a:lstStyle/>
+          <a:p>
+            <a:pPr algn="ctr"/>
+            <a:endParaRPr lang="en-US" b="1" dirty="0">
+              <a:solidFill>
+                <a:schemeClr val="bg1"/>
+              </a:solidFill>
+            </a:endParaRPr>
+          </a:p>
+          <a:p>
+            <a:pPr algn="ctr"/>
+            <a:endParaRPr lang="en-US" b="1" dirty="0">
+              <a:solidFill>
+                <a:schemeClr val="bg1"/>
+              </a:solidFill>
+            </a:endParaRPr>
+          </a:p>
+          <a:p>
+            <a:pPr algn="ctr"/>
+            <a:r>
+              <a:rPr lang="en-US" b="1" dirty="0">
+                <a:solidFill>
+                  <a:schemeClr val="bg1"/>
+                </a:solidFill>
+              </a:rPr>
+              <a:t>DATA</a:t>
+            </a:r>
+          </a:p>
+        </p:txBody>
+      </p:sp>
+      <p:sp>
+        <p:nvSpPr>
+          <p:cNvPr id="25" name="Left Brace 24">
+            <a:extLst>
+              <a:ext uri="{FF2B5EF4-FFF2-40B4-BE49-F238E27FC236}">
+                <a16:creationId xmlns:a16="http://schemas.microsoft.com/office/drawing/2014/main" id="{DE25DBF8-A169-9A43-ADBC-CF3962836C8C}"/>
+              </a:ext>
+            </a:extLst>
+          </p:cNvPr>
+          <p:cNvSpPr/>
+          <p:nvPr/>
+        </p:nvSpPr>
+        <p:spPr>
+          <a:xfrm rot="5400000">
+            <a:off x="6767581" y="2746469"/>
+            <a:ext cx="323560" cy="1366787"/>
+          </a:xfrm>
+          <a:prstGeom prst="leftBrace">
+            <a:avLst/>
+          </a:prstGeom>
+          <a:ln w="28575">
+            <a:solidFill>
+              <a:schemeClr val="tx1"/>
+            </a:solidFill>
+          </a:ln>
+        </p:spPr>
+        <p:style>
+          <a:lnRef idx="1">
+            <a:schemeClr val="accent1"/>
+          </a:lnRef>
+          <a:fillRef idx="0">
+            <a:schemeClr val="accent1"/>
+          </a:fillRef>
+          <a:effectRef idx="0">
+            <a:schemeClr val="accent1"/>
+          </a:effectRef>
+          <a:fontRef idx="minor">
+            <a:schemeClr val="tx1"/>
+          </a:fontRef>
+        </p:style>
+        <p:txBody>
+          <a:bodyPr rtlCol="0" anchor="ctr"/>
+          <a:lstStyle/>
+          <a:p>
+            <a:pPr algn="ctr"/>
+            <a:endParaRPr lang="en-US" b="1"/>
+          </a:p>
+        </p:txBody>
+      </p:sp>
+      <p:sp>
+        <p:nvSpPr>
+          <p:cNvPr id="26" name="TextBox 25">
+            <a:extLst>
+              <a:ext uri="{FF2B5EF4-FFF2-40B4-BE49-F238E27FC236}">
+                <a16:creationId xmlns:a16="http://schemas.microsoft.com/office/drawing/2014/main" id="{DA64D24E-0D2E-C74C-BC43-E539FE4191F3}"/>
+              </a:ext>
+            </a:extLst>
+          </p:cNvPr>
+          <p:cNvSpPr txBox="1"/>
+          <p:nvPr/>
+        </p:nvSpPr>
+        <p:spPr>
+          <a:xfrm>
+            <a:off x="4388471" y="3370305"/>
+            <a:ext cx="1723549" cy="461665"/>
+          </a:xfrm>
+          <a:prstGeom prst="rect">
+            <a:avLst/>
+          </a:prstGeom>
+          <a:noFill/>
+        </p:spPr>
+        <p:txBody>
+          <a:bodyPr wrap="none" rtlCol="0">
+            <a:spAutoFit/>
+          </a:bodyPr>
+          <a:lstStyle/>
+          <a:p>
+            <a:r>
+              <a:rPr lang="ja-JP" altLang="en-US" sz="2400" b="1">
+                <a:solidFill>
+                  <a:schemeClr val="accent3"/>
+                </a:solidFill>
+              </a:rPr>
+              <a:t>転送に利用</a:t>
+            </a:r>
+            <a:endParaRPr lang="en-US" sz="2400" b="1" dirty="0">
+              <a:solidFill>
+                <a:schemeClr val="accent3"/>
+              </a:solidFill>
+            </a:endParaRPr>
+          </a:p>
+        </p:txBody>
+      </p:sp>
+      <p:sp>
+        <p:nvSpPr>
+          <p:cNvPr id="27" name="Left Brace 26">
+            <a:extLst>
+              <a:ext uri="{FF2B5EF4-FFF2-40B4-BE49-F238E27FC236}">
+                <a16:creationId xmlns:a16="http://schemas.microsoft.com/office/drawing/2014/main" id="{DFD2A80F-E530-6048-9154-DA0A6749C427}"/>
+              </a:ext>
+            </a:extLst>
+          </p:cNvPr>
+          <p:cNvSpPr/>
+          <p:nvPr/>
+        </p:nvSpPr>
+        <p:spPr>
+          <a:xfrm rot="5400000">
+            <a:off x="5352431" y="3463722"/>
+            <a:ext cx="323560" cy="1155033"/>
+          </a:xfrm>
+          <a:prstGeom prst="leftBrace">
+            <a:avLst/>
+          </a:prstGeom>
+          <a:ln w="28575">
+            <a:solidFill>
+              <a:schemeClr val="tx1"/>
+            </a:solidFill>
+          </a:ln>
+        </p:spPr>
+        <p:style>
+          <a:lnRef idx="1">
+            <a:schemeClr val="accent1"/>
+          </a:lnRef>
+          <a:fillRef idx="0">
+            <a:schemeClr val="accent1"/>
+          </a:fillRef>
+          <a:effectRef idx="0">
+            <a:schemeClr val="accent1"/>
+          </a:effectRef>
+          <a:fontRef idx="minor">
+            <a:schemeClr val="tx1"/>
+          </a:fontRef>
+        </p:style>
+        <p:txBody>
+          <a:bodyPr rtlCol="0" anchor="ctr"/>
+          <a:lstStyle/>
+          <a:p>
+            <a:pPr algn="ctr"/>
+            <a:endParaRPr lang="en-US" b="1"/>
+          </a:p>
+        </p:txBody>
+      </p:sp>
+      <p:sp>
+        <p:nvSpPr>
+          <p:cNvPr id="28" name="TextBox 27">
+            <a:extLst>
+              <a:ext uri="{FF2B5EF4-FFF2-40B4-BE49-F238E27FC236}">
+                <a16:creationId xmlns:a16="http://schemas.microsoft.com/office/drawing/2014/main" id="{A91D5EFB-F699-F24D-B131-F0CCB17D79B9}"/>
+              </a:ext>
+            </a:extLst>
+          </p:cNvPr>
+          <p:cNvSpPr txBox="1"/>
+          <p:nvPr/>
+        </p:nvSpPr>
+        <p:spPr>
+          <a:xfrm>
+            <a:off x="5957400" y="2779744"/>
+            <a:ext cx="2031325" cy="461665"/>
+          </a:xfrm>
+          <a:prstGeom prst="rect">
+            <a:avLst/>
+          </a:prstGeom>
+          <a:noFill/>
+        </p:spPr>
+        <p:txBody>
+          <a:bodyPr wrap="none" rtlCol="0">
+            <a:spAutoFit/>
+          </a:bodyPr>
+          <a:lstStyle/>
+          <a:p>
+            <a:r>
+              <a:rPr lang="ja-JP" altLang="en-US" sz="2400" b="1">
+                <a:solidFill>
+                  <a:schemeClr val="accent5"/>
+                </a:solidFill>
+              </a:rPr>
+              <a:t>ホストが利用</a:t>
+            </a:r>
+            <a:endParaRPr lang="en-US" sz="2400" b="1" dirty="0">
+              <a:solidFill>
+                <a:schemeClr val="accent5"/>
+              </a:solidFill>
+            </a:endParaRPr>
+          </a:p>
+        </p:txBody>
+      </p:sp>
+      <p:sp>
+        <p:nvSpPr>
+          <p:cNvPr id="29" name="Right Arrow 28">
+            <a:extLst>
+              <a:ext uri="{FF2B5EF4-FFF2-40B4-BE49-F238E27FC236}">
+                <a16:creationId xmlns:a16="http://schemas.microsoft.com/office/drawing/2014/main" id="{196C8C77-A36C-B44D-B763-2B21E98F170E}"/>
+              </a:ext>
+            </a:extLst>
+          </p:cNvPr>
+          <p:cNvSpPr/>
+          <p:nvPr/>
+        </p:nvSpPr>
+        <p:spPr>
+          <a:xfrm rot="10800000">
+            <a:off x="3332551" y="4938914"/>
+            <a:ext cx="5587193" cy="777749"/>
+          </a:xfrm>
+          <a:prstGeom prst="rightArrow">
+            <a:avLst/>
+          </a:prstGeom>
+          <a:solidFill>
+            <a:schemeClr val="accent3"/>
+          </a:solidFill>
+          <a:ln>
+            <a:noFill/>
+          </a:ln>
+        </p:spPr>
+        <p:style>
+          <a:lnRef idx="2">
+            <a:schemeClr val="accent1">
+              <a:shade val="50000"/>
+            </a:schemeClr>
+          </a:lnRef>
+          <a:fillRef idx="1">
+            <a:schemeClr val="accent1"/>
+          </a:fillRef>
+          <a:effectRef idx="0">
+            <a:schemeClr val="accent1"/>
+          </a:effectRef>
+          <a:fontRef idx="minor">
+            <a:schemeClr val="lt1"/>
+          </a:fontRef>
+        </p:style>
+        <p:txBody>
+          <a:bodyPr rtlCol="0" anchor="ctr"/>
+          <a:lstStyle/>
+          <a:p>
+            <a:pPr algn="ctr"/>
+            <a:endParaRPr lang="en-US" dirty="0"/>
+          </a:p>
+        </p:txBody>
+      </p:sp>
+      <p:sp>
+        <p:nvSpPr>
+          <p:cNvPr id="30" name="Rectangle 29">
+            <a:extLst>
+              <a:ext uri="{FF2B5EF4-FFF2-40B4-BE49-F238E27FC236}">
+                <a16:creationId xmlns:a16="http://schemas.microsoft.com/office/drawing/2014/main" id="{BDE2F6E2-CA48-B548-A2A4-EFA1A44B2050}"/>
+              </a:ext>
+            </a:extLst>
+          </p:cNvPr>
+          <p:cNvSpPr/>
+          <p:nvPr/>
+        </p:nvSpPr>
+        <p:spPr>
+          <a:xfrm>
+            <a:off x="9443261" y="648424"/>
+            <a:ext cx="2243178" cy="683394"/>
+          </a:xfrm>
+          <a:prstGeom prst="rect">
+            <a:avLst/>
+          </a:prstGeom>
+          <a:solidFill>
+            <a:schemeClr val="accent5"/>
+          </a:solidFill>
+          <a:ln>
+            <a:noFill/>
+          </a:ln>
+        </p:spPr>
+        <p:style>
+          <a:lnRef idx="2">
+            <a:schemeClr val="accent1">
+              <a:shade val="50000"/>
+            </a:schemeClr>
+          </a:lnRef>
+          <a:fillRef idx="1">
+            <a:schemeClr val="accent1"/>
+          </a:fillRef>
+          <a:effectRef idx="0">
+            <a:schemeClr val="accent1"/>
+          </a:effectRef>
+          <a:fontRef idx="minor">
+            <a:schemeClr val="lt1"/>
+          </a:fontRef>
+        </p:style>
+        <p:txBody>
+          <a:bodyPr rtlCol="0" anchor="ctr"/>
+          <a:lstStyle/>
+          <a:p>
+            <a:pPr algn="ctr"/>
+            <a:r>
+              <a:rPr lang="ja-JP" altLang="en-US" b="1"/>
+              <a:t>アプリケーション</a:t>
+            </a:r>
+            <a:endParaRPr lang="en-US" altLang="ja-JP" b="1" dirty="0"/>
+          </a:p>
+          <a:p>
+            <a:pPr algn="ctr"/>
+            <a:r>
+              <a:rPr lang="en-US" altLang="ja-JP" b="1" dirty="0"/>
+              <a:t>(Web</a:t>
+            </a:r>
+            <a:r>
+              <a:rPr lang="ja-JP" altLang="en-US" b="1"/>
+              <a:t>サーバー</a:t>
+            </a:r>
+            <a:r>
+              <a:rPr lang="en-US" altLang="ja-JP" b="1" dirty="0"/>
+              <a:t>)</a:t>
+            </a:r>
+            <a:endParaRPr lang="en-US" b="1" dirty="0"/>
+          </a:p>
+        </p:txBody>
+      </p:sp>
+      <p:sp>
+        <p:nvSpPr>
+          <p:cNvPr id="31" name="Rectangle 30">
+            <a:extLst>
+              <a:ext uri="{FF2B5EF4-FFF2-40B4-BE49-F238E27FC236}">
+                <a16:creationId xmlns:a16="http://schemas.microsoft.com/office/drawing/2014/main" id="{C7EF1F65-5007-1641-A7D8-E48EA85D3B6E}"/>
+              </a:ext>
+            </a:extLst>
+          </p:cNvPr>
+          <p:cNvSpPr/>
+          <p:nvPr/>
+        </p:nvSpPr>
+        <p:spPr>
+          <a:xfrm>
+            <a:off x="9443260" y="1561220"/>
+            <a:ext cx="2243179" cy="683394"/>
+          </a:xfrm>
+          <a:prstGeom prst="rect">
+            <a:avLst/>
+          </a:prstGeom>
+          <a:solidFill>
+            <a:schemeClr val="accent5"/>
+          </a:solidFill>
+          <a:ln>
+            <a:noFill/>
+          </a:ln>
+        </p:spPr>
+        <p:style>
+          <a:lnRef idx="2">
+            <a:schemeClr val="accent1">
+              <a:shade val="50000"/>
+            </a:schemeClr>
+          </a:lnRef>
+          <a:fillRef idx="1">
+            <a:schemeClr val="accent1"/>
+          </a:fillRef>
+          <a:effectRef idx="0">
+            <a:schemeClr val="accent1"/>
+          </a:effectRef>
+          <a:fontRef idx="minor">
+            <a:schemeClr val="lt1"/>
+          </a:fontRef>
+        </p:style>
+        <p:txBody>
+          <a:bodyPr rtlCol="0" anchor="ctr"/>
+          <a:lstStyle/>
+          <a:p>
+            <a:pPr algn="ctr"/>
+            <a:r>
+              <a:rPr lang="en-US" b="1" dirty="0"/>
+              <a:t>TCP/UDP</a:t>
+            </a:r>
+          </a:p>
+        </p:txBody>
+      </p:sp>
+      <p:sp>
+        <p:nvSpPr>
+          <p:cNvPr id="32" name="Rectangle 31">
+            <a:extLst>
+              <a:ext uri="{FF2B5EF4-FFF2-40B4-BE49-F238E27FC236}">
+                <a16:creationId xmlns:a16="http://schemas.microsoft.com/office/drawing/2014/main" id="{DFA7537B-09DE-E54E-B914-AF2329D487D6}"/>
+              </a:ext>
+            </a:extLst>
+          </p:cNvPr>
+          <p:cNvSpPr/>
+          <p:nvPr/>
+        </p:nvSpPr>
+        <p:spPr>
+          <a:xfrm>
+            <a:off x="9443260" y="2424286"/>
+            <a:ext cx="2243180" cy="683394"/>
+          </a:xfrm>
+          <a:prstGeom prst="rect">
+            <a:avLst/>
+          </a:prstGeom>
+          <a:solidFill>
+            <a:schemeClr val="accent3"/>
+          </a:solidFill>
+          <a:ln>
+            <a:noFill/>
+          </a:ln>
+        </p:spPr>
+        <p:style>
+          <a:lnRef idx="2">
+            <a:schemeClr val="accent1">
+              <a:shade val="50000"/>
+            </a:schemeClr>
+          </a:lnRef>
+          <a:fillRef idx="1">
+            <a:schemeClr val="accent1"/>
+          </a:fillRef>
+          <a:effectRef idx="0">
+            <a:schemeClr val="accent1"/>
+          </a:effectRef>
+          <a:fontRef idx="minor">
+            <a:schemeClr val="lt1"/>
+          </a:fontRef>
+        </p:style>
+        <p:txBody>
+          <a:bodyPr rtlCol="0" anchor="ctr"/>
+          <a:lstStyle/>
+          <a:p>
+            <a:pPr algn="ctr"/>
+            <a:r>
+              <a:rPr lang="en-US" b="1" dirty="0"/>
+              <a:t>IP</a:t>
+            </a:r>
+          </a:p>
+        </p:txBody>
+      </p:sp>
+      <p:sp>
+        <p:nvSpPr>
+          <p:cNvPr id="33" name="Rectangle 32">
+            <a:extLst>
+              <a:ext uri="{FF2B5EF4-FFF2-40B4-BE49-F238E27FC236}">
+                <a16:creationId xmlns:a16="http://schemas.microsoft.com/office/drawing/2014/main" id="{007E61C3-A812-5C42-91EF-9551FCDA7BC7}"/>
+              </a:ext>
+            </a:extLst>
+          </p:cNvPr>
+          <p:cNvSpPr/>
+          <p:nvPr/>
+        </p:nvSpPr>
+        <p:spPr>
+          <a:xfrm>
+            <a:off x="9443258" y="3287352"/>
+            <a:ext cx="2243181" cy="683394"/>
+          </a:xfrm>
+          <a:prstGeom prst="rect">
+            <a:avLst/>
+          </a:prstGeom>
+          <a:solidFill>
+            <a:schemeClr val="accent3"/>
+          </a:solidFill>
+          <a:ln>
+            <a:noFill/>
+          </a:ln>
+        </p:spPr>
+        <p:style>
+          <a:lnRef idx="2">
+            <a:schemeClr val="accent1">
+              <a:shade val="50000"/>
+            </a:schemeClr>
+          </a:lnRef>
+          <a:fillRef idx="1">
+            <a:schemeClr val="accent1"/>
+          </a:fillRef>
+          <a:effectRef idx="0">
+            <a:schemeClr val="accent1"/>
+          </a:effectRef>
+          <a:fontRef idx="minor">
+            <a:schemeClr val="lt1"/>
+          </a:fontRef>
+        </p:style>
+        <p:txBody>
+          <a:bodyPr rtlCol="0" anchor="ctr"/>
+          <a:lstStyle/>
+          <a:p>
+            <a:pPr algn="ctr"/>
+            <a:r>
+              <a:rPr lang="ja-JP" altLang="en-US" b="1"/>
+              <a:t>イーサネット</a:t>
+            </a:r>
+            <a:endParaRPr lang="en-US" b="1" dirty="0"/>
+          </a:p>
+        </p:txBody>
+      </p:sp>
+      <p:sp>
+        <p:nvSpPr>
+          <p:cNvPr id="34" name="Rectangle 33">
+            <a:extLst>
+              <a:ext uri="{FF2B5EF4-FFF2-40B4-BE49-F238E27FC236}">
+                <a16:creationId xmlns:a16="http://schemas.microsoft.com/office/drawing/2014/main" id="{7D329B58-E37F-A848-913B-E75CAC0709A8}"/>
+              </a:ext>
+            </a:extLst>
+          </p:cNvPr>
+          <p:cNvSpPr/>
+          <p:nvPr/>
+        </p:nvSpPr>
+        <p:spPr>
+          <a:xfrm>
+            <a:off x="9443258" y="4150418"/>
+            <a:ext cx="2243181" cy="683394"/>
+          </a:xfrm>
+          <a:prstGeom prst="rect">
+            <a:avLst/>
+          </a:prstGeom>
+          <a:solidFill>
+            <a:schemeClr val="tx1"/>
+          </a:solidFill>
+          <a:ln>
+            <a:noFill/>
+          </a:ln>
+        </p:spPr>
+        <p:style>
+          <a:lnRef idx="2">
+            <a:schemeClr val="accent1">
+              <a:shade val="50000"/>
+            </a:schemeClr>
+          </a:lnRef>
+          <a:fillRef idx="1">
+            <a:schemeClr val="accent1"/>
+          </a:fillRef>
+          <a:effectRef idx="0">
+            <a:schemeClr val="accent1"/>
+          </a:effectRef>
+          <a:fontRef idx="minor">
+            <a:schemeClr val="lt1"/>
+          </a:fontRef>
+        </p:style>
+        <p:txBody>
+          <a:bodyPr rtlCol="0" anchor="ctr"/>
+          <a:lstStyle/>
+          <a:p>
+            <a:pPr algn="ctr"/>
             <a:r>
               <a:rPr lang="ja-JP" altLang="en-US" b="1"/>
               <a:t>物理</a:t>
@@ -16138,7 +16850,7 @@
         </p:blipFill>
         <p:spPr>
           <a:xfrm>
-            <a:off x="7823985" y="190319"/>
+            <a:off x="6981150" y="390013"/>
             <a:ext cx="1308370" cy="1762973"/>
           </a:xfrm>
           <a:prstGeom prst="rect">
@@ -16160,7 +16872,7 @@
         </p:nvSpPr>
         <p:spPr>
           <a:xfrm>
-            <a:off x="5581061" y="5492334"/>
+            <a:off x="5478768" y="5096956"/>
             <a:ext cx="1495346" cy="461665"/>
           </a:xfrm>
           <a:prstGeom prst="rect">
@@ -16199,7 +16911,7 @@
         </p:nvCxnSpPr>
         <p:spPr>
           <a:xfrm>
-            <a:off x="7478465" y="660298"/>
+            <a:off x="6635630" y="859992"/>
             <a:ext cx="2011680" cy="0"/>
           </a:xfrm>
           <a:prstGeom prst="line">
@@ -16240,7 +16952,7 @@
         </p:nvCxnSpPr>
         <p:spPr>
           <a:xfrm>
-            <a:off x="7472330" y="1052519"/>
+            <a:off x="6629495" y="1252213"/>
             <a:ext cx="2011680" cy="0"/>
           </a:xfrm>
           <a:prstGeom prst="line">
@@ -16281,7 +16993,7 @@
         </p:nvCxnSpPr>
         <p:spPr>
           <a:xfrm>
-            <a:off x="7472330" y="1500581"/>
+            <a:off x="6629495" y="1700275"/>
             <a:ext cx="2011680" cy="0"/>
           </a:xfrm>
           <a:prstGeom prst="line">
@@ -16324,7 +17036,7 @@
         </p:nvCxnSpPr>
         <p:spPr>
           <a:xfrm>
-            <a:off x="8478170" y="50375"/>
+            <a:off x="7635335" y="250069"/>
             <a:ext cx="0" cy="2145751"/>
           </a:xfrm>
           <a:prstGeom prst="line">
@@ -16367,7 +17079,7 @@
         </p:nvCxnSpPr>
         <p:spPr>
           <a:xfrm>
-            <a:off x="7995666" y="98863"/>
+            <a:off x="7215895" y="298557"/>
             <a:ext cx="0" cy="2145751"/>
           </a:xfrm>
           <a:prstGeom prst="line">
@@ -16410,7 +17122,7 @@
         </p:nvCxnSpPr>
         <p:spPr>
           <a:xfrm>
-            <a:off x="8936974" y="149237"/>
+            <a:off x="8094139" y="348931"/>
             <a:ext cx="0" cy="1996560"/>
           </a:xfrm>
           <a:prstGeom prst="line">
@@ -16451,7 +17163,7 @@
         </p:nvSpPr>
         <p:spPr>
           <a:xfrm>
-            <a:off x="7614364" y="190318"/>
+            <a:off x="6771529" y="390012"/>
             <a:ext cx="1727612" cy="1727612"/>
           </a:xfrm>
           <a:prstGeom prst="rect">
@@ -16517,7 +17229,7 @@
         </p:blipFill>
         <p:spPr>
           <a:xfrm>
-            <a:off x="3506383" y="188714"/>
+            <a:off x="4124480" y="388408"/>
             <a:ext cx="1308370" cy="1762973"/>
           </a:xfrm>
           <a:prstGeom prst="rect">
@@ -16534,13 +17246,15 @@
               </a:ext>
             </a:extLst>
           </p:cNvPr>
-          <p:cNvCxnSpPr/>
+          <p:cNvCxnSpPr>
+            <a:cxnSpLocks/>
+          </p:cNvCxnSpPr>
           <p:nvPr/>
         </p:nvCxnSpPr>
         <p:spPr>
-          <a:xfrm>
-            <a:off x="3160863" y="658693"/>
-            <a:ext cx="2011680" cy="0"/>
+          <a:xfrm flipV="1">
+            <a:off x="3914859" y="858387"/>
+            <a:ext cx="1875781" cy="1605"/>
           </a:xfrm>
           <a:prstGeom prst="line">
             <a:avLst/>
@@ -16575,13 +17289,16 @@
               </a:ext>
             </a:extLst>
           </p:cNvPr>
-          <p:cNvCxnSpPr/>
+          <p:cNvCxnSpPr>
+            <a:cxnSpLocks/>
+            <a:stCxn id="56" idx="1"/>
+          </p:cNvCxnSpPr>
           <p:nvPr/>
         </p:nvCxnSpPr>
         <p:spPr>
-          <a:xfrm>
-            <a:off x="3154728" y="1050914"/>
-            <a:ext cx="2011680" cy="0"/>
+          <a:xfrm flipV="1">
+            <a:off x="3914859" y="1241643"/>
+            <a:ext cx="1869646" cy="10570"/>
           </a:xfrm>
           <a:prstGeom prst="line">
             <a:avLst/>
@@ -16616,13 +17333,15 @@
               </a:ext>
             </a:extLst>
           </p:cNvPr>
-          <p:cNvCxnSpPr/>
+          <p:cNvCxnSpPr>
+            <a:cxnSpLocks/>
+          </p:cNvCxnSpPr>
           <p:nvPr/>
         </p:nvCxnSpPr>
         <p:spPr>
-          <a:xfrm>
-            <a:off x="3154728" y="1498976"/>
-            <a:ext cx="2011680" cy="0"/>
+          <a:xfrm flipV="1">
+            <a:off x="3914859" y="1698670"/>
+            <a:ext cx="1869646" cy="21816"/>
           </a:xfrm>
           <a:prstGeom prst="line">
             <a:avLst/>
@@ -16664,7 +17383,7 @@
         </p:nvCxnSpPr>
         <p:spPr>
           <a:xfrm>
-            <a:off x="4196879" y="-1"/>
+            <a:off x="4814976" y="199693"/>
             <a:ext cx="0" cy="2145751"/>
           </a:xfrm>
           <a:prstGeom prst="line">
@@ -16707,7 +17426,7 @@
         </p:nvCxnSpPr>
         <p:spPr>
           <a:xfrm>
-            <a:off x="3752512" y="98862"/>
+            <a:off x="4370609" y="298556"/>
             <a:ext cx="0" cy="2145751"/>
           </a:xfrm>
           <a:prstGeom prst="line">
@@ -16750,7 +17469,7 @@
         </p:nvCxnSpPr>
         <p:spPr>
           <a:xfrm>
-            <a:off x="4655683" y="0"/>
+            <a:off x="5273780" y="199694"/>
             <a:ext cx="0" cy="2095421"/>
           </a:xfrm>
           <a:prstGeom prst="line">
@@ -16791,7 +17510,7 @@
         </p:nvSpPr>
         <p:spPr>
           <a:xfrm>
-            <a:off x="3296762" y="188713"/>
+            <a:off x="3914859" y="388407"/>
             <a:ext cx="1727612" cy="1727612"/>
           </a:xfrm>
           <a:prstGeom prst="rect">
@@ -16843,8 +17562,8 @@
         </p:nvSpPr>
         <p:spPr>
           <a:xfrm>
-            <a:off x="4219424" y="1035239"/>
-            <a:ext cx="739642" cy="459711"/>
+            <a:off x="4365077" y="1234933"/>
+            <a:ext cx="1212086" cy="459711"/>
           </a:xfrm>
           <a:prstGeom prst="rect">
             <a:avLst/>
@@ -16895,8 +17614,8 @@
         </p:nvSpPr>
         <p:spPr>
           <a:xfrm>
-            <a:off x="3370797" y="1520792"/>
-            <a:ext cx="1557338" cy="376815"/>
+            <a:off x="3988894" y="1633864"/>
+            <a:ext cx="1557338" cy="463437"/>
           </a:xfrm>
           <a:prstGeom prst="rect">
             <a:avLst/>
@@ -16947,7 +17666,7 @@
         </p:nvSpPr>
         <p:spPr>
           <a:xfrm>
-            <a:off x="7652435" y="219777"/>
+            <a:off x="6809600" y="419471"/>
             <a:ext cx="1557338" cy="810126"/>
           </a:xfrm>
           <a:prstGeom prst="rect">
@@ -16999,7 +17718,7 @@
         </p:nvSpPr>
         <p:spPr>
           <a:xfrm>
-            <a:off x="7735584" y="1042881"/>
+            <a:off x="6892749" y="1242575"/>
             <a:ext cx="1201390" cy="459711"/>
           </a:xfrm>
           <a:prstGeom prst="rect">
@@ -17039,10 +17758,10 @@
       </p:sp>
       <p:pic>
         <p:nvPicPr>
-          <p:cNvPr id="64" name="Picture 63">
-            <a:extLst>
-              <a:ext uri="{FF2B5EF4-FFF2-40B4-BE49-F238E27FC236}">
-                <a16:creationId xmlns:a16="http://schemas.microsoft.com/office/drawing/2014/main" id="{3B77BD95-0E0F-2A41-B799-BEEC63F1523E}"/>
+          <p:cNvPr id="57" name="Picture 56">
+            <a:extLst>
+              <a:ext uri="{FF2B5EF4-FFF2-40B4-BE49-F238E27FC236}">
+                <a16:creationId xmlns:a16="http://schemas.microsoft.com/office/drawing/2014/main" id="{C6BD0FD9-FAA7-BD4D-8D8A-BB06E8009022}"/>
               </a:ext>
             </a:extLst>
           </p:cNvPr>
@@ -17065,55 +17784,20 @@
         </p:blipFill>
         <p:spPr>
           <a:xfrm>
-            <a:off x="7107476" y="3949806"/>
-            <a:ext cx="479245" cy="479245"/>
+            <a:off x="960624" y="5187513"/>
+            <a:ext cx="1438963" cy="1438963"/>
           </a:xfrm>
           <a:prstGeom prst="rect">
             <a:avLst/>
           </a:prstGeom>
         </p:spPr>
       </p:pic>
-      <p:sp>
-        <p:nvSpPr>
-          <p:cNvPr id="65" name="TextBox 64">
-            <a:extLst>
-              <a:ext uri="{FF2B5EF4-FFF2-40B4-BE49-F238E27FC236}">
-                <a16:creationId xmlns:a16="http://schemas.microsoft.com/office/drawing/2014/main" id="{E3C76D73-3F35-2D44-A97C-4BAE524BC2C6}"/>
-              </a:ext>
-            </a:extLst>
-          </p:cNvPr>
-          <p:cNvSpPr txBox="1"/>
-          <p:nvPr/>
-        </p:nvSpPr>
-        <p:spPr>
-          <a:xfrm>
-            <a:off x="5717413" y="5908169"/>
-            <a:ext cx="1222642" cy="461665"/>
-          </a:xfrm>
-          <a:prstGeom prst="rect">
-            <a:avLst/>
-          </a:prstGeom>
-          <a:noFill/>
-        </p:spPr>
-        <p:txBody>
-          <a:bodyPr wrap="none" rtlCol="0">
-            <a:spAutoFit/>
-          </a:bodyPr>
-          <a:lstStyle/>
-          <a:p>
-            <a:r>
-              <a:rPr lang="en-US" sz="2400" b="1" dirty="0"/>
-              <a:t>Internet</a:t>
-            </a:r>
-          </a:p>
-        </p:txBody>
-      </p:sp>
       <p:pic>
         <p:nvPicPr>
-          <p:cNvPr id="57" name="Picture 56">
-            <a:extLst>
-              <a:ext uri="{FF2B5EF4-FFF2-40B4-BE49-F238E27FC236}">
-                <a16:creationId xmlns:a16="http://schemas.microsoft.com/office/drawing/2014/main" id="{C6BD0FD9-FAA7-BD4D-8D8A-BB06E8009022}"/>
+          <p:cNvPr id="58" name="Picture 57">
+            <a:extLst>
+              <a:ext uri="{FF2B5EF4-FFF2-40B4-BE49-F238E27FC236}">
+                <a16:creationId xmlns:a16="http://schemas.microsoft.com/office/drawing/2014/main" id="{D45A0F4C-A08A-3040-B31A-A663216CD94F}"/>
               </a:ext>
             </a:extLst>
           </p:cNvPr>
@@ -17136,8 +17820,8 @@
         </p:blipFill>
         <p:spPr>
           <a:xfrm>
-            <a:off x="975553" y="4897329"/>
-            <a:ext cx="1683789" cy="1683789"/>
+            <a:off x="9950488" y="5217290"/>
+            <a:ext cx="1284887" cy="1284887"/>
           </a:xfrm>
           <a:prstGeom prst="rect">
             <a:avLst/>
@@ -17146,10 +17830,10 @@
       </p:pic>
       <p:pic>
         <p:nvPicPr>
-          <p:cNvPr id="58" name="Picture 57">
-            <a:extLst>
-              <a:ext uri="{FF2B5EF4-FFF2-40B4-BE49-F238E27FC236}">
-                <a16:creationId xmlns:a16="http://schemas.microsoft.com/office/drawing/2014/main" id="{D45A0F4C-A08A-3040-B31A-A663216CD94F}"/>
+          <p:cNvPr id="63" name="Picture 62">
+            <a:extLst>
+              <a:ext uri="{FF2B5EF4-FFF2-40B4-BE49-F238E27FC236}">
+                <a16:creationId xmlns:a16="http://schemas.microsoft.com/office/drawing/2014/main" id="{1A33BC18-CB98-7848-9CEE-E7CECCF01DF4}"/>
               </a:ext>
             </a:extLst>
           </p:cNvPr>
@@ -17172,14 +17856,490 @@
         </p:blipFill>
         <p:spPr>
           <a:xfrm>
-            <a:off x="9880498" y="4945455"/>
-            <a:ext cx="1592815" cy="1592815"/>
+            <a:off x="7609362" y="1220289"/>
+            <a:ext cx="479245" cy="479245"/>
           </a:xfrm>
           <a:prstGeom prst="rect">
             <a:avLst/>
           </a:prstGeom>
         </p:spPr>
       </p:pic>
+      <p:pic>
+        <p:nvPicPr>
+          <p:cNvPr id="3" name="Picture 2">
+            <a:extLst>
+              <a:ext uri="{FF2B5EF4-FFF2-40B4-BE49-F238E27FC236}">
+                <a16:creationId xmlns:a16="http://schemas.microsoft.com/office/drawing/2014/main" id="{AE36E9D2-2408-1841-A6E1-49B572F0A608}"/>
+              </a:ext>
+            </a:extLst>
+          </p:cNvPr>
+          <p:cNvPicPr>
+            <a:picLocks noChangeAspect="1"/>
+          </p:cNvPicPr>
+          <p:nvPr/>
+        </p:nvPicPr>
+        <p:blipFill>
+          <a:blip r:embed="rId6">
+            <a:extLst>
+              <a:ext uri="{28A0092B-C50C-407E-A947-70E740481C1C}">
+                <a14:useLocalDpi xmlns:a14="http://schemas.microsoft.com/office/drawing/2010/main" val="0"/>
+              </a:ext>
+            </a:extLst>
+          </a:blip>
+          <a:stretch>
+            <a:fillRect/>
+          </a:stretch>
+        </p:blipFill>
+        <p:spPr>
+          <a:xfrm>
+            <a:off x="7042221" y="3831552"/>
+            <a:ext cx="483811" cy="483811"/>
+          </a:xfrm>
+          <a:prstGeom prst="rect">
+            <a:avLst/>
+          </a:prstGeom>
+        </p:spPr>
+      </p:pic>
+      <p:pic>
+        <p:nvPicPr>
+          <p:cNvPr id="13" name="Picture 12">
+            <a:extLst>
+              <a:ext uri="{FF2B5EF4-FFF2-40B4-BE49-F238E27FC236}">
+                <a16:creationId xmlns:a16="http://schemas.microsoft.com/office/drawing/2014/main" id="{B8915015-7E7A-FF49-ADD5-9F2241D545D8}"/>
+              </a:ext>
+            </a:extLst>
+          </p:cNvPr>
+          <p:cNvPicPr>
+            <a:picLocks noChangeAspect="1"/>
+          </p:cNvPicPr>
+          <p:nvPr/>
+        </p:nvPicPr>
+        <p:blipFill>
+          <a:blip r:embed="rId7">
+            <a:extLst>
+              <a:ext uri="{28A0092B-C50C-407E-A947-70E740481C1C}">
+                <a14:useLocalDpi xmlns:a14="http://schemas.microsoft.com/office/drawing/2010/main" val="0"/>
+              </a:ext>
+            </a:extLst>
+          </a:blip>
+          <a:stretch>
+            <a:fillRect/>
+          </a:stretch>
+        </p:blipFill>
+        <p:spPr>
+          <a:xfrm>
+            <a:off x="7804229" y="5311842"/>
+            <a:ext cx="968902" cy="968902"/>
+          </a:xfrm>
+          <a:prstGeom prst="rect">
+            <a:avLst/>
+          </a:prstGeom>
+        </p:spPr>
+      </p:pic>
+      <p:pic>
+        <p:nvPicPr>
+          <p:cNvPr id="15" name="Picture 14">
+            <a:extLst>
+              <a:ext uri="{FF2B5EF4-FFF2-40B4-BE49-F238E27FC236}">
+                <a16:creationId xmlns:a16="http://schemas.microsoft.com/office/drawing/2014/main" id="{FBED7FCD-F816-B246-81DD-D8D49645000E}"/>
+              </a:ext>
+            </a:extLst>
+          </p:cNvPr>
+          <p:cNvPicPr>
+            <a:picLocks noChangeAspect="1"/>
+          </p:cNvPicPr>
+          <p:nvPr/>
+        </p:nvPicPr>
+        <p:blipFill>
+          <a:blip r:embed="rId8">
+            <a:extLst>
+              <a:ext uri="{28A0092B-C50C-407E-A947-70E740481C1C}">
+                <a14:useLocalDpi xmlns:a14="http://schemas.microsoft.com/office/drawing/2010/main" val="0"/>
+              </a:ext>
+            </a:extLst>
+          </a:blip>
+          <a:stretch>
+            <a:fillRect/>
+          </a:stretch>
+        </p:blipFill>
+        <p:spPr>
+          <a:xfrm>
+            <a:off x="6909871" y="5460495"/>
+            <a:ext cx="752043" cy="752043"/>
+          </a:xfrm>
+          <a:prstGeom prst="rect">
+            <a:avLst/>
+          </a:prstGeom>
+        </p:spPr>
+      </p:pic>
+      <p:pic>
+        <p:nvPicPr>
+          <p:cNvPr id="68" name="Picture 67">
+            <a:extLst>
+              <a:ext uri="{FF2B5EF4-FFF2-40B4-BE49-F238E27FC236}">
+                <a16:creationId xmlns:a16="http://schemas.microsoft.com/office/drawing/2014/main" id="{FB6CEED8-597C-BF42-B6C3-E7D674A690E2}"/>
+              </a:ext>
+            </a:extLst>
+          </p:cNvPr>
+          <p:cNvPicPr>
+            <a:picLocks noChangeAspect="1"/>
+          </p:cNvPicPr>
+          <p:nvPr/>
+        </p:nvPicPr>
+        <p:blipFill>
+          <a:blip r:embed="rId8">
+            <a:extLst>
+              <a:ext uri="{28A0092B-C50C-407E-A947-70E740481C1C}">
+                <a14:useLocalDpi xmlns:a14="http://schemas.microsoft.com/office/drawing/2010/main" val="0"/>
+              </a:ext>
+            </a:extLst>
+          </a:blip>
+          <a:stretch>
+            <a:fillRect/>
+          </a:stretch>
+        </p:blipFill>
+        <p:spPr>
+          <a:xfrm>
+            <a:off x="4885310" y="5467153"/>
+            <a:ext cx="752043" cy="752043"/>
+          </a:xfrm>
+          <a:prstGeom prst="rect">
+            <a:avLst/>
+          </a:prstGeom>
+        </p:spPr>
+      </p:pic>
+      <p:pic>
+        <p:nvPicPr>
+          <p:cNvPr id="69" name="Picture 68">
+            <a:extLst>
+              <a:ext uri="{FF2B5EF4-FFF2-40B4-BE49-F238E27FC236}">
+                <a16:creationId xmlns:a16="http://schemas.microsoft.com/office/drawing/2014/main" id="{1DA37EDC-5CDC-CE47-8962-82DAC23BD3CE}"/>
+              </a:ext>
+            </a:extLst>
+          </p:cNvPr>
+          <p:cNvPicPr>
+            <a:picLocks noChangeAspect="1"/>
+          </p:cNvPicPr>
+          <p:nvPr/>
+        </p:nvPicPr>
+        <p:blipFill>
+          <a:blip r:embed="rId7">
+            <a:extLst>
+              <a:ext uri="{28A0092B-C50C-407E-A947-70E740481C1C}">
+                <a14:useLocalDpi xmlns:a14="http://schemas.microsoft.com/office/drawing/2010/main" val="0"/>
+              </a:ext>
+            </a:extLst>
+          </a:blip>
+          <a:stretch>
+            <a:fillRect/>
+          </a:stretch>
+        </p:blipFill>
+        <p:spPr>
+          <a:xfrm>
+            <a:off x="5790494" y="5343258"/>
+            <a:ext cx="968902" cy="968902"/>
+          </a:xfrm>
+          <a:prstGeom prst="rect">
+            <a:avLst/>
+          </a:prstGeom>
+        </p:spPr>
+      </p:pic>
+      <p:pic>
+        <p:nvPicPr>
+          <p:cNvPr id="70" name="Picture 69">
+            <a:extLst>
+              <a:ext uri="{FF2B5EF4-FFF2-40B4-BE49-F238E27FC236}">
+                <a16:creationId xmlns:a16="http://schemas.microsoft.com/office/drawing/2014/main" id="{FFE27B71-19D5-FC4C-B9A3-E059A9AC409E}"/>
+              </a:ext>
+            </a:extLst>
+          </p:cNvPr>
+          <p:cNvPicPr>
+            <a:picLocks noChangeAspect="1"/>
+          </p:cNvPicPr>
+          <p:nvPr/>
+        </p:nvPicPr>
+        <p:blipFill>
+          <a:blip r:embed="rId7">
+            <a:extLst>
+              <a:ext uri="{28A0092B-C50C-407E-A947-70E740481C1C}">
+                <a14:useLocalDpi xmlns:a14="http://schemas.microsoft.com/office/drawing/2010/main" val="0"/>
+              </a:ext>
+            </a:extLst>
+          </a:blip>
+          <a:stretch>
+            <a:fillRect/>
+          </a:stretch>
+        </p:blipFill>
+        <p:spPr>
+          <a:xfrm>
+            <a:off x="3791509" y="5334312"/>
+            <a:ext cx="968902" cy="968902"/>
+          </a:xfrm>
+          <a:prstGeom prst="rect">
+            <a:avLst/>
+          </a:prstGeom>
+        </p:spPr>
+      </p:pic>
+      <p:sp>
+        <p:nvSpPr>
+          <p:cNvPr id="71" name="Right Arrow 70">
+            <a:extLst>
+              <a:ext uri="{FF2B5EF4-FFF2-40B4-BE49-F238E27FC236}">
+                <a16:creationId xmlns:a16="http://schemas.microsoft.com/office/drawing/2014/main" id="{B3C8272E-D337-954A-ADC2-536FEDF28CE0}"/>
+              </a:ext>
+            </a:extLst>
+          </p:cNvPr>
+          <p:cNvSpPr/>
+          <p:nvPr/>
+        </p:nvSpPr>
+        <p:spPr>
+          <a:xfrm rot="16200000" flipH="1">
+            <a:off x="7665593" y="3303186"/>
+            <a:ext cx="2278533" cy="369617"/>
+          </a:xfrm>
+          <a:prstGeom prst="rightArrow">
+            <a:avLst/>
+          </a:prstGeom>
+          <a:solidFill>
+            <a:schemeClr val="accent3"/>
+          </a:solidFill>
+          <a:ln>
+            <a:noFill/>
+          </a:ln>
+        </p:spPr>
+        <p:style>
+          <a:lnRef idx="2">
+            <a:schemeClr val="accent1">
+              <a:shade val="50000"/>
+            </a:schemeClr>
+          </a:lnRef>
+          <a:fillRef idx="1">
+            <a:schemeClr val="accent1"/>
+          </a:fillRef>
+          <a:effectRef idx="0">
+            <a:schemeClr val="accent1"/>
+          </a:effectRef>
+          <a:fontRef idx="minor">
+            <a:schemeClr val="lt1"/>
+          </a:fontRef>
+        </p:style>
+        <p:txBody>
+          <a:bodyPr rtlCol="0" anchor="ctr"/>
+          <a:lstStyle/>
+          <a:p>
+            <a:pPr algn="ctr"/>
+            <a:endParaRPr lang="en-US" b="1"/>
+          </a:p>
+        </p:txBody>
+      </p:sp>
+      <p:sp>
+        <p:nvSpPr>
+          <p:cNvPr id="72" name="Right Arrow 71">
+            <a:extLst>
+              <a:ext uri="{FF2B5EF4-FFF2-40B4-BE49-F238E27FC236}">
+                <a16:creationId xmlns:a16="http://schemas.microsoft.com/office/drawing/2014/main" id="{C00CD957-0FFB-D746-80DF-4EBB2B145403}"/>
+              </a:ext>
+            </a:extLst>
+          </p:cNvPr>
+          <p:cNvSpPr/>
+          <p:nvPr/>
+        </p:nvSpPr>
+        <p:spPr>
+          <a:xfrm rot="5400000" flipH="1">
+            <a:off x="2691821" y="1350241"/>
+            <a:ext cx="1512410" cy="369617"/>
+          </a:xfrm>
+          <a:prstGeom prst="rightArrow">
+            <a:avLst/>
+          </a:prstGeom>
+          <a:solidFill>
+            <a:schemeClr val="accent5"/>
+          </a:solidFill>
+          <a:ln>
+            <a:noFill/>
+          </a:ln>
+        </p:spPr>
+        <p:style>
+          <a:lnRef idx="2">
+            <a:schemeClr val="accent1">
+              <a:shade val="50000"/>
+            </a:schemeClr>
+          </a:lnRef>
+          <a:fillRef idx="1">
+            <a:schemeClr val="accent1"/>
+          </a:fillRef>
+          <a:effectRef idx="0">
+            <a:schemeClr val="accent1"/>
+          </a:effectRef>
+          <a:fontRef idx="minor">
+            <a:schemeClr val="lt1"/>
+          </a:fontRef>
+        </p:style>
+        <p:txBody>
+          <a:bodyPr rtlCol="0" anchor="ctr"/>
+          <a:lstStyle/>
+          <a:p>
+            <a:pPr algn="ctr"/>
+            <a:endParaRPr lang="en-US" b="1"/>
+          </a:p>
+        </p:txBody>
+      </p:sp>
+      <p:sp>
+        <p:nvSpPr>
+          <p:cNvPr id="73" name="Rectangle 72">
+            <a:extLst>
+              <a:ext uri="{FF2B5EF4-FFF2-40B4-BE49-F238E27FC236}">
+                <a16:creationId xmlns:a16="http://schemas.microsoft.com/office/drawing/2014/main" id="{727667A4-C4B7-B24E-9FE4-64336F859B85}"/>
+              </a:ext>
+            </a:extLst>
+          </p:cNvPr>
+          <p:cNvSpPr/>
+          <p:nvPr/>
+        </p:nvSpPr>
+        <p:spPr>
+          <a:xfrm>
+            <a:off x="3359612" y="2348728"/>
+            <a:ext cx="180363" cy="2296172"/>
+          </a:xfrm>
+          <a:prstGeom prst="rect">
+            <a:avLst/>
+          </a:prstGeom>
+          <a:solidFill>
+            <a:schemeClr val="accent3"/>
+          </a:solidFill>
+          <a:ln w="38100">
+            <a:noFill/>
+          </a:ln>
+        </p:spPr>
+        <p:style>
+          <a:lnRef idx="2">
+            <a:schemeClr val="accent1">
+              <a:shade val="50000"/>
+            </a:schemeClr>
+          </a:lnRef>
+          <a:fillRef idx="1">
+            <a:schemeClr val="accent1"/>
+          </a:fillRef>
+          <a:effectRef idx="0">
+            <a:schemeClr val="accent1"/>
+          </a:effectRef>
+          <a:fontRef idx="minor">
+            <a:schemeClr val="lt1"/>
+          </a:fontRef>
+        </p:style>
+        <p:txBody>
+          <a:bodyPr rtlCol="0" anchor="ctr"/>
+          <a:lstStyle/>
+          <a:p>
+            <a:pPr algn="ctr"/>
+            <a:endParaRPr lang="en-US" b="1" dirty="0">
+              <a:solidFill>
+                <a:schemeClr val="bg1"/>
+              </a:solidFill>
+            </a:endParaRPr>
+          </a:p>
+        </p:txBody>
+      </p:sp>
+      <p:sp>
+        <p:nvSpPr>
+          <p:cNvPr id="74" name="Rectangle 73">
+            <a:extLst>
+              <a:ext uri="{FF2B5EF4-FFF2-40B4-BE49-F238E27FC236}">
+                <a16:creationId xmlns:a16="http://schemas.microsoft.com/office/drawing/2014/main" id="{AC7C5B13-2DD2-FF45-A974-1A0EFB1BEDBF}"/>
+              </a:ext>
+            </a:extLst>
+          </p:cNvPr>
+          <p:cNvSpPr/>
+          <p:nvPr/>
+        </p:nvSpPr>
+        <p:spPr>
+          <a:xfrm>
+            <a:off x="8713307" y="765846"/>
+            <a:ext cx="175132" cy="1525409"/>
+          </a:xfrm>
+          <a:prstGeom prst="rect">
+            <a:avLst/>
+          </a:prstGeom>
+          <a:solidFill>
+            <a:schemeClr val="accent5"/>
+          </a:solidFill>
+          <a:ln w="38100">
+            <a:noFill/>
+          </a:ln>
+        </p:spPr>
+        <p:style>
+          <a:lnRef idx="2">
+            <a:schemeClr val="accent1">
+              <a:shade val="50000"/>
+            </a:schemeClr>
+          </a:lnRef>
+          <a:fillRef idx="1">
+            <a:schemeClr val="accent1"/>
+          </a:fillRef>
+          <a:effectRef idx="0">
+            <a:schemeClr val="accent1"/>
+          </a:effectRef>
+          <a:fontRef idx="minor">
+            <a:schemeClr val="lt1"/>
+          </a:fontRef>
+        </p:style>
+        <p:txBody>
+          <a:bodyPr rtlCol="0" anchor="ctr"/>
+          <a:lstStyle/>
+          <a:p>
+            <a:pPr algn="ctr"/>
+            <a:endParaRPr lang="en-US" b="1" dirty="0">
+              <a:solidFill>
+                <a:schemeClr val="bg1"/>
+              </a:solidFill>
+            </a:endParaRPr>
+          </a:p>
+        </p:txBody>
+      </p:sp>
+      <p:sp>
+        <p:nvSpPr>
+          <p:cNvPr id="16" name="TextBox 15">
+            <a:extLst>
+              <a:ext uri="{FF2B5EF4-FFF2-40B4-BE49-F238E27FC236}">
+                <a16:creationId xmlns:a16="http://schemas.microsoft.com/office/drawing/2014/main" id="{75DE0276-70B8-A44D-AC6B-9B53D706BAA3}"/>
+              </a:ext>
+            </a:extLst>
+          </p:cNvPr>
+          <p:cNvSpPr txBox="1"/>
+          <p:nvPr/>
+        </p:nvSpPr>
+        <p:spPr>
+          <a:xfrm>
+            <a:off x="2857463" y="6199878"/>
+            <a:ext cx="6537367" cy="400110"/>
+          </a:xfrm>
+          <a:prstGeom prst="rect">
+            <a:avLst/>
+          </a:prstGeom>
+          <a:noFill/>
+        </p:spPr>
+        <p:txBody>
+          <a:bodyPr wrap="none" rtlCol="0">
+            <a:spAutoFit/>
+          </a:bodyPr>
+          <a:lstStyle/>
+          <a:p>
+            <a:r>
+              <a:rPr lang="ja-JP" altLang="en-US" sz="2000" b="1"/>
+              <a:t>様々な機器を通るが</a:t>
+            </a:r>
+            <a:r>
+              <a:rPr lang="en-US" altLang="ja-JP" sz="2000" b="1" dirty="0"/>
+              <a:t>IP</a:t>
+            </a:r>
+            <a:r>
+              <a:rPr lang="ja-JP" altLang="en-US" sz="2000" b="1"/>
+              <a:t>とイーサネットを見て転送される</a:t>
+            </a:r>
+            <a:endParaRPr lang="en-US" sz="2000" b="1" dirty="0"/>
+          </a:p>
+        </p:txBody>
+      </p:sp>
     </p:spTree>
     <p:extLst>
       <p:ext uri="{BB962C8B-B14F-4D97-AF65-F5344CB8AC3E}">
